--- a/Documents/הגשת פרויקט/לסרטון.pptx
+++ b/Documents/הגשת פרויקט/לסרטון.pptx
@@ -11352,14 +11352,14 @@
           <a:lstStyle/>
           <a:p>
             <a:r>
-              <a:rPr lang="he-IL"/>
+              <a:rPr lang="he-IL" dirty="0"/>
               <a:t>מִי בָכֶם מִכָּל עַמּוֹ ה’ אֱלֹהָיו עִמּוֹ וְיָעַל</a:t>
             </a:r>
             <a:r>
-              <a:rPr lang="he-IL"/>
+              <a:rPr lang="he-IL" dirty="0"/>
               <a:t>". </a:t>
             </a:r>
-            <a:endParaRPr lang="he-IL"/>
+            <a:endParaRPr lang="he-IL" dirty="0"/>
           </a:p>
         </p:txBody>
       </p:sp>

--- a/Documents/הגשת פרויקט/לסרטון.pptx
+++ b/Documents/הגשת פרויקט/לסרטון.pptx
@@ -6,15 +6,13 @@
     <p:sldMasterId id="2147483650" r:id="rId2"/>
   </p:sldMasterIdLst>
   <p:notesMasterIdLst>
-    <p:notesMasterId r:id="rId9"/>
+    <p:notesMasterId r:id="rId7"/>
   </p:notesMasterIdLst>
   <p:sldIdLst>
     <p:sldId id="256" r:id="rId3"/>
-    <p:sldId id="271" r:id="rId4"/>
-    <p:sldId id="272" r:id="rId5"/>
-    <p:sldId id="265" r:id="rId6"/>
-    <p:sldId id="266" r:id="rId7"/>
-    <p:sldId id="270" r:id="rId8"/>
+    <p:sldId id="272" r:id="rId4"/>
+    <p:sldId id="265" r:id="rId5"/>
+    <p:sldId id="266" r:id="rId6"/>
   </p:sldIdLst>
   <p:sldSz cx="9144000" cy="6858000" type="screen4x3"/>
   <p:notesSz cx="6858000" cy="9144000"/>
@@ -820,531 +818,6 @@
 </file>
 
 <file path=ppt/notesSlides/notesSlide2.xml><?xml version="1.0" encoding="utf-8"?>
-<p:notes xmlns:a="http://schemas.openxmlformats.org/drawingml/2006/main" xmlns:r="http://schemas.openxmlformats.org/officeDocument/2006/relationships" xmlns:p="http://schemas.openxmlformats.org/presentationml/2006/main">
-  <p:cSld>
-    <p:spTree>
-      <p:nvGrpSpPr>
-        <p:cNvPr id="1" name=""/>
-        <p:cNvGrpSpPr/>
-        <p:nvPr/>
-      </p:nvGrpSpPr>
-      <p:grpSpPr>
-        <a:xfrm>
-          <a:off x="0" y="0"/>
-          <a:ext cx="0" cy="0"/>
-          <a:chOff x="0" y="0"/>
-          <a:chExt cx="0" cy="0"/>
-        </a:xfrm>
-      </p:grpSpPr>
-      <p:sp>
-        <p:nvSpPr>
-          <p:cNvPr id="2" name="Slide Image Placeholder 1"/>
-          <p:cNvSpPr>
-            <a:spLocks noGrp="1" noRot="1" noChangeAspect="1"/>
-          </p:cNvSpPr>
-          <p:nvPr>
-            <p:ph type="sldImg"/>
-          </p:nvPr>
-        </p:nvSpPr>
-        <p:spPr/>
-      </p:sp>
-      <mc:AlternateContent xmlns:mc="http://schemas.openxmlformats.org/markup-compatibility/2006" xmlns:a14="http://schemas.microsoft.com/office/drawing/2010/main">
-        <mc:Choice Requires="a14">
-          <p:sp>
-            <p:nvSpPr>
-              <p:cNvPr id="3" name="Notes Placeholder 2"/>
-              <p:cNvSpPr>
-                <a:spLocks noGrp="1"/>
-              </p:cNvSpPr>
-              <p:nvPr>
-                <p:ph type="body" idx="1"/>
-              </p:nvPr>
-            </p:nvSpPr>
-            <p:spPr/>
-            <p:txBody>
-              <a:bodyPr/>
-              <a:lstStyle/>
-              <a:p>
-                <a:pPr algn="r" rtl="1"/>
-                <a:r>
-                  <a:rPr lang="he-IL" sz="1200" kern="1200" dirty="0" smtClean="0">
-                    <a:solidFill>
-                      <a:schemeClr val="tx1"/>
-                    </a:solidFill>
-                    <a:effectLst/>
-                    <a:latin typeface="Arial" pitchFamily="34" charset="0"/>
-                    <a:ea typeface="+mn-ea"/>
-                    <a:cs typeface="+mn-cs"/>
-                  </a:rPr>
-                  <a:t>נניח שהייתם</a:t>
-                </a:r>
-                <a:r>
-                  <a:rPr lang="he-IL" sz="1200" kern="1200" baseline="0" dirty="0" smtClean="0">
-                    <a:solidFill>
-                      <a:schemeClr val="tx1"/>
-                    </a:solidFill>
-                    <a:effectLst/>
-                    <a:latin typeface="Arial" pitchFamily="34" charset="0"/>
-                    <a:ea typeface="+mn-ea"/>
-                    <a:cs typeface="+mn-cs"/>
-                  </a:rPr>
-                  <a:t> צריכים למצוא בתנ"ך את הפסוק הבא:</a:t>
-                </a:r>
-              </a:p>
-              <a:p>
-                <a:pPr algn="r" rtl="1"/>
-                <a:r>
-                  <a:rPr lang="he-IL" dirty="0" smtClean="0"/>
-                  <a:t>"...מִי בָכֶם מִכָּל עַמּוֹ ה’ אֱלֹהָיו עִמּוֹ וְיָעַל". </a:t>
-                </a:r>
-              </a:p>
-              <a:p>
-                <a:pPr algn="r" rtl="1"/>
-                <a:endParaRPr lang="he-IL" sz="1200" kern="1200" dirty="0" smtClean="0">
-                  <a:solidFill>
-                    <a:schemeClr val="tx1"/>
-                  </a:solidFill>
-                  <a:effectLst/>
-                  <a:latin typeface="Arial" pitchFamily="34" charset="0"/>
-                  <a:ea typeface="+mn-ea"/>
-                  <a:cs typeface="+mn-cs"/>
-                </a:endParaRPr>
-              </a:p>
-              <a:p>
-                <a:pPr algn="r" rtl="1"/>
-                <a:r>
-                  <a:rPr lang="he-IL" sz="1200" kern="1200" dirty="0" smtClean="0">
-                    <a:solidFill>
-                      <a:schemeClr val="tx1"/>
-                    </a:solidFill>
-                    <a:effectLst/>
-                    <a:latin typeface="Arial" pitchFamily="34" charset="0"/>
-                    <a:ea typeface="+mn-ea"/>
-                    <a:cs typeface="+mn-cs"/>
-                  </a:rPr>
-                  <a:t>כנראה שהייתם</a:t>
-                </a:r>
-                <a:r>
-                  <a:rPr lang="he-IL" sz="1200" kern="1200" baseline="0" dirty="0" smtClean="0">
-                    <a:solidFill>
-                      <a:schemeClr val="tx1"/>
-                    </a:solidFill>
-                    <a:effectLst/>
-                    <a:latin typeface="Arial" pitchFamily="34" charset="0"/>
-                    <a:ea typeface="+mn-ea"/>
-                    <a:cs typeface="+mn-cs"/>
-                  </a:rPr>
-                  <a:t> מתחילים בבראשית.</a:t>
-                </a:r>
-              </a:p>
-              <a:p>
-                <a:pPr algn="r" rtl="1"/>
-                <a:r>
-                  <a:rPr lang="he-IL" sz="1200" kern="1200" baseline="0" dirty="0" smtClean="0">
-                    <a:solidFill>
-                      <a:schemeClr val="tx1"/>
-                    </a:solidFill>
-                    <a:effectLst/>
-                    <a:latin typeface="Arial" pitchFamily="34" charset="0"/>
-                    <a:ea typeface="+mn-ea"/>
-                    <a:cs typeface="+mn-cs"/>
-                  </a:rPr>
-                  <a:t>וקוראים \</a:t>
-                </a:r>
-                <a:endParaRPr lang="he-IL" sz="1200" kern="1200" dirty="0" smtClean="0">
-                  <a:solidFill>
-                    <a:schemeClr val="tx1"/>
-                  </a:solidFill>
-                  <a:effectLst/>
-                  <a:latin typeface="Arial" pitchFamily="34" charset="0"/>
-                  <a:ea typeface="+mn-ea"/>
-                  <a:cs typeface="+mn-cs"/>
-                </a:endParaRPr>
-              </a:p>
-              <a:p>
-                <a:pPr algn="r" rtl="1"/>
-                <a:endParaRPr lang="en-US" sz="1200" kern="1200" dirty="0">
-                  <a:solidFill>
-                    <a:schemeClr val="tx1"/>
-                  </a:solidFill>
-                  <a:effectLst/>
-                  <a:latin typeface="Arial" pitchFamily="34" charset="0"/>
-                  <a:ea typeface="+mn-ea"/>
-                  <a:cs typeface="+mn-cs"/>
-                </a:endParaRPr>
-              </a:p>
-            </p:txBody>
-          </p:sp>
-        </mc:Choice>
-        <mc:Fallback xmlns="">
-          <p:sp>
-            <p:nvSpPr>
-              <p:cNvPr id="3" name="Notes Placeholder 2"/>
-              <p:cNvSpPr>
-                <a:spLocks noGrp="1"/>
-              </p:cNvSpPr>
-              <p:nvPr>
-                <p:ph type="body" idx="1"/>
-              </p:nvPr>
-            </p:nvSpPr>
-            <p:spPr/>
-            <p:txBody>
-              <a:bodyPr/>
-              <a:lstStyle/>
-              <a:p>
-                <a:pPr lvl="0" algn="r" rtl="1"/>
-                <a:r>
-                  <a:rPr lang="en-US" sz="1200" kern="1200" dirty="0" smtClean="0">
-                    <a:solidFill>
-                      <a:schemeClr val="tx1"/>
-                    </a:solidFill>
-                    <a:effectLst/>
-                    <a:latin typeface="Arial" pitchFamily="34" charset="0"/>
-                    <a:ea typeface="+mn-ea"/>
-                    <a:cs typeface="+mn-cs"/>
-                  </a:rPr>
-                  <a:t>Align</a:t>
-                </a:r>
-                <a:r>
-                  <a:rPr lang="en-US" sz="1200" kern="1200" dirty="0">
-                    <a:solidFill>
-                      <a:schemeClr val="tx1"/>
-                    </a:solidFill>
-                    <a:effectLst/>
-                    <a:latin typeface="Arial" pitchFamily="34" charset="0"/>
-                    <a:ea typeface="+mn-ea"/>
-                    <a:cs typeface="+mn-cs"/>
-                  </a:rPr>
-                  <a:t> </a:t>
-                </a:r>
-                <a:r>
-                  <a:rPr lang="he-IL" sz="1200" kern="1200" dirty="0">
-                    <a:solidFill>
-                      <a:schemeClr val="tx1"/>
-                    </a:solidFill>
-                    <a:effectLst/>
-                    <a:latin typeface="Arial" pitchFamily="34" charset="0"/>
-                    <a:ea typeface="+mn-ea"/>
-                    <a:cs typeface="+mn-cs"/>
-                  </a:rPr>
-                  <a:t>– אלגוריתם יעיל לחיפוש מהסוג שלנו שפותח בדיוק למטרה זו, ויתואר ביתר הרחבה בהמשך. </a:t>
-                </a:r>
-                <a:endParaRPr lang="en-US" sz="1200" kern="1200" dirty="0">
-                  <a:solidFill>
-                    <a:schemeClr val="tx1"/>
-                  </a:solidFill>
-                  <a:effectLst/>
-                  <a:latin typeface="Arial" pitchFamily="34" charset="0"/>
-                  <a:ea typeface="+mn-ea"/>
-                  <a:cs typeface="+mn-cs"/>
-                </a:endParaRPr>
-              </a:p>
-              <a:p>
-                <a:pPr algn="r" rtl="1"/>
-                <a:r>
-                  <a:rPr lang="he-IL" sz="1200" kern="1200" dirty="0">
-                    <a:solidFill>
-                      <a:schemeClr val="tx1"/>
-                    </a:solidFill>
-                    <a:effectLst/>
-                    <a:latin typeface="Arial" pitchFamily="34" charset="0"/>
-                    <a:ea typeface="+mn-ea"/>
-                    <a:cs typeface="+mn-cs"/>
-                  </a:rPr>
-                  <a:t>יעילותו: </a:t>
-                </a:r>
-                <a:r>
-                  <a:rPr lang="he-IL" sz="1200" i="0" kern="1200">
-                    <a:solidFill>
-                      <a:schemeClr val="tx1"/>
-                    </a:solidFill>
-                    <a:effectLst/>
-                    <a:latin typeface="Arial" pitchFamily="34" charset="0"/>
-                    <a:ea typeface="+mn-ea"/>
-                    <a:cs typeface="+mn-cs"/>
-                  </a:rPr>
-                  <a:t>𝜃</a:t>
-                </a:r>
-                <a:r>
-                  <a:rPr lang="en-US" sz="1200" i="0" kern="1200">
-                    <a:solidFill>
-                      <a:schemeClr val="tx1"/>
-                    </a:solidFill>
-                    <a:effectLst/>
-                    <a:latin typeface="Arial" pitchFamily="34" charset="0"/>
-                    <a:ea typeface="+mn-ea"/>
-                    <a:cs typeface="+mn-cs"/>
-                  </a:rPr>
-                  <a:t>(|w|)</a:t>
-                </a:r>
-                <a:r>
-                  <a:rPr lang="he-IL" sz="1200" kern="1200" dirty="0">
-                    <a:solidFill>
-                      <a:schemeClr val="tx1"/>
-                    </a:solidFill>
-                    <a:effectLst/>
-                    <a:latin typeface="Arial" pitchFamily="34" charset="0"/>
-                    <a:ea typeface="+mn-ea"/>
-                    <a:cs typeface="+mn-cs"/>
-                  </a:rPr>
-                  <a:t> (לא תלוי באורך באורך הגנום!). </a:t>
-                </a:r>
-                <a:endParaRPr lang="en-US" sz="1200" kern="1200" dirty="0">
-                  <a:solidFill>
-                    <a:schemeClr val="tx1"/>
-                  </a:solidFill>
-                  <a:effectLst/>
-                  <a:latin typeface="Arial" pitchFamily="34" charset="0"/>
-                  <a:ea typeface="+mn-ea"/>
-                  <a:cs typeface="+mn-cs"/>
-                </a:endParaRPr>
-              </a:p>
-              <a:p>
-                <a:pPr algn="r" rtl="1"/>
-                <a:r>
-                  <a:rPr lang="he-IL" sz="1200" kern="1200" dirty="0">
-                    <a:solidFill>
-                      <a:schemeClr val="tx1"/>
-                    </a:solidFill>
-                    <a:effectLst/>
-                    <a:latin typeface="Arial" pitchFamily="34" charset="0"/>
-                    <a:ea typeface="+mn-ea"/>
-                    <a:cs typeface="+mn-cs"/>
-                  </a:rPr>
-                  <a:t>בפועל, יש לאלגוריתם זה עלויות נוספות:</a:t>
-                </a:r>
-                <a:endParaRPr lang="en-US" sz="1200" kern="1200" dirty="0">
-                  <a:solidFill>
-                    <a:schemeClr val="tx1"/>
-                  </a:solidFill>
-                  <a:effectLst/>
-                  <a:latin typeface="Arial" pitchFamily="34" charset="0"/>
-                  <a:ea typeface="+mn-ea"/>
-                  <a:cs typeface="+mn-cs"/>
-                </a:endParaRPr>
-              </a:p>
-              <a:p>
-                <a:pPr lvl="0" algn="r" rtl="1"/>
-                <a:r>
-                  <a:rPr lang="en-US" sz="1200" kern="1200" dirty="0">
-                    <a:solidFill>
-                      <a:schemeClr val="tx1"/>
-                    </a:solidFill>
-                    <a:effectLst/>
-                    <a:latin typeface="Arial" pitchFamily="34" charset="0"/>
-                    <a:ea typeface="+mn-ea"/>
-                    <a:cs typeface="+mn-cs"/>
-                  </a:rPr>
-                  <a:t>Pre Processing</a:t>
-                </a:r>
-                <a:r>
-                  <a:rPr lang="he-IL" sz="1200" kern="1200" dirty="0">
-                    <a:solidFill>
-                      <a:schemeClr val="tx1"/>
-                    </a:solidFill>
-                    <a:effectLst/>
-                    <a:latin typeface="Arial" pitchFamily="34" charset="0"/>
-                    <a:ea typeface="+mn-ea"/>
-                    <a:cs typeface="+mn-cs"/>
-                  </a:rPr>
-                  <a:t> : </a:t>
-                </a:r>
-                <a:r>
-                  <a:rPr lang="en-US" sz="1200" i="0" kern="1200">
-                    <a:solidFill>
-                      <a:schemeClr val="tx1"/>
-                    </a:solidFill>
-                    <a:effectLst/>
-                    <a:latin typeface="Arial" pitchFamily="34" charset="0"/>
-                    <a:ea typeface="+mn-ea"/>
-                    <a:cs typeface="+mn-cs"/>
-                  </a:rPr>
-                  <a:t>𝑂(|X|)</a:t>
-                </a:r>
-                <a:endParaRPr lang="en-US" sz="1200" kern="1200" dirty="0">
-                  <a:solidFill>
-                    <a:schemeClr val="tx1"/>
-                  </a:solidFill>
-                  <a:effectLst/>
-                  <a:latin typeface="Arial" pitchFamily="34" charset="0"/>
-                  <a:ea typeface="+mn-ea"/>
-                  <a:cs typeface="+mn-cs"/>
-                </a:endParaRPr>
-              </a:p>
-              <a:p>
-                <a:pPr lvl="0" algn="r" rtl="1"/>
-                <a:r>
-                  <a:rPr lang="he-IL" sz="1200" kern="1200" dirty="0">
-                    <a:solidFill>
-                      <a:schemeClr val="tx1"/>
-                    </a:solidFill>
-                    <a:effectLst/>
-                    <a:latin typeface="Arial" pitchFamily="34" charset="0"/>
-                    <a:ea typeface="+mn-ea"/>
-                    <a:cs typeface="+mn-cs"/>
-                  </a:rPr>
-                  <a:t>את הפעולה מבצעים על מספר גדול מאוד של קריאות, </a:t>
-                </a:r>
-                <a:r>
-                  <a:rPr lang="en-US" sz="1200" i="0" kern="1200">
-                    <a:solidFill>
-                      <a:schemeClr val="tx1"/>
-                    </a:solidFill>
-                    <a:effectLst/>
-                    <a:latin typeface="Arial" pitchFamily="34" charset="0"/>
-                    <a:ea typeface="+mn-ea"/>
-                    <a:cs typeface="+mn-cs"/>
-                  </a:rPr>
-                  <a:t>𝑚</a:t>
-                </a:r>
-                <a:r>
-                  <a:rPr lang="he-IL" sz="1200" kern="1200" dirty="0">
-                    <a:solidFill>
-                      <a:schemeClr val="tx1"/>
-                    </a:solidFill>
-                    <a:effectLst/>
-                    <a:latin typeface="Arial" pitchFamily="34" charset="0"/>
-                    <a:ea typeface="+mn-ea"/>
-                    <a:cs typeface="+mn-cs"/>
-                  </a:rPr>
-                  <a:t>.</a:t>
-                </a:r>
-                <a:endParaRPr lang="en-US" sz="1200" kern="1200" dirty="0">
-                  <a:solidFill>
-                    <a:schemeClr val="tx1"/>
-                  </a:solidFill>
-                  <a:effectLst/>
-                  <a:latin typeface="Arial" pitchFamily="34" charset="0"/>
-                  <a:ea typeface="+mn-ea"/>
-                  <a:cs typeface="+mn-cs"/>
-                </a:endParaRPr>
-              </a:p>
-              <a:p>
-                <a:pPr algn="r" rtl="1"/>
-                <a:r>
-                  <a:rPr lang="he-IL" sz="1200" kern="1200" dirty="0">
-                    <a:solidFill>
-                      <a:schemeClr val="tx1"/>
-                    </a:solidFill>
-                    <a:effectLst/>
-                    <a:latin typeface="Arial" pitchFamily="34" charset="0"/>
-                    <a:ea typeface="+mn-ea"/>
-                    <a:cs typeface="+mn-cs"/>
-                  </a:rPr>
-                  <a:t>ולכן, סה"כ יעילות הלגוריתם היא </a:t>
-                </a:r>
-                <a:r>
-                  <a:rPr lang="he-IL" sz="1200" i="0" kern="1200">
-                    <a:solidFill>
-                      <a:schemeClr val="tx1"/>
-                    </a:solidFill>
-                    <a:effectLst/>
-                    <a:latin typeface="Arial" pitchFamily="34" charset="0"/>
-                    <a:ea typeface="+mn-ea"/>
-                    <a:cs typeface="+mn-cs"/>
-                  </a:rPr>
-                  <a:t>𝜃</a:t>
-                </a:r>
-                <a:r>
-                  <a:rPr lang="en-US" sz="1200" i="0" kern="1200">
-                    <a:solidFill>
-                      <a:schemeClr val="tx1"/>
-                    </a:solidFill>
-                    <a:effectLst/>
-                    <a:latin typeface="Arial" pitchFamily="34" charset="0"/>
-                    <a:ea typeface="+mn-ea"/>
-                    <a:cs typeface="+mn-cs"/>
-                  </a:rPr>
-                  <a:t>(|X|)+𝑚</a:t>
-                </a:r>
-                <a:r>
-                  <a:rPr lang="he-IL" sz="1200" i="0" kern="1200">
-                    <a:solidFill>
-                      <a:schemeClr val="tx1"/>
-                    </a:solidFill>
-                    <a:effectLst/>
-                    <a:latin typeface="Arial" pitchFamily="34" charset="0"/>
-                    <a:ea typeface="+mn-ea"/>
-                    <a:cs typeface="+mn-cs"/>
-                  </a:rPr>
-                  <a:t>𝜃</a:t>
-                </a:r>
-                <a:r>
-                  <a:rPr lang="en-US" sz="1200" i="0" kern="1200">
-                    <a:solidFill>
-                      <a:schemeClr val="tx1"/>
-                    </a:solidFill>
-                    <a:effectLst/>
-                    <a:latin typeface="Arial" pitchFamily="34" charset="0"/>
-                    <a:ea typeface="+mn-ea"/>
-                    <a:cs typeface="+mn-cs"/>
-                  </a:rPr>
-                  <a:t>(|𝑤|)</a:t>
-                </a:r>
-                <a:endParaRPr lang="en-US" sz="1200" kern="1200" dirty="0">
-                  <a:solidFill>
-                    <a:schemeClr val="tx1"/>
-                  </a:solidFill>
-                  <a:effectLst/>
-                  <a:latin typeface="Arial" pitchFamily="34" charset="0"/>
-                  <a:ea typeface="+mn-ea"/>
-                  <a:cs typeface="+mn-cs"/>
-                </a:endParaRPr>
-              </a:p>
-              <a:p>
-                <a:pPr algn="r" rtl="1"/>
-                <a:endParaRPr lang="en-US" sz="1200" kern="1200" dirty="0">
-                  <a:solidFill>
-                    <a:schemeClr val="tx1"/>
-                  </a:solidFill>
-                  <a:effectLst/>
-                  <a:latin typeface="Arial" pitchFamily="34" charset="0"/>
-                  <a:ea typeface="+mn-ea"/>
-                  <a:cs typeface="+mn-cs"/>
-                </a:endParaRPr>
-              </a:p>
-            </p:txBody>
-          </p:sp>
-        </mc:Fallback>
-      </mc:AlternateContent>
-      <p:sp>
-        <p:nvSpPr>
-          <p:cNvPr id="4" name="Slide Number Placeholder 3"/>
-          <p:cNvSpPr>
-            <a:spLocks noGrp="1"/>
-          </p:cNvSpPr>
-          <p:nvPr>
-            <p:ph type="sldNum" sz="quarter" idx="10"/>
-          </p:nvPr>
-        </p:nvSpPr>
-        <p:spPr/>
-        <p:txBody>
-          <a:bodyPr/>
-          <a:lstStyle/>
-          <a:p>
-            <a:fld id="{BB3C0BDA-275C-4F72-B40D-28BA313A146B}" type="slidenum">
-              <a:rPr lang="en-US" altLang="he-IL" smtClean="0"/>
-              <a:pPr/>
-              <a:t>2</a:t>
-            </a:fld>
-            <a:endParaRPr lang="en-US" altLang="he-IL"/>
-          </a:p>
-        </p:txBody>
-      </p:sp>
-    </p:spTree>
-    <p:extLst>
-      <p:ext uri="{BB962C8B-B14F-4D97-AF65-F5344CB8AC3E}">
-        <p14:creationId xmlns:p14="http://schemas.microsoft.com/office/powerpoint/2010/main" val="1335780148"/>
-      </p:ext>
-    </p:extLst>
-  </p:cSld>
-  <p:clrMapOvr>
-    <a:masterClrMapping/>
-  </p:clrMapOvr>
-</p:notes>
-</file>
-
-<file path=ppt/notesSlides/notesSlide3.xml><?xml version="1.0" encoding="utf-8"?>
 <p:notes xmlns:a="http://schemas.openxmlformats.org/drawingml/2006/main" xmlns:r="http://schemas.openxmlformats.org/officeDocument/2006/relationships" xmlns:p="http://schemas.openxmlformats.org/presentationml/2006/main">
   <p:cSld>
     <p:spTree>
@@ -1933,7 +1406,7 @@
             <a:fld id="{BB3C0BDA-275C-4F72-B40D-28BA313A146B}" type="slidenum">
               <a:rPr lang="en-US" altLang="he-IL" smtClean="0"/>
               <a:pPr/>
-              <a:t>3</a:t>
+              <a:t>2</a:t>
             </a:fld>
             <a:endParaRPr lang="en-US" altLang="he-IL"/>
           </a:p>
@@ -1952,7 +1425,7 @@
 </p:notes>
 </file>
 
-<file path=ppt/notesSlides/notesSlide4.xml><?xml version="1.0" encoding="utf-8"?>
+<file path=ppt/notesSlides/notesSlide3.xml><?xml version="1.0" encoding="utf-8"?>
 <p:notes xmlns:a="http://schemas.openxmlformats.org/drawingml/2006/main" xmlns:r="http://schemas.openxmlformats.org/officeDocument/2006/relationships" xmlns:p="http://schemas.openxmlformats.org/presentationml/2006/main">
   <p:cSld>
     <p:spTree>
@@ -2424,7 +1897,7 @@
             <a:fld id="{BB3C0BDA-275C-4F72-B40D-28BA313A146B}" type="slidenum">
               <a:rPr lang="en-US" altLang="he-IL" smtClean="0"/>
               <a:pPr/>
-              <a:t>4</a:t>
+              <a:t>3</a:t>
             </a:fld>
             <a:endParaRPr lang="en-US" altLang="he-IL"/>
           </a:p>
@@ -2443,7 +1916,7 @@
 </p:notes>
 </file>
 
-<file path=ppt/notesSlides/notesSlide5.xml><?xml version="1.0" encoding="utf-8"?>
+<file path=ppt/notesSlides/notesSlide4.xml><?xml version="1.0" encoding="utf-8"?>
 <p:notes xmlns:a="http://schemas.openxmlformats.org/drawingml/2006/main" xmlns:r="http://schemas.openxmlformats.org/officeDocument/2006/relationships" xmlns:p="http://schemas.openxmlformats.org/presentationml/2006/main">
   <p:cSld>
     <p:spTree>
@@ -2487,7 +1960,7 @@
           <a:bodyPr/>
           <a:lstStyle/>
           <a:p>
-            <a:pPr algn="r" rtl="1"/>
+            <a:pPr lvl="0" algn="r" rtl="1"/>
             <a:r>
               <a:rPr lang="he-IL" sz="1200" kern="1200" dirty="0" smtClean="0">
                 <a:solidFill>
@@ -2498,7 +1971,7 @@
                 <a:ea typeface="+mn-ea"/>
                 <a:cs typeface="+mn-cs"/>
               </a:rPr>
-              <a:t>נשים לב </a:t>
+              <a:t>מחרוזות שלהן יש רישה משותפת, </a:t>
             </a:r>
             <a:r>
               <a:rPr lang="he-IL" sz="1200" b="1" kern="1200" dirty="0" smtClean="0">
@@ -2510,7 +1983,7 @@
                 <a:ea typeface="+mn-ea"/>
                 <a:cs typeface="+mn-cs"/>
               </a:rPr>
-              <a:t>לחידוש הגדול שבאלגוריתם</a:t>
+              <a:t>נמצאים על אותו ענף בעץ ועל אותו מסלול של האלגוריתם!</a:t>
             </a:r>
             <a:r>
               <a:rPr lang="he-IL" sz="1200" kern="1200" dirty="0" smtClean="0">
@@ -2522,130 +1995,7 @@
                 <a:ea typeface="+mn-ea"/>
                 <a:cs typeface="+mn-cs"/>
               </a:rPr>
-              <a:t> זה כפי שהוא מצוין בנקודות הבאות:</a:t>
-            </a:r>
-            <a:endParaRPr lang="en-US" sz="1200" kern="1200" dirty="0" smtClean="0">
-              <a:solidFill>
-                <a:schemeClr val="tx1"/>
-              </a:solidFill>
-              <a:effectLst/>
-              <a:latin typeface="Arial" pitchFamily="34" charset="0"/>
-              <a:ea typeface="+mn-ea"/>
-              <a:cs typeface="+mn-cs"/>
-            </a:endParaRPr>
-          </a:p>
-          <a:p>
-            <a:pPr lvl="0" algn="r" rtl="1"/>
-            <a:r>
-              <a:rPr lang="he-IL" sz="1200" kern="1200" dirty="0" smtClean="0">
-                <a:solidFill>
-                  <a:schemeClr val="tx1"/>
-                </a:solidFill>
-                <a:effectLst/>
-                <a:latin typeface="Arial" pitchFamily="34" charset="0"/>
-                <a:ea typeface="+mn-ea"/>
-                <a:cs typeface="+mn-cs"/>
-              </a:rPr>
-              <a:t>הקו לא יורד לכל עומק העץ – האלגוריתם יודע להתמודד עם שגיאות, </a:t>
-            </a:r>
-            <a:r>
-              <a:rPr lang="he-IL" sz="1200" b="1" kern="1200" dirty="0" smtClean="0">
-                <a:solidFill>
-                  <a:schemeClr val="tx1"/>
-                </a:solidFill>
-                <a:effectLst/>
-                <a:latin typeface="Arial" pitchFamily="34" charset="0"/>
-                <a:ea typeface="+mn-ea"/>
-                <a:cs typeface="+mn-cs"/>
-              </a:rPr>
-              <a:t>וממשיך לרדת</a:t>
-            </a:r>
-            <a:r>
-              <a:rPr lang="he-IL" sz="1200" kern="1200" dirty="0" smtClean="0">
-                <a:solidFill>
-                  <a:schemeClr val="tx1"/>
-                </a:solidFill>
-                <a:effectLst/>
-                <a:latin typeface="Arial" pitchFamily="34" charset="0"/>
-                <a:ea typeface="+mn-ea"/>
-                <a:cs typeface="+mn-cs"/>
-              </a:rPr>
-              <a:t> במורד העץ גם לאחר שגיאה אחת. ומאידך, ברגע שישנן יותר מדי שגיאות (2 במקרה הזה) </a:t>
-            </a:r>
-            <a:r>
-              <a:rPr lang="he-IL" sz="1200" b="1" kern="1200" dirty="0" smtClean="0">
-                <a:solidFill>
-                  <a:schemeClr val="tx1"/>
-                </a:solidFill>
-                <a:effectLst/>
-                <a:latin typeface="Arial" pitchFamily="34" charset="0"/>
-                <a:ea typeface="+mn-ea"/>
-                <a:cs typeface="+mn-cs"/>
-              </a:rPr>
-              <a:t>החיפוש נעצר</a:t>
-            </a:r>
-            <a:r>
-              <a:rPr lang="he-IL" sz="1200" kern="1200" dirty="0" smtClean="0">
-                <a:solidFill>
-                  <a:schemeClr val="tx1"/>
-                </a:solidFill>
-                <a:effectLst/>
-                <a:latin typeface="Arial" pitchFamily="34" charset="0"/>
-                <a:ea typeface="+mn-ea"/>
-                <a:cs typeface="+mn-cs"/>
-              </a:rPr>
-              <a:t> והקו עולה בחזרה במעלה העץ.</a:t>
-            </a:r>
-          </a:p>
-          <a:p>
-            <a:pPr lvl="0" algn="r" rtl="1"/>
-            <a:endParaRPr lang="en-US" sz="1200" kern="1200" dirty="0" smtClean="0">
-              <a:solidFill>
-                <a:schemeClr val="tx1"/>
-              </a:solidFill>
-              <a:effectLst/>
-              <a:latin typeface="Arial" pitchFamily="34" charset="0"/>
-              <a:ea typeface="+mn-ea"/>
-              <a:cs typeface="+mn-cs"/>
-            </a:endParaRPr>
-          </a:p>
-          <a:p>
-            <a:pPr lvl="0" algn="r" rtl="1"/>
-            <a:r>
-              <a:rPr lang="he-IL" sz="1200" kern="1200" dirty="0" smtClean="0">
-                <a:solidFill>
-                  <a:schemeClr val="tx1"/>
-                </a:solidFill>
-                <a:effectLst/>
-                <a:latin typeface="Arial" pitchFamily="34" charset="0"/>
-                <a:ea typeface="+mn-ea"/>
-                <a:cs typeface="+mn-cs"/>
-              </a:rPr>
-              <a:t>רישות שלהן יש רישה משותפת, </a:t>
-            </a:r>
-            <a:r>
-              <a:rPr lang="he-IL" sz="1200" b="1" kern="1200" dirty="0" smtClean="0">
-                <a:solidFill>
-                  <a:schemeClr val="tx1"/>
-                </a:solidFill>
-                <a:effectLst/>
-                <a:latin typeface="Arial" pitchFamily="34" charset="0"/>
-                <a:ea typeface="+mn-ea"/>
-                <a:cs typeface="+mn-cs"/>
-              </a:rPr>
-              <a:t>נמצאים על אותו מסלול של האלגוריתם!</a:t>
-            </a:r>
-            <a:r>
-              <a:rPr lang="he-IL" sz="1200" kern="1200" dirty="0" smtClean="0">
-                <a:solidFill>
-                  <a:schemeClr val="tx1"/>
-                </a:solidFill>
-                <a:effectLst/>
-                <a:latin typeface="Arial" pitchFamily="34" charset="0"/>
-                <a:ea typeface="+mn-ea"/>
-                <a:cs typeface="+mn-cs"/>
-              </a:rPr>
-              <a:t> (חסכון בזמן ריצה).</a:t>
+              <a:t> (שמתבטא בחסכון בזמן ריצה).</a:t>
             </a:r>
             <a:endParaRPr lang="en-US" sz="1200" kern="1200" dirty="0" smtClean="0">
               <a:solidFill>
@@ -2701,464 +2051,7 @@
             <a:fld id="{BB3C0BDA-275C-4F72-B40D-28BA313A146B}" type="slidenum">
               <a:rPr lang="en-US" altLang="he-IL" smtClean="0"/>
               <a:pPr/>
-              <a:t>5</a:t>
-            </a:fld>
-            <a:endParaRPr lang="en-US" altLang="he-IL"/>
-          </a:p>
-        </p:txBody>
-      </p:sp>
-    </p:spTree>
-    <p:extLst>
-      <p:ext uri="{BB962C8B-B14F-4D97-AF65-F5344CB8AC3E}">
-        <p14:creationId xmlns:p14="http://schemas.microsoft.com/office/powerpoint/2010/main" val="1335780148"/>
-      </p:ext>
-    </p:extLst>
-  </p:cSld>
-  <p:clrMapOvr>
-    <a:masterClrMapping/>
-  </p:clrMapOvr>
-</p:notes>
-</file>
-
-<file path=ppt/notesSlides/notesSlide6.xml><?xml version="1.0" encoding="utf-8"?>
-<p:notes xmlns:a="http://schemas.openxmlformats.org/drawingml/2006/main" xmlns:r="http://schemas.openxmlformats.org/officeDocument/2006/relationships" xmlns:p="http://schemas.openxmlformats.org/presentationml/2006/main">
-  <p:cSld>
-    <p:spTree>
-      <p:nvGrpSpPr>
-        <p:cNvPr id="1" name=""/>
-        <p:cNvGrpSpPr/>
-        <p:nvPr/>
-      </p:nvGrpSpPr>
-      <p:grpSpPr>
-        <a:xfrm>
-          <a:off x="0" y="0"/>
-          <a:ext cx="0" cy="0"/>
-          <a:chOff x="0" y="0"/>
-          <a:chExt cx="0" cy="0"/>
-        </a:xfrm>
-      </p:grpSpPr>
-      <p:sp>
-        <p:nvSpPr>
-          <p:cNvPr id="2" name="Slide Image Placeholder 1"/>
-          <p:cNvSpPr>
-            <a:spLocks noGrp="1" noRot="1" noChangeAspect="1"/>
-          </p:cNvSpPr>
-          <p:nvPr>
-            <p:ph type="sldImg"/>
-          </p:nvPr>
-        </p:nvSpPr>
-        <p:spPr/>
-      </p:sp>
-      <p:sp>
-        <p:nvSpPr>
-          <p:cNvPr id="3" name="Notes Placeholder 2"/>
-          <p:cNvSpPr>
-            <a:spLocks noGrp="1"/>
-          </p:cNvSpPr>
-          <p:nvPr>
-            <p:ph type="body" idx="1"/>
-          </p:nvPr>
-        </p:nvSpPr>
-        <p:spPr/>
-        <p:txBody>
-          <a:bodyPr/>
-          <a:lstStyle/>
-          <a:p>
-            <a:pPr algn="r" rtl="1"/>
-            <a:r>
-              <a:rPr lang="he-IL" sz="1200" kern="1200" dirty="0" smtClean="0">
-                <a:solidFill>
-                  <a:schemeClr val="tx1"/>
-                </a:solidFill>
-                <a:effectLst/>
-                <a:latin typeface="Arial" pitchFamily="34" charset="0"/>
-                <a:ea typeface="+mn-ea"/>
-                <a:cs typeface="+mn-cs"/>
-              </a:rPr>
-              <a:t>נשים לב </a:t>
-            </a:r>
-            <a:r>
-              <a:rPr lang="he-IL" sz="1200" b="1" kern="1200" dirty="0" smtClean="0">
-                <a:solidFill>
-                  <a:schemeClr val="tx1"/>
-                </a:solidFill>
-                <a:effectLst/>
-                <a:latin typeface="Arial" pitchFamily="34" charset="0"/>
-                <a:ea typeface="+mn-ea"/>
-                <a:cs typeface="+mn-cs"/>
-              </a:rPr>
-              <a:t>לחידוש הגדול שבאלגוריתם</a:t>
-            </a:r>
-            <a:r>
-              <a:rPr lang="he-IL" sz="1200" kern="1200" dirty="0" smtClean="0">
-                <a:solidFill>
-                  <a:schemeClr val="tx1"/>
-                </a:solidFill>
-                <a:effectLst/>
-                <a:latin typeface="Arial" pitchFamily="34" charset="0"/>
-                <a:ea typeface="+mn-ea"/>
-                <a:cs typeface="+mn-cs"/>
-              </a:rPr>
-              <a:t> זה כפי שהוא מצוין בנקודות הבאות:</a:t>
-            </a:r>
-            <a:endParaRPr lang="en-US" sz="1200" kern="1200" dirty="0" smtClean="0">
-              <a:solidFill>
-                <a:schemeClr val="tx1"/>
-              </a:solidFill>
-              <a:effectLst/>
-              <a:latin typeface="Arial" pitchFamily="34" charset="0"/>
-              <a:ea typeface="+mn-ea"/>
-              <a:cs typeface="+mn-cs"/>
-            </a:endParaRPr>
-          </a:p>
-          <a:p>
-            <a:pPr lvl="0" algn="r" rtl="1"/>
-            <a:r>
-              <a:rPr lang="he-IL" sz="1200" kern="1200" dirty="0" smtClean="0">
-                <a:solidFill>
-                  <a:schemeClr val="tx1"/>
-                </a:solidFill>
-                <a:effectLst/>
-                <a:latin typeface="Arial" pitchFamily="34" charset="0"/>
-                <a:ea typeface="+mn-ea"/>
-                <a:cs typeface="+mn-cs"/>
-              </a:rPr>
-              <a:t>הקו לא יורד לכל עומק העץ – האלגוריתם יודע להתמודד עם שגיאות, </a:t>
-            </a:r>
-            <a:r>
-              <a:rPr lang="he-IL" sz="1200" b="1" kern="1200" dirty="0" smtClean="0">
-                <a:solidFill>
-                  <a:schemeClr val="tx1"/>
-                </a:solidFill>
-                <a:effectLst/>
-                <a:latin typeface="Arial" pitchFamily="34" charset="0"/>
-                <a:ea typeface="+mn-ea"/>
-                <a:cs typeface="+mn-cs"/>
-              </a:rPr>
-              <a:t>וממשיך לרדת</a:t>
-            </a:r>
-            <a:r>
-              <a:rPr lang="he-IL" sz="1200" kern="1200" dirty="0" smtClean="0">
-                <a:solidFill>
-                  <a:schemeClr val="tx1"/>
-                </a:solidFill>
-                <a:effectLst/>
-                <a:latin typeface="Arial" pitchFamily="34" charset="0"/>
-                <a:ea typeface="+mn-ea"/>
-                <a:cs typeface="+mn-cs"/>
-              </a:rPr>
-              <a:t> במורד העץ גם לאחר שגיאה אחת. ומאידך, ברגע שישנן יותר מדי שגיאות (2 במקרה הזה) </a:t>
-            </a:r>
-            <a:r>
-              <a:rPr lang="he-IL" sz="1200" b="1" kern="1200" dirty="0" smtClean="0">
-                <a:solidFill>
-                  <a:schemeClr val="tx1"/>
-                </a:solidFill>
-                <a:effectLst/>
-                <a:latin typeface="Arial" pitchFamily="34" charset="0"/>
-                <a:ea typeface="+mn-ea"/>
-                <a:cs typeface="+mn-cs"/>
-              </a:rPr>
-              <a:t>החיפוש נעצר</a:t>
-            </a:r>
-            <a:r>
-              <a:rPr lang="he-IL" sz="1200" kern="1200" dirty="0" smtClean="0">
-                <a:solidFill>
-                  <a:schemeClr val="tx1"/>
-                </a:solidFill>
-                <a:effectLst/>
-                <a:latin typeface="Arial" pitchFamily="34" charset="0"/>
-                <a:ea typeface="+mn-ea"/>
-                <a:cs typeface="+mn-cs"/>
-              </a:rPr>
-              <a:t> והקו עולה בחזרה במעלה העץ.</a:t>
-            </a:r>
-          </a:p>
-          <a:p>
-            <a:pPr lvl="0" algn="r" rtl="1"/>
-            <a:endParaRPr lang="en-US" sz="1200" kern="1200" dirty="0" smtClean="0">
-              <a:solidFill>
-                <a:schemeClr val="tx1"/>
-              </a:solidFill>
-              <a:effectLst/>
-              <a:latin typeface="Arial" pitchFamily="34" charset="0"/>
-              <a:ea typeface="+mn-ea"/>
-              <a:cs typeface="+mn-cs"/>
-            </a:endParaRPr>
-          </a:p>
-          <a:p>
-            <a:pPr lvl="0" algn="r" rtl="1"/>
-            <a:r>
-              <a:rPr lang="he-IL" sz="1200" kern="1200" dirty="0" smtClean="0">
-                <a:solidFill>
-                  <a:schemeClr val="tx1"/>
-                </a:solidFill>
-                <a:effectLst/>
-                <a:latin typeface="Arial" pitchFamily="34" charset="0"/>
-                <a:ea typeface="+mn-ea"/>
-                <a:cs typeface="+mn-cs"/>
-              </a:rPr>
-              <a:t>רישות שלהן יש רישה משותפת, </a:t>
-            </a:r>
-            <a:r>
-              <a:rPr lang="he-IL" sz="1200" b="1" kern="1200" dirty="0" smtClean="0">
-                <a:solidFill>
-                  <a:schemeClr val="tx1"/>
-                </a:solidFill>
-                <a:effectLst/>
-                <a:latin typeface="Arial" pitchFamily="34" charset="0"/>
-                <a:ea typeface="+mn-ea"/>
-                <a:cs typeface="+mn-cs"/>
-              </a:rPr>
-              <a:t>נמצאים על אותו מסלול של האלגוריתם!</a:t>
-            </a:r>
-            <a:r>
-              <a:rPr lang="he-IL" sz="1200" kern="1200" dirty="0" smtClean="0">
-                <a:solidFill>
-                  <a:schemeClr val="tx1"/>
-                </a:solidFill>
-                <a:effectLst/>
-                <a:latin typeface="Arial" pitchFamily="34" charset="0"/>
-                <a:ea typeface="+mn-ea"/>
-                <a:cs typeface="+mn-cs"/>
-              </a:rPr>
-              <a:t> (חסכון בזמן ריצה).</a:t>
-            </a:r>
-            <a:endParaRPr lang="en-US" sz="1200" kern="1200" dirty="0" smtClean="0">
-              <a:solidFill>
-                <a:schemeClr val="tx1"/>
-              </a:solidFill>
-              <a:effectLst/>
-              <a:latin typeface="Arial" pitchFamily="34" charset="0"/>
-              <a:ea typeface="+mn-ea"/>
-              <a:cs typeface="+mn-cs"/>
-            </a:endParaRPr>
-          </a:p>
-          <a:p>
-            <a:pPr algn="r" rtl="1"/>
-            <a:r>
-              <a:rPr lang="he-IL" sz="1200" kern="1200" dirty="0" smtClean="0">
-                <a:solidFill>
-                  <a:schemeClr val="tx1"/>
-                </a:solidFill>
-                <a:effectLst/>
-                <a:latin typeface="Arial" pitchFamily="34" charset="0"/>
-                <a:ea typeface="+mn-ea"/>
-                <a:cs typeface="+mn-cs"/>
-              </a:rPr>
-              <a:t> </a:t>
-            </a:r>
-            <a:endParaRPr lang="en-US" sz="1200" kern="1200" dirty="0" smtClean="0">
-              <a:solidFill>
-                <a:schemeClr val="tx1"/>
-              </a:solidFill>
-              <a:effectLst/>
-              <a:latin typeface="Arial" pitchFamily="34" charset="0"/>
-              <a:ea typeface="+mn-ea"/>
-              <a:cs typeface="+mn-cs"/>
-            </a:endParaRPr>
-          </a:p>
-          <a:p>
-            <a:pPr algn="r" rtl="1"/>
-            <a:r>
-              <a:rPr lang="he-IL" sz="1200" kern="1200" dirty="0" smtClean="0">
-                <a:solidFill>
-                  <a:schemeClr val="tx1"/>
-                </a:solidFill>
-                <a:effectLst/>
-                <a:latin typeface="Arial" pitchFamily="34" charset="0"/>
-                <a:ea typeface="+mn-ea"/>
-                <a:cs typeface="+mn-cs"/>
-              </a:rPr>
-              <a:t> </a:t>
-            </a:r>
-            <a:endParaRPr lang="en-US" sz="1200" kern="1200" dirty="0" smtClean="0">
-              <a:solidFill>
-                <a:schemeClr val="tx1"/>
-              </a:solidFill>
-              <a:effectLst/>
-              <a:latin typeface="Arial" pitchFamily="34" charset="0"/>
-              <a:ea typeface="+mn-ea"/>
-              <a:cs typeface="+mn-cs"/>
-            </a:endParaRPr>
-          </a:p>
-          <a:p>
-            <a:pPr algn="r" rtl="1"/>
-            <a:r>
-              <a:rPr lang="he-IL" sz="1200" b="1" kern="1200" dirty="0" smtClean="0">
-                <a:solidFill>
-                  <a:schemeClr val="tx1"/>
-                </a:solidFill>
-                <a:effectLst/>
-                <a:latin typeface="Arial" pitchFamily="34" charset="0"/>
-                <a:ea typeface="+mn-ea"/>
-                <a:cs typeface="+mn-cs"/>
-              </a:rPr>
-              <a:t>הסבר</a:t>
-            </a:r>
-            <a:r>
-              <a:rPr lang="he-IL" sz="1200" kern="1200" dirty="0" smtClean="0">
-                <a:solidFill>
-                  <a:schemeClr val="tx1"/>
-                </a:solidFill>
-                <a:effectLst/>
-                <a:latin typeface="Arial" pitchFamily="34" charset="0"/>
-                <a:ea typeface="+mn-ea"/>
-                <a:cs typeface="+mn-cs"/>
-              </a:rPr>
-              <a:t>: מדוע הצומת המודגשת [1,1] המייצגת את המחרוזת '</a:t>
-            </a:r>
-            <a:r>
-              <a:rPr lang="en-US" sz="1200" kern="1200" dirty="0" smtClean="0">
-                <a:solidFill>
-                  <a:schemeClr val="tx1"/>
-                </a:solidFill>
-                <a:effectLst/>
-                <a:latin typeface="Arial" pitchFamily="34" charset="0"/>
-                <a:ea typeface="+mn-ea"/>
-                <a:cs typeface="+mn-cs"/>
-              </a:rPr>
-              <a:t>GOL</a:t>
-            </a:r>
-            <a:r>
-              <a:rPr lang="he-IL" sz="1200" kern="1200" dirty="0" smtClean="0">
-                <a:solidFill>
-                  <a:schemeClr val="tx1"/>
-                </a:solidFill>
-                <a:effectLst/>
-                <a:latin typeface="Arial" pitchFamily="34" charset="0"/>
-                <a:ea typeface="+mn-ea"/>
-                <a:cs typeface="+mn-cs"/>
-              </a:rPr>
-              <a:t>'?</a:t>
-            </a:r>
-            <a:endParaRPr lang="en-US" sz="1200" kern="1200" dirty="0" smtClean="0">
-              <a:solidFill>
-                <a:schemeClr val="tx1"/>
-              </a:solidFill>
-              <a:effectLst/>
-              <a:latin typeface="Arial" pitchFamily="34" charset="0"/>
-              <a:ea typeface="+mn-ea"/>
-              <a:cs typeface="+mn-cs"/>
-            </a:endParaRPr>
-          </a:p>
-          <a:p>
-            <a:pPr algn="r" rtl="1"/>
-            <a:r>
-              <a:rPr lang="he-IL" sz="1200" kern="1200" dirty="0" smtClean="0">
-                <a:solidFill>
-                  <a:schemeClr val="tx1"/>
-                </a:solidFill>
-                <a:effectLst/>
-                <a:latin typeface="Arial" pitchFamily="34" charset="0"/>
-                <a:ea typeface="+mn-ea"/>
-                <a:cs typeface="+mn-cs"/>
-              </a:rPr>
-              <a:t>[1,1] מייצג טווח של אינדקסים, ובמקרה שלנו – אינקדס יחיד: 1.</a:t>
-            </a:r>
-            <a:endParaRPr lang="en-US" sz="1200" kern="1200" dirty="0" smtClean="0">
-              <a:solidFill>
-                <a:schemeClr val="tx1"/>
-              </a:solidFill>
-              <a:effectLst/>
-              <a:latin typeface="Arial" pitchFamily="34" charset="0"/>
-              <a:ea typeface="+mn-ea"/>
-              <a:cs typeface="+mn-cs"/>
-            </a:endParaRPr>
-          </a:p>
-          <a:p>
-            <a:pPr algn="r" rtl="1"/>
-            <a:r>
-              <a:rPr lang="he-IL" sz="1200" kern="1200" dirty="0" smtClean="0">
-                <a:solidFill>
-                  <a:schemeClr val="tx1"/>
-                </a:solidFill>
-                <a:effectLst/>
-                <a:latin typeface="Arial" pitchFamily="34" charset="0"/>
-                <a:ea typeface="+mn-ea"/>
-                <a:cs typeface="+mn-cs"/>
-              </a:rPr>
-              <a:t>נלך לטבלת ה</a:t>
-            </a:r>
-            <a:r>
-              <a:rPr lang="en-US" sz="1200" kern="1200" dirty="0" smtClean="0">
-                <a:solidFill>
-                  <a:schemeClr val="tx1"/>
-                </a:solidFill>
-                <a:effectLst/>
-                <a:latin typeface="Arial" pitchFamily="34" charset="0"/>
-                <a:ea typeface="+mn-ea"/>
-                <a:cs typeface="+mn-cs"/>
-              </a:rPr>
-              <a:t>BWT</a:t>
-            </a:r>
-            <a:r>
-              <a:rPr lang="he-IL" sz="1200" kern="1200" dirty="0" smtClean="0">
-                <a:solidFill>
-                  <a:schemeClr val="tx1"/>
-                </a:solidFill>
-                <a:effectLst/>
-                <a:latin typeface="Arial" pitchFamily="34" charset="0"/>
-                <a:ea typeface="+mn-ea"/>
-                <a:cs typeface="+mn-cs"/>
-              </a:rPr>
-              <a:t>, ואכן באינדקס 1, מופיעה המחרוזת '</a:t>
-            </a:r>
-            <a:r>
-              <a:rPr lang="en-US" sz="1200" kern="1200" dirty="0" smtClean="0">
-                <a:solidFill>
-                  <a:schemeClr val="tx1"/>
-                </a:solidFill>
-                <a:effectLst/>
-                <a:latin typeface="Arial" pitchFamily="34" charset="0"/>
-                <a:ea typeface="+mn-ea"/>
-                <a:cs typeface="+mn-cs"/>
-              </a:rPr>
-              <a:t>GOL</a:t>
-            </a:r>
-            <a:r>
-              <a:rPr lang="he-IL" sz="1200" kern="1200" dirty="0" smtClean="0">
-                <a:solidFill>
-                  <a:schemeClr val="tx1"/>
-                </a:solidFill>
-                <a:effectLst/>
-                <a:latin typeface="Arial" pitchFamily="34" charset="0"/>
-                <a:ea typeface="+mn-ea"/>
-                <a:cs typeface="+mn-cs"/>
-              </a:rPr>
-              <a:t>'. </a:t>
-            </a:r>
-            <a:endParaRPr lang="en-US" sz="1200" kern="1200" dirty="0">
-              <a:solidFill>
-                <a:schemeClr val="tx1"/>
-              </a:solidFill>
-              <a:effectLst/>
-              <a:latin typeface="Arial" pitchFamily="34" charset="0"/>
-              <a:ea typeface="+mn-ea"/>
-              <a:cs typeface="+mn-cs"/>
-            </a:endParaRPr>
-          </a:p>
-        </p:txBody>
-      </p:sp>
-      <p:sp>
-        <p:nvSpPr>
-          <p:cNvPr id="4" name="Slide Number Placeholder 3"/>
-          <p:cNvSpPr>
-            <a:spLocks noGrp="1"/>
-          </p:cNvSpPr>
-          <p:nvPr>
-            <p:ph type="sldNum" sz="quarter" idx="10"/>
-          </p:nvPr>
-        </p:nvSpPr>
-        <p:spPr/>
-        <p:txBody>
-          <a:bodyPr/>
-          <a:lstStyle/>
-          <a:p>
-            <a:fld id="{BB3C0BDA-275C-4F72-B40D-28BA313A146B}" type="slidenum">
-              <a:rPr lang="en-US" altLang="he-IL" smtClean="0"/>
-              <a:pPr/>
-              <a:t>6</a:t>
+              <a:t>4</a:t>
             </a:fld>
             <a:endParaRPr lang="en-US" altLang="he-IL"/>
           </a:p>
@@ -10051,132 +8944,6 @@
 </file>
 
 <file path=ppt/slides/slide2.xml><?xml version="1.0" encoding="utf-8"?>
-<p:sld xmlns:a="http://schemas.openxmlformats.org/drawingml/2006/main" xmlns:r="http://schemas.openxmlformats.org/officeDocument/2006/relationships" xmlns:p="http://schemas.openxmlformats.org/presentationml/2006/main">
-  <p:cSld>
-    <p:spTree>
-      <p:nvGrpSpPr>
-        <p:cNvPr id="1" name=""/>
-        <p:cNvGrpSpPr/>
-        <p:nvPr/>
-      </p:nvGrpSpPr>
-      <p:grpSpPr>
-        <a:xfrm>
-          <a:off x="0" y="0"/>
-          <a:ext cx="0" cy="0"/>
-          <a:chOff x="0" y="0"/>
-          <a:chExt cx="0" cy="0"/>
-        </a:xfrm>
-      </p:grpSpPr>
-      <p:sp>
-        <p:nvSpPr>
-          <p:cNvPr id="3" name="Title 2"/>
-          <p:cNvSpPr>
-            <a:spLocks noGrp="1"/>
-          </p:cNvSpPr>
-          <p:nvPr>
-            <p:ph type="title"/>
-          </p:nvPr>
-        </p:nvSpPr>
-        <p:spPr>
-          <a:xfrm>
-            <a:off x="683568" y="260648"/>
-            <a:ext cx="7252766" cy="792088"/>
-          </a:xfrm>
-        </p:spPr>
-        <p:txBody>
-          <a:bodyPr/>
-          <a:lstStyle/>
-          <a:p>
-            <a:pPr algn="r"/>
-            <a:r>
-              <a:rPr lang="he-IL" dirty="0" smtClean="0"/>
-              <a:t>"...מִי </a:t>
-            </a:r>
-            <a:r>
-              <a:rPr lang="he-IL" dirty="0"/>
-              <a:t>בָכֶם מִכָּל עַמּוֹ ה’ אֱלֹהָיו עִמּוֹ וְיָעַל". </a:t>
-            </a:r>
-          </a:p>
-        </p:txBody>
-      </p:sp>
-      <p:sp>
-        <p:nvSpPr>
-          <p:cNvPr id="5" name="Content Placeholder 4"/>
-          <p:cNvSpPr>
-            <a:spLocks noGrp="1"/>
-          </p:cNvSpPr>
-          <p:nvPr>
-            <p:ph idx="1"/>
-          </p:nvPr>
-        </p:nvSpPr>
-        <p:spPr>
-          <a:xfrm>
-            <a:off x="1691680" y="1556792"/>
-            <a:ext cx="6326187" cy="4525963"/>
-          </a:xfrm>
-        </p:spPr>
-        <p:txBody>
-          <a:bodyPr/>
-          <a:lstStyle/>
-          <a:p>
-            <a:r>
-              <a:rPr lang="he-IL" dirty="0" smtClean="0"/>
-              <a:t>בראשית ברא אלוהים...</a:t>
-            </a:r>
-          </a:p>
-          <a:p>
-            <a:r>
-              <a:rPr lang="he-IL" dirty="0" smtClean="0"/>
-              <a:t>....</a:t>
-            </a:r>
-          </a:p>
-          <a:p>
-            <a:r>
-              <a:rPr lang="he-IL" dirty="0" smtClean="0"/>
-              <a:t>....</a:t>
-            </a:r>
-          </a:p>
-          <a:p>
-            <a:r>
-              <a:rPr lang="he-IL" dirty="0" smtClean="0"/>
-              <a:t>....</a:t>
-            </a:r>
-          </a:p>
-          <a:p>
-            <a:r>
-              <a:rPr lang="he-IL" dirty="0" smtClean="0"/>
-              <a:t>....</a:t>
-            </a:r>
-          </a:p>
-          <a:p>
-            <a:r>
-              <a:rPr lang="he-IL" dirty="0"/>
-              <a:t>"...מִי בָכֶם מִכָּל עַמּוֹ ה’ אֱלֹהָיו עִמּוֹ וְיָעַל"</a:t>
-            </a:r>
-          </a:p>
-        </p:txBody>
-      </p:sp>
-    </p:spTree>
-    <p:extLst>
-      <p:ext uri="{BB962C8B-B14F-4D97-AF65-F5344CB8AC3E}">
-        <p14:creationId xmlns:p14="http://schemas.microsoft.com/office/powerpoint/2010/main" val="1403742896"/>
-      </p:ext>
-    </p:extLst>
-  </p:cSld>
-  <p:clrMapOvr>
-    <a:masterClrMapping/>
-  </p:clrMapOvr>
-  <p:timing>
-    <p:tnLst>
-      <p:par>
-        <p:cTn id="1" dur="indefinite" restart="never" nodeType="tmRoot"/>
-      </p:par>
-    </p:tnLst>
-  </p:timing>
-</p:sld>
-</file>
-
-<file path=ppt/slides/slide3.xml><?xml version="1.0" encoding="utf-8"?>
 <p:sld xmlns:a="http://schemas.openxmlformats.org/drawingml/2006/main" xmlns:r="http://schemas.openxmlformats.org/officeDocument/2006/relationships" xmlns:p="http://schemas.openxmlformats.org/presentationml/2006/main">
   <p:cSld>
     <p:spTree>
@@ -13431,7 +12198,7 @@
 </p:sld>
 </file>
 
-<file path=ppt/slides/slide4.xml><?xml version="1.0" encoding="utf-8"?>
+<file path=ppt/slides/slide3.xml><?xml version="1.0" encoding="utf-8"?>
 <p:sld xmlns:a="http://schemas.openxmlformats.org/drawingml/2006/main" xmlns:r="http://schemas.openxmlformats.org/officeDocument/2006/relationships" xmlns:p="http://schemas.openxmlformats.org/presentationml/2006/main">
   <p:cSld>
     <p:spTree>
@@ -13846,7 +12613,7 @@
 </p:sld>
 </file>
 
-<file path=ppt/slides/slide5.xml><?xml version="1.0" encoding="utf-8"?>
+<file path=ppt/slides/slide4.xml><?xml version="1.0" encoding="utf-8"?>
 <p:sld xmlns:a="http://schemas.openxmlformats.org/drawingml/2006/main" xmlns:r="http://schemas.openxmlformats.org/officeDocument/2006/relationships" xmlns:p="http://schemas.openxmlformats.org/presentationml/2006/main">
   <p:cSld>
     <p:spTree>
@@ -14139,6858 +12906,6 @@
     </p:tnLst>
     <p:bldLst>
       <p:bldP spid="54275" grpId="0" uiExpand="1" build="p"/>
-    </p:bldLst>
-  </p:timing>
-</p:sld>
-</file>
-
-<file path=ppt/slides/slide6.xml><?xml version="1.0" encoding="utf-8"?>
-<p:sld xmlns:a="http://schemas.openxmlformats.org/drawingml/2006/main" xmlns:r="http://schemas.openxmlformats.org/officeDocument/2006/relationships" xmlns:p="http://schemas.openxmlformats.org/presentationml/2006/main">
-  <p:cSld>
-    <p:spTree>
-      <p:nvGrpSpPr>
-        <p:cNvPr id="1" name=""/>
-        <p:cNvGrpSpPr/>
-        <p:nvPr/>
-      </p:nvGrpSpPr>
-      <p:grpSpPr>
-        <a:xfrm>
-          <a:off x="0" y="0"/>
-          <a:ext cx="0" cy="0"/>
-          <a:chOff x="0" y="0"/>
-          <a:chExt cx="0" cy="0"/>
-        </a:xfrm>
-      </p:grpSpPr>
-      <p:sp>
-        <p:nvSpPr>
-          <p:cNvPr id="54274" name="Rectangle 2"/>
-          <p:cNvSpPr>
-            <a:spLocks noGrp="1" noChangeArrowheads="1"/>
-          </p:cNvSpPr>
-          <p:nvPr>
-            <p:ph type="title"/>
-          </p:nvPr>
-        </p:nvSpPr>
-        <p:spPr>
-          <a:xfrm>
-            <a:off x="6372200" y="192390"/>
-            <a:ext cx="2664296" cy="428298"/>
-          </a:xfrm>
-        </p:spPr>
-        <p:txBody>
-          <a:bodyPr/>
-          <a:lstStyle/>
-          <a:p>
-            <a:pPr lvl="0" algn="r"/>
-            <a:r>
-              <a:rPr lang="he-IL" b="1" dirty="0" smtClean="0">
-                <a:solidFill>
-                  <a:schemeClr val="tx1"/>
-                </a:solidFill>
-                <a:latin typeface="+mj-lt"/>
-                <a:ea typeface="+mj-ea"/>
-                <a:cs typeface="+mj-cs"/>
-              </a:rPr>
-              <a:t>הצעה לפתרון</a:t>
-            </a:r>
-            <a:endParaRPr lang="he-IL" altLang="he-IL" dirty="0"/>
-          </a:p>
-        </p:txBody>
-      </p:sp>
-      <p:sp>
-        <p:nvSpPr>
-          <p:cNvPr id="54275" name="Rectangle 3"/>
-          <p:cNvSpPr>
-            <a:spLocks noGrp="1" noChangeArrowheads="1"/>
-          </p:cNvSpPr>
-          <p:nvPr>
-            <p:ph type="body" idx="1"/>
-          </p:nvPr>
-        </p:nvSpPr>
-        <p:spPr>
-          <a:xfrm>
-            <a:off x="565288" y="479707"/>
-            <a:ext cx="8664446" cy="5400600"/>
-          </a:xfrm>
-        </p:spPr>
-        <p:txBody>
-          <a:bodyPr/>
-          <a:lstStyle/>
-          <a:p>
-            <a:pPr marL="0" indent="0">
-              <a:buNone/>
-            </a:pPr>
-            <a:r>
-              <a:rPr lang="he-IL" altLang="he-IL" sz="3200" dirty="0" smtClean="0"/>
-              <a:t>המחשת </a:t>
-            </a:r>
-            <a:r>
-              <a:rPr lang="he-IL" sz="3200" dirty="0"/>
-              <a:t>אלגוריתם </a:t>
-            </a:r>
-            <a:r>
-              <a:rPr lang="en-US" sz="3200" dirty="0" smtClean="0"/>
-              <a:t>BWA-Align</a:t>
-            </a:r>
-            <a:r>
-              <a:rPr lang="he-IL" sz="3200" dirty="0" smtClean="0"/>
-              <a:t> - המשך </a:t>
-            </a:r>
-            <a:r>
-              <a:rPr lang="he-IL" altLang="he-IL" sz="3200" dirty="0" smtClean="0"/>
-              <a:t>:</a:t>
-            </a:r>
-          </a:p>
-          <a:p>
-            <a:pPr marL="0" indent="0">
-              <a:buNone/>
-            </a:pPr>
-            <a:endParaRPr lang="he-IL" sz="2000" dirty="0" smtClean="0"/>
-          </a:p>
-          <a:p>
-            <a:pPr marL="0" indent="0">
-              <a:buNone/>
-            </a:pPr>
-            <a:endParaRPr lang="en-US" sz="2000" dirty="0" smtClean="0"/>
-          </a:p>
-          <a:p>
-            <a:pPr marL="0" indent="0">
-              <a:buNone/>
-            </a:pPr>
-            <a:endParaRPr lang="en-US" sz="1800" dirty="0"/>
-          </a:p>
-          <a:p>
-            <a:pPr marL="0" indent="0">
-              <a:buNone/>
-            </a:pPr>
-            <a:endParaRPr lang="he-IL" altLang="he-IL" sz="3200" dirty="0" smtClean="0"/>
-          </a:p>
-          <a:p>
-            <a:pPr lvl="0"/>
-            <a:endParaRPr lang="he-IL" sz="2000" dirty="0"/>
-          </a:p>
-          <a:p>
-            <a:pPr marL="0" lvl="0" indent="0">
-              <a:buNone/>
-            </a:pPr>
-            <a:endParaRPr lang="en-US" sz="2000" dirty="0">
-              <a:solidFill>
-                <a:schemeClr val="tx1"/>
-              </a:solidFill>
-              <a:latin typeface="+mn-lt"/>
-              <a:ea typeface="+mn-ea"/>
-              <a:cs typeface="+mn-cs"/>
-            </a:endParaRPr>
-          </a:p>
-          <a:p>
-            <a:pPr marL="0" lvl="0" indent="0">
-              <a:buNone/>
-            </a:pPr>
-            <a:endParaRPr lang="en-US" sz="2000" dirty="0">
-              <a:solidFill>
-                <a:schemeClr val="tx1"/>
-              </a:solidFill>
-              <a:latin typeface="+mn-lt"/>
-              <a:ea typeface="+mn-ea"/>
-              <a:cs typeface="+mn-cs"/>
-            </a:endParaRPr>
-          </a:p>
-          <a:p>
-            <a:pPr marL="0" indent="0">
-              <a:buNone/>
-            </a:pPr>
-            <a:endParaRPr lang="he-IL" sz="2000" dirty="0">
-              <a:latin typeface="Arial" pitchFamily="34" charset="0"/>
-            </a:endParaRPr>
-          </a:p>
-          <a:p>
-            <a:pPr marL="0" indent="0">
-              <a:buNone/>
-            </a:pPr>
-            <a:endParaRPr lang="en-US" sz="2000" dirty="0">
-              <a:latin typeface="Arial" pitchFamily="34" charset="0"/>
-            </a:endParaRPr>
-          </a:p>
-          <a:p>
-            <a:pPr marL="0" indent="0">
-              <a:buNone/>
-            </a:pPr>
-            <a:endParaRPr lang="he-IL" sz="2000" dirty="0" smtClean="0">
-              <a:solidFill>
-                <a:schemeClr val="tx1"/>
-              </a:solidFill>
-            </a:endParaRPr>
-          </a:p>
-          <a:p>
-            <a:endParaRPr lang="en-US" sz="2000" dirty="0">
-              <a:solidFill>
-                <a:schemeClr val="tx1"/>
-              </a:solidFill>
-            </a:endParaRPr>
-          </a:p>
-          <a:p>
-            <a:pPr lvl="1"/>
-            <a:endParaRPr lang="he-IL" kern="1200" dirty="0" smtClean="0">
-              <a:solidFill>
-                <a:schemeClr val="tx1"/>
-              </a:solidFill>
-              <a:latin typeface="Arial" pitchFamily="34" charset="0"/>
-            </a:endParaRPr>
-          </a:p>
-          <a:p>
-            <a:pPr lvl="1"/>
-            <a:endParaRPr lang="en-US" kern="1200" dirty="0">
-              <a:solidFill>
-                <a:schemeClr val="tx1"/>
-              </a:solidFill>
-              <a:latin typeface="Arial" pitchFamily="34" charset="0"/>
-            </a:endParaRPr>
-          </a:p>
-          <a:p>
-            <a:pPr lvl="1"/>
-            <a:endParaRPr lang="he-IL" altLang="he-IL" dirty="0"/>
-          </a:p>
-        </p:txBody>
-      </p:sp>
-      <p:sp>
-        <p:nvSpPr>
-          <p:cNvPr id="2" name="Right Arrow 1"/>
-          <p:cNvSpPr/>
-          <p:nvPr/>
-        </p:nvSpPr>
-        <p:spPr bwMode="auto">
-          <a:xfrm>
-            <a:off x="2339752" y="3212976"/>
-            <a:ext cx="720080" cy="504056"/>
-          </a:xfrm>
-          <a:prstGeom prst="rightArrow">
-            <a:avLst/>
-          </a:prstGeom>
-          <a:solidFill>
-            <a:schemeClr val="accent1"/>
-          </a:solidFill>
-          <a:ln w="9525" cap="flat" cmpd="sng" algn="ctr">
-            <a:solidFill>
-              <a:schemeClr val="tx1"/>
-            </a:solidFill>
-            <a:prstDash val="solid"/>
-            <a:round/>
-            <a:headEnd type="none" w="med" len="med"/>
-            <a:tailEnd type="none" w="med" len="med"/>
-          </a:ln>
-          <a:effectLst/>
-          <a:extLst>
-            <a:ext uri="{AF507438-7753-43E0-B8FC-AC1667EBCBE1}">
-              <a14:hiddenEffects xmlns:a14="http://schemas.microsoft.com/office/drawing/2010/main">
-                <a:effectLst>
-                  <a:outerShdw dist="35921" dir="2700000" algn="ctr" rotWithShape="0">
-                    <a:schemeClr val="bg2"/>
-                  </a:outerShdw>
-                </a:effectLst>
-              </a14:hiddenEffects>
-            </a:ext>
-          </a:extLst>
-        </p:spPr>
-        <p:txBody>
-          <a:bodyPr vert="horz" wrap="square" lIns="91440" tIns="45720" rIns="91440" bIns="45720" numCol="1" rtlCol="1" anchor="t" anchorCtr="0" compatLnSpc="1">
-            <a:prstTxWarp prst="textNoShape">
-              <a:avLst/>
-            </a:prstTxWarp>
-          </a:bodyPr>
-          <a:lstStyle/>
-          <a:p>
-            <a:pPr marL="0" marR="0" indent="0" algn="l" defTabSz="914400" rtl="0" eaLnBrk="1" fontAlgn="base" latinLnBrk="0" hangingPunct="1">
-              <a:lnSpc>
-                <a:spcPct val="100000"/>
-              </a:lnSpc>
-              <a:spcBef>
-                <a:spcPct val="0"/>
-              </a:spcBef>
-              <a:spcAft>
-                <a:spcPct val="0"/>
-              </a:spcAft>
-              <a:buClrTx/>
-              <a:buSzTx/>
-              <a:buFontTx/>
-              <a:buNone/>
-              <a:tabLst/>
-            </a:pPr>
-            <a:endParaRPr kumimoji="0" lang="he-IL" sz="1800" b="0" i="0" u="none" strike="noStrike" cap="none" normalizeH="0" baseline="0" smtClean="0">
-              <a:ln>
-                <a:noFill/>
-              </a:ln>
-              <a:solidFill>
-                <a:schemeClr val="tx1"/>
-              </a:solidFill>
-              <a:effectLst/>
-              <a:latin typeface="Arial" pitchFamily="34" charset="0"/>
-            </a:endParaRPr>
-          </a:p>
-        </p:txBody>
-      </p:sp>
-      <p:pic>
-        <p:nvPicPr>
-          <p:cNvPr id="5" name="Picture 4"/>
-          <p:cNvPicPr/>
-          <p:nvPr/>
-        </p:nvPicPr>
-        <p:blipFill>
-          <a:blip r:embed="rId3" cstate="print">
-            <a:extLst>
-              <a:ext uri="{28A0092B-C50C-407E-A947-70E740481C1C}">
-                <a14:useLocalDpi xmlns:a14="http://schemas.microsoft.com/office/drawing/2010/main" val="0"/>
-              </a:ext>
-            </a:extLst>
-          </a:blip>
-          <a:stretch>
-            <a:fillRect/>
-          </a:stretch>
-        </p:blipFill>
-        <p:spPr>
-          <a:xfrm>
-            <a:off x="3503867" y="2348880"/>
-            <a:ext cx="5112568" cy="4464496"/>
-          </a:xfrm>
-          <a:prstGeom prst="rect">
-            <a:avLst/>
-          </a:prstGeom>
-        </p:spPr>
-      </p:pic>
-      <p:pic>
-        <p:nvPicPr>
-          <p:cNvPr id="2050" name="Picture 2"/>
-          <p:cNvPicPr>
-            <a:picLocks noChangeAspect="1" noChangeArrowheads="1"/>
-          </p:cNvPicPr>
-          <p:nvPr/>
-        </p:nvPicPr>
-        <p:blipFill>
-          <a:blip r:embed="rId4">
-            <a:extLst>
-              <a:ext uri="{28A0092B-C50C-407E-A947-70E740481C1C}">
-                <a14:useLocalDpi xmlns:a14="http://schemas.microsoft.com/office/drawing/2010/main" val="0"/>
-              </a:ext>
-            </a:extLst>
-          </a:blip>
-          <a:srcRect/>
-          <a:stretch>
-            <a:fillRect/>
-          </a:stretch>
-        </p:blipFill>
-        <p:spPr bwMode="auto">
-          <a:xfrm>
-            <a:off x="395536" y="2708919"/>
-            <a:ext cx="1872208" cy="2349437"/>
-          </a:xfrm>
-          <a:prstGeom prst="rect">
-            <a:avLst/>
-          </a:prstGeom>
-          <a:noFill/>
-          <a:ln>
-            <a:noFill/>
-          </a:ln>
-          <a:extLst>
-            <a:ext uri="{909E8E84-426E-40DD-AFC4-6F175D3DCCD1}">
-              <a14:hiddenFill xmlns:a14="http://schemas.microsoft.com/office/drawing/2010/main">
-                <a:solidFill>
-                  <a:schemeClr val="accent1"/>
-                </a:solidFill>
-              </a14:hiddenFill>
-            </a:ext>
-            <a:ext uri="{91240B29-F687-4F45-9708-019B960494DF}">
-              <a14:hiddenLine xmlns:a14="http://schemas.microsoft.com/office/drawing/2010/main" w="9525">
-                <a:solidFill>
-                  <a:schemeClr val="tx1"/>
-                </a:solidFill>
-                <a:miter lim="800000"/>
-                <a:headEnd/>
-                <a:tailEnd/>
-              </a14:hiddenLine>
-            </a:ext>
-          </a:extLst>
-        </p:spPr>
-      </p:pic>
-      <p:sp>
-        <p:nvSpPr>
-          <p:cNvPr id="8" name="Freeform 7"/>
-          <p:cNvSpPr/>
-          <p:nvPr/>
-        </p:nvSpPr>
-        <p:spPr bwMode="auto">
-          <a:xfrm rot="168701">
-            <a:off x="5483813" y="2999692"/>
-            <a:ext cx="570997" cy="231774"/>
-          </a:xfrm>
-          <a:custGeom>
-            <a:avLst/>
-            <a:gdLst>
-              <a:gd name="connsiteX0" fmla="*/ 570997 w 570997"/>
-              <a:gd name="connsiteY0" fmla="*/ 0 h 231774"/>
-              <a:gd name="connsiteX1" fmla="*/ 42359 w 570997"/>
-              <a:gd name="connsiteY1" fmla="*/ 200025 h 231774"/>
-              <a:gd name="connsiteX2" fmla="*/ 70934 w 570997"/>
-              <a:gd name="connsiteY2" fmla="*/ 228600 h 231774"/>
-            </a:gdLst>
-            <a:ahLst/>
-            <a:cxnLst>
-              <a:cxn ang="0">
-                <a:pos x="connsiteX0" y="connsiteY0"/>
-              </a:cxn>
-              <a:cxn ang="0">
-                <a:pos x="connsiteX1" y="connsiteY1"/>
-              </a:cxn>
-              <a:cxn ang="0">
-                <a:pos x="connsiteX2" y="connsiteY2"/>
-              </a:cxn>
-            </a:cxnLst>
-            <a:rect l="l" t="t" r="r" b="b"/>
-            <a:pathLst>
-              <a:path w="570997" h="231774">
-                <a:moveTo>
-                  <a:pt x="570997" y="0"/>
-                </a:moveTo>
-                <a:cubicBezTo>
-                  <a:pt x="348350" y="80962"/>
-                  <a:pt x="125703" y="161925"/>
-                  <a:pt x="42359" y="200025"/>
-                </a:cubicBezTo>
-                <a:cubicBezTo>
-                  <a:pt x="-40985" y="238125"/>
-                  <a:pt x="14974" y="233362"/>
-                  <a:pt x="70934" y="228600"/>
-                </a:cubicBezTo>
-              </a:path>
-            </a:pathLst>
-          </a:custGeom>
-          <a:solidFill>
-            <a:srgbClr val="FF0000"/>
-          </a:solidFill>
-          <a:ln w="38100" cap="flat" cmpd="sng" algn="ctr">
-            <a:solidFill>
-              <a:srgbClr val="FF0000"/>
-            </a:solidFill>
-            <a:prstDash val="solid"/>
-            <a:round/>
-            <a:headEnd type="none" w="med" len="med"/>
-            <a:tailEnd type="triangle" w="lg" len="lg"/>
-          </a:ln>
-          <a:effectLst/>
-          <a:extLst/>
-        </p:spPr>
-        <p:txBody>
-          <a:bodyPr vert="horz" wrap="square" lIns="91440" tIns="45720" rIns="91440" bIns="45720" numCol="1" rtlCol="1" anchor="t" anchorCtr="0" compatLnSpc="1">
-            <a:prstTxWarp prst="textNoShape">
-              <a:avLst/>
-            </a:prstTxWarp>
-          </a:bodyPr>
-          <a:lstStyle/>
-          <a:p>
-            <a:pPr marL="0" marR="0" indent="0" algn="l" defTabSz="914400" rtl="0" eaLnBrk="1" fontAlgn="base" latinLnBrk="0" hangingPunct="1">
-              <a:lnSpc>
-                <a:spcPct val="100000"/>
-              </a:lnSpc>
-              <a:spcBef>
-                <a:spcPct val="0"/>
-              </a:spcBef>
-              <a:spcAft>
-                <a:spcPct val="0"/>
-              </a:spcAft>
-              <a:buClrTx/>
-              <a:buSzTx/>
-              <a:buFontTx/>
-              <a:buNone/>
-              <a:tabLst/>
-            </a:pPr>
-            <a:endParaRPr kumimoji="0" lang="he-IL" sz="2400" b="0" i="0" u="none" strike="noStrike" cap="none" normalizeH="0" baseline="0" smtClean="0">
-              <a:ln>
-                <a:noFill/>
-              </a:ln>
-              <a:solidFill>
-                <a:schemeClr val="tx1"/>
-              </a:solidFill>
-              <a:effectLst/>
-              <a:latin typeface="Arial" pitchFamily="34" charset="0"/>
-            </a:endParaRPr>
-          </a:p>
-        </p:txBody>
-      </p:sp>
-      <p:sp>
-        <p:nvSpPr>
-          <p:cNvPr id="9" name="Rectangle 8"/>
-          <p:cNvSpPr/>
-          <p:nvPr/>
-        </p:nvSpPr>
-        <p:spPr bwMode="auto">
-          <a:xfrm>
-            <a:off x="1043608" y="3204839"/>
-            <a:ext cx="144016" cy="512193"/>
-          </a:xfrm>
-          <a:prstGeom prst="rect">
-            <a:avLst/>
-          </a:prstGeom>
-          <a:solidFill>
-            <a:srgbClr val="FF0000">
-              <a:alpha val="27000"/>
-            </a:srgbClr>
-          </a:solidFill>
-          <a:ln w="9525" cap="flat" cmpd="sng" algn="ctr">
-            <a:solidFill>
-              <a:schemeClr val="tx1"/>
-            </a:solidFill>
-            <a:prstDash val="solid"/>
-            <a:round/>
-            <a:headEnd type="none" w="med" len="med"/>
-            <a:tailEnd type="none" w="med" len="med"/>
-          </a:ln>
-          <a:effectLst/>
-          <a:extLst/>
-        </p:spPr>
-        <p:txBody>
-          <a:bodyPr vert="horz" wrap="square" lIns="91440" tIns="45720" rIns="91440" bIns="45720" numCol="1" rtlCol="1" anchor="t" anchorCtr="0" compatLnSpc="1">
-            <a:prstTxWarp prst="textNoShape">
-              <a:avLst/>
-            </a:prstTxWarp>
-          </a:bodyPr>
-          <a:lstStyle/>
-          <a:p>
-            <a:pPr marL="0" marR="0" indent="0" algn="l" defTabSz="914400" rtl="0" eaLnBrk="1" fontAlgn="base" latinLnBrk="0" hangingPunct="1">
-              <a:lnSpc>
-                <a:spcPct val="100000"/>
-              </a:lnSpc>
-              <a:spcBef>
-                <a:spcPct val="0"/>
-              </a:spcBef>
-              <a:spcAft>
-                <a:spcPct val="0"/>
-              </a:spcAft>
-              <a:buClrTx/>
-              <a:buSzTx/>
-              <a:buFontTx/>
-              <a:buNone/>
-              <a:tabLst/>
-            </a:pPr>
-            <a:endParaRPr kumimoji="0" lang="he-IL" sz="1800" b="0" i="0" u="none" strike="noStrike" cap="none" normalizeH="0" baseline="0" smtClean="0">
-              <a:ln>
-                <a:noFill/>
-              </a:ln>
-              <a:solidFill>
-                <a:schemeClr val="tx1"/>
-              </a:solidFill>
-              <a:effectLst/>
-              <a:latin typeface="Arial" pitchFamily="34" charset="0"/>
-            </a:endParaRPr>
-          </a:p>
-        </p:txBody>
-      </p:sp>
-      <p:sp>
-        <p:nvSpPr>
-          <p:cNvPr id="13" name="Rectangle 12"/>
-          <p:cNvSpPr/>
-          <p:nvPr/>
-        </p:nvSpPr>
-        <p:spPr bwMode="auto">
-          <a:xfrm>
-            <a:off x="395536" y="3204838"/>
-            <a:ext cx="144016" cy="512193"/>
-          </a:xfrm>
-          <a:prstGeom prst="rect">
-            <a:avLst/>
-          </a:prstGeom>
-          <a:solidFill>
-            <a:srgbClr val="FFFF00">
-              <a:alpha val="27000"/>
-            </a:srgbClr>
-          </a:solidFill>
-          <a:ln w="9525" cap="flat" cmpd="sng" algn="ctr">
-            <a:solidFill>
-              <a:schemeClr val="tx1"/>
-            </a:solidFill>
-            <a:prstDash val="solid"/>
-            <a:round/>
-            <a:headEnd type="none" w="med" len="med"/>
-            <a:tailEnd type="none" w="med" len="med"/>
-          </a:ln>
-          <a:effectLst/>
-          <a:extLst/>
-        </p:spPr>
-        <p:txBody>
-          <a:bodyPr vert="horz" wrap="square" lIns="91440" tIns="45720" rIns="91440" bIns="45720" numCol="1" rtlCol="1" anchor="t" anchorCtr="0" compatLnSpc="1">
-            <a:prstTxWarp prst="textNoShape">
-              <a:avLst/>
-            </a:prstTxWarp>
-          </a:bodyPr>
-          <a:lstStyle/>
-          <a:p>
-            <a:pPr marL="0" marR="0" indent="0" algn="l" defTabSz="914400" rtl="0" eaLnBrk="1" fontAlgn="base" latinLnBrk="0" hangingPunct="1">
-              <a:lnSpc>
-                <a:spcPct val="100000"/>
-              </a:lnSpc>
-              <a:spcBef>
-                <a:spcPct val="0"/>
-              </a:spcBef>
-              <a:spcAft>
-                <a:spcPct val="0"/>
-              </a:spcAft>
-              <a:buClrTx/>
-              <a:buSzTx/>
-              <a:buFontTx/>
-              <a:buNone/>
-              <a:tabLst/>
-            </a:pPr>
-            <a:endParaRPr kumimoji="0" lang="he-IL" sz="1800" b="0" i="0" u="none" strike="noStrike" cap="none" normalizeH="0" baseline="0" smtClean="0">
-              <a:ln>
-                <a:noFill/>
-              </a:ln>
-              <a:solidFill>
-                <a:schemeClr val="tx1"/>
-              </a:solidFill>
-              <a:effectLst/>
-              <a:latin typeface="Arial" pitchFamily="34" charset="0"/>
-            </a:endParaRPr>
-          </a:p>
-        </p:txBody>
-      </p:sp>
-      <p:sp>
-        <p:nvSpPr>
-          <p:cNvPr id="14" name="Rectangle 13"/>
-          <p:cNvSpPr/>
-          <p:nvPr/>
-        </p:nvSpPr>
-        <p:spPr bwMode="auto">
-          <a:xfrm>
-            <a:off x="4860032" y="2989236"/>
-            <a:ext cx="504056" cy="256096"/>
-          </a:xfrm>
-          <a:prstGeom prst="rect">
-            <a:avLst/>
-          </a:prstGeom>
-          <a:solidFill>
-            <a:srgbClr val="FFFF00">
-              <a:alpha val="27000"/>
-            </a:srgbClr>
-          </a:solidFill>
-          <a:ln w="9525" cap="flat" cmpd="sng" algn="ctr">
-            <a:solidFill>
-              <a:schemeClr val="tx1"/>
-            </a:solidFill>
-            <a:prstDash val="solid"/>
-            <a:round/>
-            <a:headEnd type="none" w="med" len="med"/>
-            <a:tailEnd type="none" w="med" len="med"/>
-          </a:ln>
-          <a:effectLst/>
-          <a:extLst/>
-        </p:spPr>
-        <p:txBody>
-          <a:bodyPr vert="horz" wrap="square" lIns="91440" tIns="45720" rIns="91440" bIns="45720" numCol="1" rtlCol="1" anchor="t" anchorCtr="0" compatLnSpc="1">
-            <a:prstTxWarp prst="textNoShape">
-              <a:avLst/>
-            </a:prstTxWarp>
-          </a:bodyPr>
-          <a:lstStyle/>
-          <a:p>
-            <a:pPr marL="0" marR="0" indent="0" algn="l" defTabSz="914400" rtl="0" eaLnBrk="1" fontAlgn="base" latinLnBrk="0" hangingPunct="1">
-              <a:lnSpc>
-                <a:spcPct val="100000"/>
-              </a:lnSpc>
-              <a:spcBef>
-                <a:spcPct val="0"/>
-              </a:spcBef>
-              <a:spcAft>
-                <a:spcPct val="0"/>
-              </a:spcAft>
-              <a:buClrTx/>
-              <a:buSzTx/>
-              <a:buFontTx/>
-              <a:buNone/>
-              <a:tabLst/>
-            </a:pPr>
-            <a:endParaRPr kumimoji="0" lang="he-IL" sz="1800" b="0" i="0" u="none" strike="noStrike" cap="none" normalizeH="0" baseline="0" smtClean="0">
-              <a:ln>
-                <a:noFill/>
-              </a:ln>
-              <a:solidFill>
-                <a:schemeClr val="tx1"/>
-              </a:solidFill>
-              <a:effectLst/>
-              <a:latin typeface="Arial" pitchFamily="34" charset="0"/>
-            </a:endParaRPr>
-          </a:p>
-        </p:txBody>
-      </p:sp>
-      <p:sp>
-        <p:nvSpPr>
-          <p:cNvPr id="15" name="Rectangle 14"/>
-          <p:cNvSpPr/>
-          <p:nvPr/>
-        </p:nvSpPr>
-        <p:spPr bwMode="auto">
-          <a:xfrm>
-            <a:off x="5697303" y="2708919"/>
-            <a:ext cx="252000" cy="295111"/>
-          </a:xfrm>
-          <a:prstGeom prst="rect">
-            <a:avLst/>
-          </a:prstGeom>
-          <a:solidFill>
-            <a:srgbClr val="FF0000">
-              <a:alpha val="27000"/>
-            </a:srgbClr>
-          </a:solidFill>
-          <a:ln w="9525" cap="flat" cmpd="sng" algn="ctr">
-            <a:solidFill>
-              <a:schemeClr val="tx1"/>
-            </a:solidFill>
-            <a:prstDash val="solid"/>
-            <a:round/>
-            <a:headEnd type="none" w="med" len="med"/>
-            <a:tailEnd type="none" w="med" len="med"/>
-          </a:ln>
-          <a:effectLst/>
-          <a:extLst/>
-        </p:spPr>
-        <p:txBody>
-          <a:bodyPr vert="horz" wrap="square" lIns="91440" tIns="45720" rIns="91440" bIns="45720" numCol="1" rtlCol="1" anchor="t" anchorCtr="0" compatLnSpc="1">
-            <a:prstTxWarp prst="textNoShape">
-              <a:avLst/>
-            </a:prstTxWarp>
-          </a:bodyPr>
-          <a:lstStyle/>
-          <a:p>
-            <a:pPr marL="0" marR="0" indent="0" algn="l" defTabSz="914400" rtl="0" eaLnBrk="1" fontAlgn="base" latinLnBrk="0" hangingPunct="1">
-              <a:lnSpc>
-                <a:spcPct val="100000"/>
-              </a:lnSpc>
-              <a:spcBef>
-                <a:spcPct val="0"/>
-              </a:spcBef>
-              <a:spcAft>
-                <a:spcPct val="0"/>
-              </a:spcAft>
-              <a:buClrTx/>
-              <a:buSzTx/>
-              <a:buFontTx/>
-              <a:buNone/>
-              <a:tabLst/>
-            </a:pPr>
-            <a:endParaRPr kumimoji="0" lang="he-IL" sz="1800" b="0" i="0" u="none" strike="noStrike" cap="none" normalizeH="0" baseline="0" smtClean="0">
-              <a:ln>
-                <a:noFill/>
-              </a:ln>
-              <a:solidFill>
-                <a:schemeClr val="tx1"/>
-              </a:solidFill>
-              <a:effectLst/>
-              <a:latin typeface="Arial" pitchFamily="34" charset="0"/>
-            </a:endParaRPr>
-          </a:p>
-        </p:txBody>
-      </p:sp>
-      <p:sp>
-        <p:nvSpPr>
-          <p:cNvPr id="16" name="Freeform 15"/>
-          <p:cNvSpPr/>
-          <p:nvPr/>
-        </p:nvSpPr>
-        <p:spPr bwMode="auto">
-          <a:xfrm rot="168701">
-            <a:off x="5420959" y="3243987"/>
-            <a:ext cx="45719" cy="592120"/>
-          </a:xfrm>
-          <a:custGeom>
-            <a:avLst/>
-            <a:gdLst>
-              <a:gd name="connsiteX0" fmla="*/ 570997 w 570997"/>
-              <a:gd name="connsiteY0" fmla="*/ 0 h 231774"/>
-              <a:gd name="connsiteX1" fmla="*/ 42359 w 570997"/>
-              <a:gd name="connsiteY1" fmla="*/ 200025 h 231774"/>
-              <a:gd name="connsiteX2" fmla="*/ 70934 w 570997"/>
-              <a:gd name="connsiteY2" fmla="*/ 228600 h 231774"/>
-            </a:gdLst>
-            <a:ahLst/>
-            <a:cxnLst>
-              <a:cxn ang="0">
-                <a:pos x="connsiteX0" y="connsiteY0"/>
-              </a:cxn>
-              <a:cxn ang="0">
-                <a:pos x="connsiteX1" y="connsiteY1"/>
-              </a:cxn>
-              <a:cxn ang="0">
-                <a:pos x="connsiteX2" y="connsiteY2"/>
-              </a:cxn>
-            </a:cxnLst>
-            <a:rect l="l" t="t" r="r" b="b"/>
-            <a:pathLst>
-              <a:path w="570997" h="231774">
-                <a:moveTo>
-                  <a:pt x="570997" y="0"/>
-                </a:moveTo>
-                <a:cubicBezTo>
-                  <a:pt x="348350" y="80962"/>
-                  <a:pt x="125703" y="161925"/>
-                  <a:pt x="42359" y="200025"/>
-                </a:cubicBezTo>
-                <a:cubicBezTo>
-                  <a:pt x="-40985" y="238125"/>
-                  <a:pt x="14974" y="233362"/>
-                  <a:pt x="70934" y="228600"/>
-                </a:cubicBezTo>
-              </a:path>
-            </a:pathLst>
-          </a:custGeom>
-          <a:solidFill>
-            <a:srgbClr val="FF0000"/>
-          </a:solidFill>
-          <a:ln w="38100" cap="flat" cmpd="sng" algn="ctr">
-            <a:solidFill>
-              <a:srgbClr val="FF0000"/>
-            </a:solidFill>
-            <a:prstDash val="solid"/>
-            <a:round/>
-            <a:headEnd type="none" w="med" len="med"/>
-            <a:tailEnd type="triangle" w="lg" len="lg"/>
-          </a:ln>
-          <a:effectLst/>
-          <a:extLst/>
-        </p:spPr>
-        <p:txBody>
-          <a:bodyPr vert="horz" wrap="square" lIns="91440" tIns="45720" rIns="91440" bIns="45720" numCol="1" rtlCol="1" anchor="t" anchorCtr="0" compatLnSpc="1">
-            <a:prstTxWarp prst="textNoShape">
-              <a:avLst/>
-            </a:prstTxWarp>
-          </a:bodyPr>
-          <a:lstStyle/>
-          <a:p>
-            <a:pPr marL="0" marR="0" indent="0" algn="l" defTabSz="914400" rtl="0" eaLnBrk="1" fontAlgn="base" latinLnBrk="0" hangingPunct="1">
-              <a:lnSpc>
-                <a:spcPct val="100000"/>
-              </a:lnSpc>
-              <a:spcBef>
-                <a:spcPct val="0"/>
-              </a:spcBef>
-              <a:spcAft>
-                <a:spcPct val="0"/>
-              </a:spcAft>
-              <a:buClrTx/>
-              <a:buSzTx/>
-              <a:buFontTx/>
-              <a:buNone/>
-              <a:tabLst/>
-            </a:pPr>
-            <a:endParaRPr kumimoji="0" lang="he-IL" sz="2400" b="0" i="0" u="none" strike="noStrike" cap="none" normalizeH="0" baseline="0" smtClean="0">
-              <a:ln>
-                <a:noFill/>
-              </a:ln>
-              <a:solidFill>
-                <a:schemeClr val="tx1"/>
-              </a:solidFill>
-              <a:effectLst/>
-              <a:latin typeface="Arial" pitchFamily="34" charset="0"/>
-            </a:endParaRPr>
-          </a:p>
-        </p:txBody>
-      </p:sp>
-      <p:sp>
-        <p:nvSpPr>
-          <p:cNvPr id="18" name="Rectangle 17"/>
-          <p:cNvSpPr/>
-          <p:nvPr/>
-        </p:nvSpPr>
-        <p:spPr bwMode="auto">
-          <a:xfrm>
-            <a:off x="4968072" y="3245332"/>
-            <a:ext cx="252000" cy="295111"/>
-          </a:xfrm>
-          <a:prstGeom prst="rect">
-            <a:avLst/>
-          </a:prstGeom>
-          <a:solidFill>
-            <a:srgbClr val="92D050">
-              <a:alpha val="27000"/>
-            </a:srgbClr>
-          </a:solidFill>
-          <a:ln w="9525" cap="flat" cmpd="sng" algn="ctr">
-            <a:solidFill>
-              <a:schemeClr val="tx1"/>
-            </a:solidFill>
-            <a:prstDash val="solid"/>
-            <a:round/>
-            <a:headEnd type="none" w="med" len="med"/>
-            <a:tailEnd type="none" w="med" len="med"/>
-          </a:ln>
-          <a:effectLst/>
-          <a:extLst/>
-        </p:spPr>
-        <p:txBody>
-          <a:bodyPr vert="horz" wrap="square" lIns="91440" tIns="45720" rIns="91440" bIns="45720" numCol="1" rtlCol="1" anchor="t" anchorCtr="0" compatLnSpc="1">
-            <a:prstTxWarp prst="textNoShape">
-              <a:avLst/>
-            </a:prstTxWarp>
-          </a:bodyPr>
-          <a:lstStyle/>
-          <a:p>
-            <a:pPr marL="0" marR="0" indent="0" algn="l" defTabSz="914400" rtl="0" eaLnBrk="1" fontAlgn="base" latinLnBrk="0" hangingPunct="1">
-              <a:lnSpc>
-                <a:spcPct val="100000"/>
-              </a:lnSpc>
-              <a:spcBef>
-                <a:spcPct val="0"/>
-              </a:spcBef>
-              <a:spcAft>
-                <a:spcPct val="0"/>
-              </a:spcAft>
-              <a:buClrTx/>
-              <a:buSzTx/>
-              <a:buFontTx/>
-              <a:buNone/>
-              <a:tabLst/>
-            </a:pPr>
-            <a:endParaRPr kumimoji="0" lang="he-IL" sz="1800" b="0" i="0" u="none" strike="noStrike" cap="none" normalizeH="0" baseline="0" smtClean="0">
-              <a:ln>
-                <a:noFill/>
-              </a:ln>
-              <a:solidFill>
-                <a:schemeClr val="tx1"/>
-              </a:solidFill>
-              <a:effectLst/>
-              <a:latin typeface="Arial" pitchFamily="34" charset="0"/>
-            </a:endParaRPr>
-          </a:p>
-        </p:txBody>
-      </p:sp>
-      <p:sp>
-        <p:nvSpPr>
-          <p:cNvPr id="19" name="Rectangle 18"/>
-          <p:cNvSpPr/>
-          <p:nvPr/>
-        </p:nvSpPr>
-        <p:spPr bwMode="auto">
-          <a:xfrm>
-            <a:off x="4902687" y="3579763"/>
-            <a:ext cx="504056" cy="256096"/>
-          </a:xfrm>
-          <a:prstGeom prst="rect">
-            <a:avLst/>
-          </a:prstGeom>
-          <a:solidFill>
-            <a:srgbClr val="FFFF00">
-              <a:alpha val="27000"/>
-            </a:srgbClr>
-          </a:solidFill>
-          <a:ln w="9525" cap="flat" cmpd="sng" algn="ctr">
-            <a:solidFill>
-              <a:schemeClr val="tx1"/>
-            </a:solidFill>
-            <a:prstDash val="solid"/>
-            <a:round/>
-            <a:headEnd type="none" w="med" len="med"/>
-            <a:tailEnd type="none" w="med" len="med"/>
-          </a:ln>
-          <a:effectLst/>
-          <a:extLst/>
-        </p:spPr>
-        <p:txBody>
-          <a:bodyPr vert="horz" wrap="square" lIns="91440" tIns="45720" rIns="91440" bIns="45720" numCol="1" rtlCol="1" anchor="t" anchorCtr="0" compatLnSpc="1">
-            <a:prstTxWarp prst="textNoShape">
-              <a:avLst/>
-            </a:prstTxWarp>
-          </a:bodyPr>
-          <a:lstStyle/>
-          <a:p>
-            <a:pPr marL="0" marR="0" indent="0" algn="l" defTabSz="914400" rtl="0" eaLnBrk="1" fontAlgn="base" latinLnBrk="0" hangingPunct="1">
-              <a:lnSpc>
-                <a:spcPct val="100000"/>
-              </a:lnSpc>
-              <a:spcBef>
-                <a:spcPct val="0"/>
-              </a:spcBef>
-              <a:spcAft>
-                <a:spcPct val="0"/>
-              </a:spcAft>
-              <a:buClrTx/>
-              <a:buSzTx/>
-              <a:buFontTx/>
-              <a:buNone/>
-              <a:tabLst/>
-            </a:pPr>
-            <a:endParaRPr kumimoji="0" lang="he-IL" sz="1800" b="0" i="0" u="none" strike="noStrike" cap="none" normalizeH="0" baseline="0" smtClean="0">
-              <a:ln>
-                <a:noFill/>
-              </a:ln>
-              <a:solidFill>
-                <a:schemeClr val="tx1"/>
-              </a:solidFill>
-              <a:effectLst/>
-              <a:latin typeface="Arial" pitchFamily="34" charset="0"/>
-            </a:endParaRPr>
-          </a:p>
-        </p:txBody>
-      </p:sp>
-      <p:sp>
-        <p:nvSpPr>
-          <p:cNvPr id="20" name="Rectangle 19"/>
-          <p:cNvSpPr/>
-          <p:nvPr/>
-        </p:nvSpPr>
-        <p:spPr bwMode="auto">
-          <a:xfrm>
-            <a:off x="991698" y="4068934"/>
-            <a:ext cx="306000" cy="256097"/>
-          </a:xfrm>
-          <a:prstGeom prst="rect">
-            <a:avLst/>
-          </a:prstGeom>
-          <a:solidFill>
-            <a:srgbClr val="FF0000">
-              <a:alpha val="27000"/>
-            </a:srgbClr>
-          </a:solidFill>
-          <a:ln w="9525" cap="flat" cmpd="sng" algn="ctr">
-            <a:solidFill>
-              <a:schemeClr val="tx1"/>
-            </a:solidFill>
-            <a:prstDash val="solid"/>
-            <a:round/>
-            <a:headEnd type="none" w="med" len="med"/>
-            <a:tailEnd type="none" w="med" len="med"/>
-          </a:ln>
-          <a:effectLst/>
-          <a:extLst/>
-        </p:spPr>
-        <p:txBody>
-          <a:bodyPr vert="horz" wrap="square" lIns="91440" tIns="45720" rIns="91440" bIns="45720" numCol="1" rtlCol="1" anchor="t" anchorCtr="0" compatLnSpc="1">
-            <a:prstTxWarp prst="textNoShape">
-              <a:avLst/>
-            </a:prstTxWarp>
-          </a:bodyPr>
-          <a:lstStyle/>
-          <a:p>
-            <a:pPr marL="0" marR="0" indent="0" algn="l" defTabSz="914400" rtl="0" eaLnBrk="1" fontAlgn="base" latinLnBrk="0" hangingPunct="1">
-              <a:lnSpc>
-                <a:spcPct val="100000"/>
-              </a:lnSpc>
-              <a:spcBef>
-                <a:spcPct val="0"/>
-              </a:spcBef>
-              <a:spcAft>
-                <a:spcPct val="0"/>
-              </a:spcAft>
-              <a:buClrTx/>
-              <a:buSzTx/>
-              <a:buFontTx/>
-              <a:buNone/>
-              <a:tabLst/>
-            </a:pPr>
-            <a:endParaRPr kumimoji="0" lang="he-IL" sz="1800" b="0" i="0" u="none" strike="noStrike" cap="none" normalizeH="0" baseline="0" smtClean="0">
-              <a:ln>
-                <a:noFill/>
-              </a:ln>
-              <a:solidFill>
-                <a:schemeClr val="tx1"/>
-              </a:solidFill>
-              <a:effectLst/>
-              <a:latin typeface="Arial" pitchFamily="34" charset="0"/>
-            </a:endParaRPr>
-          </a:p>
-        </p:txBody>
-      </p:sp>
-      <p:sp>
-        <p:nvSpPr>
-          <p:cNvPr id="21" name="Rectangle 20"/>
-          <p:cNvSpPr/>
-          <p:nvPr/>
-        </p:nvSpPr>
-        <p:spPr bwMode="auto">
-          <a:xfrm>
-            <a:off x="395536" y="4043783"/>
-            <a:ext cx="144016" cy="256096"/>
-          </a:xfrm>
-          <a:prstGeom prst="rect">
-            <a:avLst/>
-          </a:prstGeom>
-          <a:solidFill>
-            <a:srgbClr val="FFFF00">
-              <a:alpha val="27000"/>
-            </a:srgbClr>
-          </a:solidFill>
-          <a:ln w="9525" cap="flat" cmpd="sng" algn="ctr">
-            <a:solidFill>
-              <a:schemeClr val="tx1"/>
-            </a:solidFill>
-            <a:prstDash val="solid"/>
-            <a:round/>
-            <a:headEnd type="none" w="med" len="med"/>
-            <a:tailEnd type="none" w="med" len="med"/>
-          </a:ln>
-          <a:effectLst/>
-          <a:extLst/>
-        </p:spPr>
-        <p:txBody>
-          <a:bodyPr vert="horz" wrap="square" lIns="91440" tIns="45720" rIns="91440" bIns="45720" numCol="1" rtlCol="1" anchor="t" anchorCtr="0" compatLnSpc="1">
-            <a:prstTxWarp prst="textNoShape">
-              <a:avLst/>
-            </a:prstTxWarp>
-          </a:bodyPr>
-          <a:lstStyle/>
-          <a:p>
-            <a:pPr marL="0" marR="0" indent="0" algn="l" defTabSz="914400" rtl="0" eaLnBrk="1" fontAlgn="base" latinLnBrk="0" hangingPunct="1">
-              <a:lnSpc>
-                <a:spcPct val="100000"/>
-              </a:lnSpc>
-              <a:spcBef>
-                <a:spcPct val="0"/>
-              </a:spcBef>
-              <a:spcAft>
-                <a:spcPct val="0"/>
-              </a:spcAft>
-              <a:buClrTx/>
-              <a:buSzTx/>
-              <a:buFontTx/>
-              <a:buNone/>
-              <a:tabLst/>
-            </a:pPr>
-            <a:endParaRPr kumimoji="0" lang="he-IL" sz="1800" b="0" i="0" u="none" strike="noStrike" cap="none" normalizeH="0" baseline="0" smtClean="0">
-              <a:ln>
-                <a:noFill/>
-              </a:ln>
-              <a:solidFill>
-                <a:schemeClr val="tx1"/>
-              </a:solidFill>
-              <a:effectLst/>
-              <a:latin typeface="Arial" pitchFamily="34" charset="0"/>
-            </a:endParaRPr>
-          </a:p>
-        </p:txBody>
-      </p:sp>
-      <p:sp>
-        <p:nvSpPr>
-          <p:cNvPr id="26" name="Freeform 25"/>
-          <p:cNvSpPr/>
-          <p:nvPr/>
-        </p:nvSpPr>
-        <p:spPr bwMode="auto">
-          <a:xfrm rot="168701" flipH="1">
-            <a:off x="5437327" y="3709786"/>
-            <a:ext cx="58991" cy="616007"/>
-          </a:xfrm>
-          <a:custGeom>
-            <a:avLst/>
-            <a:gdLst>
-              <a:gd name="connsiteX0" fmla="*/ 570997 w 570997"/>
-              <a:gd name="connsiteY0" fmla="*/ 0 h 231774"/>
-              <a:gd name="connsiteX1" fmla="*/ 42359 w 570997"/>
-              <a:gd name="connsiteY1" fmla="*/ 200025 h 231774"/>
-              <a:gd name="connsiteX2" fmla="*/ 70934 w 570997"/>
-              <a:gd name="connsiteY2" fmla="*/ 228600 h 231774"/>
-            </a:gdLst>
-            <a:ahLst/>
-            <a:cxnLst>
-              <a:cxn ang="0">
-                <a:pos x="connsiteX0" y="connsiteY0"/>
-              </a:cxn>
-              <a:cxn ang="0">
-                <a:pos x="connsiteX1" y="connsiteY1"/>
-              </a:cxn>
-              <a:cxn ang="0">
-                <a:pos x="connsiteX2" y="connsiteY2"/>
-              </a:cxn>
-            </a:cxnLst>
-            <a:rect l="l" t="t" r="r" b="b"/>
-            <a:pathLst>
-              <a:path w="570997" h="231774">
-                <a:moveTo>
-                  <a:pt x="570997" y="0"/>
-                </a:moveTo>
-                <a:cubicBezTo>
-                  <a:pt x="348350" y="80962"/>
-                  <a:pt x="125703" y="161925"/>
-                  <a:pt x="42359" y="200025"/>
-                </a:cubicBezTo>
-                <a:cubicBezTo>
-                  <a:pt x="-40985" y="238125"/>
-                  <a:pt x="14974" y="233362"/>
-                  <a:pt x="70934" y="228600"/>
-                </a:cubicBezTo>
-              </a:path>
-            </a:pathLst>
-          </a:custGeom>
-          <a:solidFill>
-            <a:srgbClr val="FF0000"/>
-          </a:solidFill>
-          <a:ln w="38100" cap="flat" cmpd="sng" algn="ctr">
-            <a:solidFill>
-              <a:srgbClr val="FF0000"/>
-            </a:solidFill>
-            <a:prstDash val="solid"/>
-            <a:round/>
-            <a:headEnd type="none" w="med" len="med"/>
-            <a:tailEnd type="triangle" w="lg" len="lg"/>
-          </a:ln>
-          <a:effectLst/>
-          <a:extLst/>
-        </p:spPr>
-        <p:txBody>
-          <a:bodyPr vert="horz" wrap="square" lIns="91440" tIns="45720" rIns="91440" bIns="45720" numCol="1" rtlCol="1" anchor="t" anchorCtr="0" compatLnSpc="1">
-            <a:prstTxWarp prst="textNoShape">
-              <a:avLst/>
-            </a:prstTxWarp>
-          </a:bodyPr>
-          <a:lstStyle/>
-          <a:p>
-            <a:pPr marL="0" marR="0" indent="0" algn="l" defTabSz="914400" rtl="0" eaLnBrk="1" fontAlgn="base" latinLnBrk="0" hangingPunct="1">
-              <a:lnSpc>
-                <a:spcPct val="100000"/>
-              </a:lnSpc>
-              <a:spcBef>
-                <a:spcPct val="0"/>
-              </a:spcBef>
-              <a:spcAft>
-                <a:spcPct val="0"/>
-              </a:spcAft>
-              <a:buClrTx/>
-              <a:buSzTx/>
-              <a:buFontTx/>
-              <a:buNone/>
-              <a:tabLst/>
-            </a:pPr>
-            <a:endParaRPr kumimoji="0" lang="he-IL" sz="2400" b="0" i="0" u="none" strike="noStrike" cap="none" normalizeH="0" baseline="0" smtClean="0">
-              <a:ln>
-                <a:noFill/>
-              </a:ln>
-              <a:solidFill>
-                <a:schemeClr val="tx1"/>
-              </a:solidFill>
-              <a:effectLst/>
-              <a:latin typeface="Arial" pitchFamily="34" charset="0"/>
-            </a:endParaRPr>
-          </a:p>
-        </p:txBody>
-      </p:sp>
-      <p:sp>
-        <p:nvSpPr>
-          <p:cNvPr id="27" name="Rectangle 26"/>
-          <p:cNvSpPr/>
-          <p:nvPr/>
-        </p:nvSpPr>
-        <p:spPr bwMode="auto">
-          <a:xfrm>
-            <a:off x="4902715" y="3836872"/>
-            <a:ext cx="252000" cy="295111"/>
-          </a:xfrm>
-          <a:prstGeom prst="rect">
-            <a:avLst/>
-          </a:prstGeom>
-          <a:solidFill>
-            <a:srgbClr val="FF0000">
-              <a:alpha val="27000"/>
-            </a:srgbClr>
-          </a:solidFill>
-          <a:ln w="9525" cap="flat" cmpd="sng" algn="ctr">
-            <a:solidFill>
-              <a:schemeClr val="tx1"/>
-            </a:solidFill>
-            <a:prstDash val="solid"/>
-            <a:round/>
-            <a:headEnd type="none" w="med" len="med"/>
-            <a:tailEnd type="none" w="med" len="med"/>
-          </a:ln>
-          <a:effectLst/>
-          <a:extLst/>
-        </p:spPr>
-        <p:txBody>
-          <a:bodyPr vert="horz" wrap="square" lIns="91440" tIns="45720" rIns="91440" bIns="45720" numCol="1" rtlCol="1" anchor="t" anchorCtr="0" compatLnSpc="1">
-            <a:prstTxWarp prst="textNoShape">
-              <a:avLst/>
-            </a:prstTxWarp>
-          </a:bodyPr>
-          <a:lstStyle/>
-          <a:p>
-            <a:pPr marL="0" marR="0" indent="0" algn="l" defTabSz="914400" rtl="0" eaLnBrk="1" fontAlgn="base" latinLnBrk="0" hangingPunct="1">
-              <a:lnSpc>
-                <a:spcPct val="100000"/>
-              </a:lnSpc>
-              <a:spcBef>
-                <a:spcPct val="0"/>
-              </a:spcBef>
-              <a:spcAft>
-                <a:spcPct val="0"/>
-              </a:spcAft>
-              <a:buClrTx/>
-              <a:buSzTx/>
-              <a:buFontTx/>
-              <a:buNone/>
-              <a:tabLst/>
-            </a:pPr>
-            <a:endParaRPr kumimoji="0" lang="he-IL" sz="1800" b="0" i="0" u="none" strike="noStrike" cap="none" normalizeH="0" baseline="0" smtClean="0">
-              <a:ln>
-                <a:noFill/>
-              </a:ln>
-              <a:solidFill>
-                <a:schemeClr val="tx1"/>
-              </a:solidFill>
-              <a:effectLst/>
-              <a:latin typeface="Arial" pitchFamily="34" charset="0"/>
-            </a:endParaRPr>
-          </a:p>
-        </p:txBody>
-      </p:sp>
-      <p:pic>
-        <p:nvPicPr>
-          <p:cNvPr id="28" name="Picture 2" descr="C:\Users\Avi\AppData\Local\Microsoft\Windows\Temporary Internet Files\Content.IE5\VZSDZK43\no[1].gif"/>
-          <p:cNvPicPr>
-            <a:picLocks noChangeAspect="1" noChangeArrowheads="1"/>
-          </p:cNvPicPr>
-          <p:nvPr/>
-        </p:nvPicPr>
-        <p:blipFill>
-          <a:blip r:embed="rId5" cstate="print">
-            <a:extLst>
-              <a:ext uri="{28A0092B-C50C-407E-A947-70E740481C1C}">
-                <a14:useLocalDpi xmlns:a14="http://schemas.microsoft.com/office/drawing/2010/main" val="0"/>
-              </a:ext>
-            </a:extLst>
-          </a:blip>
-          <a:srcRect/>
-          <a:stretch>
-            <a:fillRect/>
-          </a:stretch>
-        </p:blipFill>
-        <p:spPr bwMode="auto">
-          <a:xfrm flipH="1">
-            <a:off x="5269516" y="4326869"/>
-            <a:ext cx="329335" cy="329335"/>
-          </a:xfrm>
-          <a:prstGeom prst="rect">
-            <a:avLst/>
-          </a:prstGeom>
-          <a:noFill/>
-          <a:extLst>
-            <a:ext uri="{909E8E84-426E-40DD-AFC4-6F175D3DCCD1}">
-              <a14:hiddenFill xmlns:a14="http://schemas.microsoft.com/office/drawing/2010/main">
-                <a:solidFill>
-                  <a:srgbClr val="FFFFFF"/>
-                </a:solidFill>
-              </a14:hiddenFill>
-            </a:ext>
-          </a:extLst>
-        </p:spPr>
-      </p:pic>
-      <p:sp>
-        <p:nvSpPr>
-          <p:cNvPr id="30" name="Freeform 29"/>
-          <p:cNvSpPr/>
-          <p:nvPr/>
-        </p:nvSpPr>
-        <p:spPr bwMode="auto">
-          <a:xfrm rot="168701" flipH="1">
-            <a:off x="6370012" y="2900978"/>
-            <a:ext cx="45719" cy="486483"/>
-          </a:xfrm>
-          <a:custGeom>
-            <a:avLst/>
-            <a:gdLst>
-              <a:gd name="connsiteX0" fmla="*/ 570997 w 570997"/>
-              <a:gd name="connsiteY0" fmla="*/ 0 h 231774"/>
-              <a:gd name="connsiteX1" fmla="*/ 42359 w 570997"/>
-              <a:gd name="connsiteY1" fmla="*/ 200025 h 231774"/>
-              <a:gd name="connsiteX2" fmla="*/ 70934 w 570997"/>
-              <a:gd name="connsiteY2" fmla="*/ 228600 h 231774"/>
-            </a:gdLst>
-            <a:ahLst/>
-            <a:cxnLst>
-              <a:cxn ang="0">
-                <a:pos x="connsiteX0" y="connsiteY0"/>
-              </a:cxn>
-              <a:cxn ang="0">
-                <a:pos x="connsiteX1" y="connsiteY1"/>
-              </a:cxn>
-              <a:cxn ang="0">
-                <a:pos x="connsiteX2" y="connsiteY2"/>
-              </a:cxn>
-            </a:cxnLst>
-            <a:rect l="l" t="t" r="r" b="b"/>
-            <a:pathLst>
-              <a:path w="570997" h="231774">
-                <a:moveTo>
-                  <a:pt x="570997" y="0"/>
-                </a:moveTo>
-                <a:cubicBezTo>
-                  <a:pt x="348350" y="80962"/>
-                  <a:pt x="125703" y="161925"/>
-                  <a:pt x="42359" y="200025"/>
-                </a:cubicBezTo>
-                <a:cubicBezTo>
-                  <a:pt x="-40985" y="238125"/>
-                  <a:pt x="14974" y="233362"/>
-                  <a:pt x="70934" y="228600"/>
-                </a:cubicBezTo>
-              </a:path>
-            </a:pathLst>
-          </a:custGeom>
-          <a:solidFill>
-            <a:srgbClr val="FF0000"/>
-          </a:solidFill>
-          <a:ln w="38100" cap="flat" cmpd="sng" algn="ctr">
-            <a:solidFill>
-              <a:srgbClr val="FF0000"/>
-            </a:solidFill>
-            <a:prstDash val="solid"/>
-            <a:round/>
-            <a:headEnd type="none" w="med" len="med"/>
-            <a:tailEnd type="triangle" w="lg" len="lg"/>
-          </a:ln>
-          <a:effectLst/>
-          <a:extLst/>
-        </p:spPr>
-        <p:txBody>
-          <a:bodyPr vert="horz" wrap="square" lIns="91440" tIns="45720" rIns="91440" bIns="45720" numCol="1" rtlCol="1" anchor="t" anchorCtr="0" compatLnSpc="1">
-            <a:prstTxWarp prst="textNoShape">
-              <a:avLst/>
-            </a:prstTxWarp>
-          </a:bodyPr>
-          <a:lstStyle/>
-          <a:p>
-            <a:pPr marL="0" marR="0" indent="0" algn="l" defTabSz="914400" rtl="0" eaLnBrk="1" fontAlgn="base" latinLnBrk="0" hangingPunct="1">
-              <a:lnSpc>
-                <a:spcPct val="100000"/>
-              </a:lnSpc>
-              <a:spcBef>
-                <a:spcPct val="0"/>
-              </a:spcBef>
-              <a:spcAft>
-                <a:spcPct val="0"/>
-              </a:spcAft>
-              <a:buClrTx/>
-              <a:buSzTx/>
-              <a:buFontTx/>
-              <a:buNone/>
-              <a:tabLst/>
-            </a:pPr>
-            <a:endParaRPr kumimoji="0" lang="he-IL" sz="2400" b="0" i="0" u="none" strike="noStrike" cap="none" normalizeH="0" baseline="0" smtClean="0">
-              <a:ln>
-                <a:noFill/>
-              </a:ln>
-              <a:solidFill>
-                <a:schemeClr val="tx1"/>
-              </a:solidFill>
-              <a:effectLst/>
-              <a:latin typeface="Arial" pitchFamily="34" charset="0"/>
-            </a:endParaRPr>
-          </a:p>
-        </p:txBody>
-      </p:sp>
-      <p:sp>
-        <p:nvSpPr>
-          <p:cNvPr id="31" name="Rectangle 30"/>
-          <p:cNvSpPr/>
-          <p:nvPr/>
-        </p:nvSpPr>
-        <p:spPr bwMode="auto">
-          <a:xfrm>
-            <a:off x="6427636" y="3047514"/>
-            <a:ext cx="252000" cy="295111"/>
-          </a:xfrm>
-          <a:prstGeom prst="rect">
-            <a:avLst/>
-          </a:prstGeom>
-          <a:solidFill>
-            <a:srgbClr val="FF0000">
-              <a:alpha val="27000"/>
-            </a:srgbClr>
-          </a:solidFill>
-          <a:ln w="9525" cap="flat" cmpd="sng" algn="ctr">
-            <a:solidFill>
-              <a:schemeClr val="tx1"/>
-            </a:solidFill>
-            <a:prstDash val="solid"/>
-            <a:round/>
-            <a:headEnd type="none" w="med" len="med"/>
-            <a:tailEnd type="none" w="med" len="med"/>
-          </a:ln>
-          <a:effectLst/>
-          <a:extLst/>
-        </p:spPr>
-        <p:txBody>
-          <a:bodyPr vert="horz" wrap="square" lIns="91440" tIns="45720" rIns="91440" bIns="45720" numCol="1" rtlCol="1" anchor="t" anchorCtr="0" compatLnSpc="1">
-            <a:prstTxWarp prst="textNoShape">
-              <a:avLst/>
-            </a:prstTxWarp>
-          </a:bodyPr>
-          <a:lstStyle/>
-          <a:p>
-            <a:pPr marL="0" marR="0" indent="0" algn="l" defTabSz="914400" rtl="0" eaLnBrk="1" fontAlgn="base" latinLnBrk="0" hangingPunct="1">
-              <a:lnSpc>
-                <a:spcPct val="100000"/>
-              </a:lnSpc>
-              <a:spcBef>
-                <a:spcPct val="0"/>
-              </a:spcBef>
-              <a:spcAft>
-                <a:spcPct val="0"/>
-              </a:spcAft>
-              <a:buClrTx/>
-              <a:buSzTx/>
-              <a:buFontTx/>
-              <a:buNone/>
-              <a:tabLst/>
-            </a:pPr>
-            <a:endParaRPr kumimoji="0" lang="he-IL" sz="1800" b="0" i="0" u="none" strike="noStrike" cap="none" normalizeH="0" baseline="0" smtClean="0">
-              <a:ln>
-                <a:noFill/>
-              </a:ln>
-              <a:solidFill>
-                <a:schemeClr val="tx1"/>
-              </a:solidFill>
-              <a:effectLst/>
-              <a:latin typeface="Arial" pitchFamily="34" charset="0"/>
-            </a:endParaRPr>
-          </a:p>
-        </p:txBody>
-      </p:sp>
-      <p:sp>
-        <p:nvSpPr>
-          <p:cNvPr id="32" name="Freeform 31"/>
-          <p:cNvSpPr/>
-          <p:nvPr/>
-        </p:nvSpPr>
-        <p:spPr bwMode="auto">
-          <a:xfrm rot="168701">
-            <a:off x="5785075" y="3342089"/>
-            <a:ext cx="574971" cy="656835"/>
-          </a:xfrm>
-          <a:custGeom>
-            <a:avLst/>
-            <a:gdLst>
-              <a:gd name="connsiteX0" fmla="*/ 570997 w 570997"/>
-              <a:gd name="connsiteY0" fmla="*/ 0 h 231774"/>
-              <a:gd name="connsiteX1" fmla="*/ 42359 w 570997"/>
-              <a:gd name="connsiteY1" fmla="*/ 200025 h 231774"/>
-              <a:gd name="connsiteX2" fmla="*/ 70934 w 570997"/>
-              <a:gd name="connsiteY2" fmla="*/ 228600 h 231774"/>
-            </a:gdLst>
-            <a:ahLst/>
-            <a:cxnLst>
-              <a:cxn ang="0">
-                <a:pos x="connsiteX0" y="connsiteY0"/>
-              </a:cxn>
-              <a:cxn ang="0">
-                <a:pos x="connsiteX1" y="connsiteY1"/>
-              </a:cxn>
-              <a:cxn ang="0">
-                <a:pos x="connsiteX2" y="connsiteY2"/>
-              </a:cxn>
-            </a:cxnLst>
-            <a:rect l="l" t="t" r="r" b="b"/>
-            <a:pathLst>
-              <a:path w="570997" h="231774">
-                <a:moveTo>
-                  <a:pt x="570997" y="0"/>
-                </a:moveTo>
-                <a:cubicBezTo>
-                  <a:pt x="348350" y="80962"/>
-                  <a:pt x="125703" y="161925"/>
-                  <a:pt x="42359" y="200025"/>
-                </a:cubicBezTo>
-                <a:cubicBezTo>
-                  <a:pt x="-40985" y="238125"/>
-                  <a:pt x="14974" y="233362"/>
-                  <a:pt x="70934" y="228600"/>
-                </a:cubicBezTo>
-              </a:path>
-            </a:pathLst>
-          </a:custGeom>
-          <a:solidFill>
-            <a:srgbClr val="FF0000"/>
-          </a:solidFill>
-          <a:ln w="38100" cap="flat" cmpd="sng" algn="ctr">
-            <a:solidFill>
-              <a:srgbClr val="FF0000"/>
-            </a:solidFill>
-            <a:prstDash val="solid"/>
-            <a:round/>
-            <a:headEnd type="none" w="med" len="med"/>
-            <a:tailEnd type="triangle" w="lg" len="lg"/>
-          </a:ln>
-          <a:effectLst/>
-          <a:extLst/>
-        </p:spPr>
-        <p:txBody>
-          <a:bodyPr vert="horz" wrap="square" lIns="91440" tIns="45720" rIns="91440" bIns="45720" numCol="1" rtlCol="1" anchor="t" anchorCtr="0" compatLnSpc="1">
-            <a:prstTxWarp prst="textNoShape">
-              <a:avLst/>
-            </a:prstTxWarp>
-          </a:bodyPr>
-          <a:lstStyle/>
-          <a:p>
-            <a:pPr marL="0" marR="0" indent="0" algn="l" defTabSz="914400" rtl="0" eaLnBrk="1" fontAlgn="base" latinLnBrk="0" hangingPunct="1">
-              <a:lnSpc>
-                <a:spcPct val="100000"/>
-              </a:lnSpc>
-              <a:spcBef>
-                <a:spcPct val="0"/>
-              </a:spcBef>
-              <a:spcAft>
-                <a:spcPct val="0"/>
-              </a:spcAft>
-              <a:buClrTx/>
-              <a:buSzTx/>
-              <a:buFontTx/>
-              <a:buNone/>
-              <a:tabLst/>
-            </a:pPr>
-            <a:endParaRPr kumimoji="0" lang="he-IL" sz="2400" b="0" i="0" u="none" strike="noStrike" cap="none" normalizeH="0" baseline="0" smtClean="0">
-              <a:ln>
-                <a:noFill/>
-              </a:ln>
-              <a:solidFill>
-                <a:schemeClr val="tx1"/>
-              </a:solidFill>
-              <a:effectLst/>
-              <a:latin typeface="Arial" pitchFamily="34" charset="0"/>
-            </a:endParaRPr>
-          </a:p>
-        </p:txBody>
-      </p:sp>
-      <p:sp>
-        <p:nvSpPr>
-          <p:cNvPr id="33" name="Rectangle 32"/>
-          <p:cNvSpPr/>
-          <p:nvPr/>
-        </p:nvSpPr>
-        <p:spPr bwMode="auto">
-          <a:xfrm>
-            <a:off x="6081143" y="3579763"/>
-            <a:ext cx="252000" cy="295111"/>
-          </a:xfrm>
-          <a:prstGeom prst="rect">
-            <a:avLst/>
-          </a:prstGeom>
-          <a:solidFill>
-            <a:srgbClr val="FF0000">
-              <a:alpha val="27000"/>
-            </a:srgbClr>
-          </a:solidFill>
-          <a:ln w="9525" cap="flat" cmpd="sng" algn="ctr">
-            <a:solidFill>
-              <a:schemeClr val="tx1"/>
-            </a:solidFill>
-            <a:prstDash val="solid"/>
-            <a:round/>
-            <a:headEnd type="none" w="med" len="med"/>
-            <a:tailEnd type="none" w="med" len="med"/>
-          </a:ln>
-          <a:effectLst/>
-          <a:extLst/>
-        </p:spPr>
-        <p:txBody>
-          <a:bodyPr vert="horz" wrap="square" lIns="91440" tIns="45720" rIns="91440" bIns="45720" numCol="1" rtlCol="1" anchor="t" anchorCtr="0" compatLnSpc="1">
-            <a:prstTxWarp prst="textNoShape">
-              <a:avLst/>
-            </a:prstTxWarp>
-          </a:bodyPr>
-          <a:lstStyle/>
-          <a:p>
-            <a:pPr marL="0" marR="0" indent="0" algn="l" defTabSz="914400" rtl="0" eaLnBrk="1" fontAlgn="base" latinLnBrk="0" hangingPunct="1">
-              <a:lnSpc>
-                <a:spcPct val="100000"/>
-              </a:lnSpc>
-              <a:spcBef>
-                <a:spcPct val="0"/>
-              </a:spcBef>
-              <a:spcAft>
-                <a:spcPct val="0"/>
-              </a:spcAft>
-              <a:buClrTx/>
-              <a:buSzTx/>
-              <a:buFontTx/>
-              <a:buNone/>
-              <a:tabLst/>
-            </a:pPr>
-            <a:endParaRPr kumimoji="0" lang="he-IL" sz="1800" b="0" i="0" u="none" strike="noStrike" cap="none" normalizeH="0" baseline="0" smtClean="0">
-              <a:ln>
-                <a:noFill/>
-              </a:ln>
-              <a:solidFill>
-                <a:schemeClr val="tx1"/>
-              </a:solidFill>
-              <a:effectLst/>
-              <a:latin typeface="Arial" pitchFamily="34" charset="0"/>
-            </a:endParaRPr>
-          </a:p>
-        </p:txBody>
-      </p:sp>
-      <p:sp>
-        <p:nvSpPr>
-          <p:cNvPr id="34" name="Rectangle 33"/>
-          <p:cNvSpPr/>
-          <p:nvPr/>
-        </p:nvSpPr>
-        <p:spPr bwMode="auto">
-          <a:xfrm>
-            <a:off x="6301608" y="3323667"/>
-            <a:ext cx="504056" cy="256096"/>
-          </a:xfrm>
-          <a:prstGeom prst="rect">
-            <a:avLst/>
-          </a:prstGeom>
-          <a:solidFill>
-            <a:srgbClr val="FFFF00">
-              <a:alpha val="27000"/>
-            </a:srgbClr>
-          </a:solidFill>
-          <a:ln w="9525" cap="flat" cmpd="sng" algn="ctr">
-            <a:solidFill>
-              <a:schemeClr val="tx1"/>
-            </a:solidFill>
-            <a:prstDash val="solid"/>
-            <a:round/>
-            <a:headEnd type="none" w="med" len="med"/>
-            <a:tailEnd type="none" w="med" len="med"/>
-          </a:ln>
-          <a:effectLst/>
-          <a:extLst/>
-        </p:spPr>
-        <p:txBody>
-          <a:bodyPr vert="horz" wrap="square" lIns="91440" tIns="45720" rIns="91440" bIns="45720" numCol="1" rtlCol="1" anchor="t" anchorCtr="0" compatLnSpc="1">
-            <a:prstTxWarp prst="textNoShape">
-              <a:avLst/>
-            </a:prstTxWarp>
-          </a:bodyPr>
-          <a:lstStyle/>
-          <a:p>
-            <a:pPr marL="0" marR="0" indent="0" algn="l" defTabSz="914400" rtl="0" eaLnBrk="1" fontAlgn="base" latinLnBrk="0" hangingPunct="1">
-              <a:lnSpc>
-                <a:spcPct val="100000"/>
-              </a:lnSpc>
-              <a:spcBef>
-                <a:spcPct val="0"/>
-              </a:spcBef>
-              <a:spcAft>
-                <a:spcPct val="0"/>
-              </a:spcAft>
-              <a:buClrTx/>
-              <a:buSzTx/>
-              <a:buFontTx/>
-              <a:buNone/>
-              <a:tabLst/>
-            </a:pPr>
-            <a:endParaRPr kumimoji="0" lang="he-IL" sz="1800" b="0" i="0" u="none" strike="noStrike" cap="none" normalizeH="0" baseline="0" smtClean="0">
-              <a:ln>
-                <a:noFill/>
-              </a:ln>
-              <a:solidFill>
-                <a:schemeClr val="tx1"/>
-              </a:solidFill>
-              <a:effectLst/>
-              <a:latin typeface="Arial" pitchFamily="34" charset="0"/>
-            </a:endParaRPr>
-          </a:p>
-        </p:txBody>
-      </p:sp>
-      <p:pic>
-        <p:nvPicPr>
-          <p:cNvPr id="35" name="Picture 2" descr="C:\Users\Avi\AppData\Local\Microsoft\Windows\Temporary Internet Files\Content.IE5\VZSDZK43\no[1].gif"/>
-          <p:cNvPicPr>
-            <a:picLocks noChangeAspect="1" noChangeArrowheads="1"/>
-          </p:cNvPicPr>
-          <p:nvPr/>
-        </p:nvPicPr>
-        <p:blipFill>
-          <a:blip r:embed="rId5" cstate="print">
-            <a:extLst>
-              <a:ext uri="{28A0092B-C50C-407E-A947-70E740481C1C}">
-                <a14:useLocalDpi xmlns:a14="http://schemas.microsoft.com/office/drawing/2010/main" val="0"/>
-              </a:ext>
-            </a:extLst>
-          </a:blip>
-          <a:srcRect/>
-          <a:stretch>
-            <a:fillRect/>
-          </a:stretch>
-        </p:blipFill>
-        <p:spPr bwMode="auto">
-          <a:xfrm flipH="1">
-            <a:off x="5619968" y="3967315"/>
-            <a:ext cx="329335" cy="329335"/>
-          </a:xfrm>
-          <a:prstGeom prst="rect">
-            <a:avLst/>
-          </a:prstGeom>
-          <a:noFill/>
-          <a:extLst>
-            <a:ext uri="{909E8E84-426E-40DD-AFC4-6F175D3DCCD1}">
-              <a14:hiddenFill xmlns:a14="http://schemas.microsoft.com/office/drawing/2010/main">
-                <a:solidFill>
-                  <a:srgbClr val="FFFFFF"/>
-                </a:solidFill>
-              </a14:hiddenFill>
-            </a:ext>
-          </a:extLst>
-        </p:spPr>
-      </p:pic>
-      <p:sp>
-        <p:nvSpPr>
-          <p:cNvPr id="36" name="Rectangle 35"/>
-          <p:cNvSpPr/>
-          <p:nvPr/>
-        </p:nvSpPr>
-        <p:spPr bwMode="auto">
-          <a:xfrm>
-            <a:off x="395536" y="4043782"/>
-            <a:ext cx="144016" cy="1014573"/>
-          </a:xfrm>
-          <a:prstGeom prst="rect">
-            <a:avLst/>
-          </a:prstGeom>
-          <a:solidFill>
-            <a:srgbClr val="FFFF00">
-              <a:alpha val="27000"/>
-            </a:srgbClr>
-          </a:solidFill>
-          <a:ln w="9525" cap="flat" cmpd="sng" algn="ctr">
-            <a:solidFill>
-              <a:schemeClr val="tx1"/>
-            </a:solidFill>
-            <a:prstDash val="solid"/>
-            <a:round/>
-            <a:headEnd type="none" w="med" len="med"/>
-            <a:tailEnd type="none" w="med" len="med"/>
-          </a:ln>
-          <a:effectLst/>
-          <a:extLst/>
-        </p:spPr>
-        <p:txBody>
-          <a:bodyPr vert="horz" wrap="square" lIns="91440" tIns="45720" rIns="91440" bIns="45720" numCol="1" rtlCol="1" anchor="t" anchorCtr="0" compatLnSpc="1">
-            <a:prstTxWarp prst="textNoShape">
-              <a:avLst/>
-            </a:prstTxWarp>
-          </a:bodyPr>
-          <a:lstStyle/>
-          <a:p>
-            <a:pPr marL="0" marR="0" indent="0" algn="l" defTabSz="914400" rtl="0" eaLnBrk="1" fontAlgn="base" latinLnBrk="0" hangingPunct="1">
-              <a:lnSpc>
-                <a:spcPct val="100000"/>
-              </a:lnSpc>
-              <a:spcBef>
-                <a:spcPct val="0"/>
-              </a:spcBef>
-              <a:spcAft>
-                <a:spcPct val="0"/>
-              </a:spcAft>
-              <a:buClrTx/>
-              <a:buSzTx/>
-              <a:buFontTx/>
-              <a:buNone/>
-              <a:tabLst/>
-            </a:pPr>
-            <a:endParaRPr kumimoji="0" lang="he-IL" sz="1800" b="0" i="0" u="none" strike="noStrike" cap="none" normalizeH="0" baseline="0" smtClean="0">
-              <a:ln>
-                <a:noFill/>
-              </a:ln>
-              <a:solidFill>
-                <a:schemeClr val="tx1"/>
-              </a:solidFill>
-              <a:effectLst/>
-              <a:latin typeface="Arial" pitchFamily="34" charset="0"/>
-            </a:endParaRPr>
-          </a:p>
-        </p:txBody>
-      </p:sp>
-      <p:sp>
-        <p:nvSpPr>
-          <p:cNvPr id="37" name="Rectangle 36"/>
-          <p:cNvSpPr/>
-          <p:nvPr/>
-        </p:nvSpPr>
-        <p:spPr bwMode="auto">
-          <a:xfrm>
-            <a:off x="991698" y="4068933"/>
-            <a:ext cx="187542" cy="989421"/>
-          </a:xfrm>
-          <a:prstGeom prst="rect">
-            <a:avLst/>
-          </a:prstGeom>
-          <a:solidFill>
-            <a:srgbClr val="FF0000">
-              <a:alpha val="27000"/>
-            </a:srgbClr>
-          </a:solidFill>
-          <a:ln w="9525" cap="flat" cmpd="sng" algn="ctr">
-            <a:solidFill>
-              <a:schemeClr val="tx1"/>
-            </a:solidFill>
-            <a:prstDash val="solid"/>
-            <a:round/>
-            <a:headEnd type="none" w="med" len="med"/>
-            <a:tailEnd type="none" w="med" len="med"/>
-          </a:ln>
-          <a:effectLst/>
-          <a:extLst/>
-        </p:spPr>
-        <p:txBody>
-          <a:bodyPr vert="horz" wrap="square" lIns="91440" tIns="45720" rIns="91440" bIns="45720" numCol="1" rtlCol="1" anchor="t" anchorCtr="0" compatLnSpc="1">
-            <a:prstTxWarp prst="textNoShape">
-              <a:avLst/>
-            </a:prstTxWarp>
-          </a:bodyPr>
-          <a:lstStyle/>
-          <a:p>
-            <a:pPr marL="0" marR="0" indent="0" algn="l" defTabSz="914400" rtl="0" eaLnBrk="1" fontAlgn="base" latinLnBrk="0" hangingPunct="1">
-              <a:lnSpc>
-                <a:spcPct val="100000"/>
-              </a:lnSpc>
-              <a:spcBef>
-                <a:spcPct val="0"/>
-              </a:spcBef>
-              <a:spcAft>
-                <a:spcPct val="0"/>
-              </a:spcAft>
-              <a:buClrTx/>
-              <a:buSzTx/>
-              <a:buFontTx/>
-              <a:buNone/>
-              <a:tabLst/>
-            </a:pPr>
-            <a:endParaRPr kumimoji="0" lang="he-IL" sz="1800" b="0" i="0" u="none" strike="noStrike" cap="none" normalizeH="0" baseline="0" smtClean="0">
-              <a:ln>
-                <a:noFill/>
-              </a:ln>
-              <a:solidFill>
-                <a:schemeClr val="tx1"/>
-              </a:solidFill>
-              <a:effectLst/>
-              <a:latin typeface="Arial" pitchFamily="34" charset="0"/>
-            </a:endParaRPr>
-          </a:p>
-        </p:txBody>
-      </p:sp>
-      <p:sp>
-        <p:nvSpPr>
-          <p:cNvPr id="43" name="Freeform 42"/>
-          <p:cNvSpPr/>
-          <p:nvPr/>
-        </p:nvSpPr>
-        <p:spPr bwMode="auto">
-          <a:xfrm rot="168701" flipH="1">
-            <a:off x="6773526" y="3409546"/>
-            <a:ext cx="689258" cy="409654"/>
-          </a:xfrm>
-          <a:custGeom>
-            <a:avLst/>
-            <a:gdLst>
-              <a:gd name="connsiteX0" fmla="*/ 570997 w 570997"/>
-              <a:gd name="connsiteY0" fmla="*/ 0 h 231774"/>
-              <a:gd name="connsiteX1" fmla="*/ 42359 w 570997"/>
-              <a:gd name="connsiteY1" fmla="*/ 200025 h 231774"/>
-              <a:gd name="connsiteX2" fmla="*/ 70934 w 570997"/>
-              <a:gd name="connsiteY2" fmla="*/ 228600 h 231774"/>
-            </a:gdLst>
-            <a:ahLst/>
-            <a:cxnLst>
-              <a:cxn ang="0">
-                <a:pos x="connsiteX0" y="connsiteY0"/>
-              </a:cxn>
-              <a:cxn ang="0">
-                <a:pos x="connsiteX1" y="connsiteY1"/>
-              </a:cxn>
-              <a:cxn ang="0">
-                <a:pos x="connsiteX2" y="connsiteY2"/>
-              </a:cxn>
-            </a:cxnLst>
-            <a:rect l="l" t="t" r="r" b="b"/>
-            <a:pathLst>
-              <a:path w="570997" h="231774">
-                <a:moveTo>
-                  <a:pt x="570997" y="0"/>
-                </a:moveTo>
-                <a:cubicBezTo>
-                  <a:pt x="348350" y="80962"/>
-                  <a:pt x="125703" y="161925"/>
-                  <a:pt x="42359" y="200025"/>
-                </a:cubicBezTo>
-                <a:cubicBezTo>
-                  <a:pt x="-40985" y="238125"/>
-                  <a:pt x="14974" y="233362"/>
-                  <a:pt x="70934" y="228600"/>
-                </a:cubicBezTo>
-              </a:path>
-            </a:pathLst>
-          </a:custGeom>
-          <a:solidFill>
-            <a:srgbClr val="FF0000"/>
-          </a:solidFill>
-          <a:ln w="38100" cap="flat" cmpd="sng" algn="ctr">
-            <a:solidFill>
-              <a:srgbClr val="FF0000"/>
-            </a:solidFill>
-            <a:prstDash val="solid"/>
-            <a:round/>
-            <a:headEnd type="none" w="med" len="med"/>
-            <a:tailEnd type="triangle" w="lg" len="lg"/>
-          </a:ln>
-          <a:effectLst/>
-          <a:extLst/>
-        </p:spPr>
-        <p:txBody>
-          <a:bodyPr vert="horz" wrap="square" lIns="91440" tIns="45720" rIns="91440" bIns="45720" numCol="1" rtlCol="1" anchor="t" anchorCtr="0" compatLnSpc="1">
-            <a:prstTxWarp prst="textNoShape">
-              <a:avLst/>
-            </a:prstTxWarp>
-          </a:bodyPr>
-          <a:lstStyle/>
-          <a:p>
-            <a:pPr marL="0" marR="0" indent="0" algn="l" defTabSz="914400" rtl="0" eaLnBrk="1" fontAlgn="base" latinLnBrk="0" hangingPunct="1">
-              <a:lnSpc>
-                <a:spcPct val="100000"/>
-              </a:lnSpc>
-              <a:spcBef>
-                <a:spcPct val="0"/>
-              </a:spcBef>
-              <a:spcAft>
-                <a:spcPct val="0"/>
-              </a:spcAft>
-              <a:buClrTx/>
-              <a:buSzTx/>
-              <a:buFontTx/>
-              <a:buNone/>
-              <a:tabLst/>
-            </a:pPr>
-            <a:endParaRPr kumimoji="0" lang="he-IL" sz="2400" b="0" i="0" u="none" strike="noStrike" cap="none" normalizeH="0" baseline="0" smtClean="0">
-              <a:ln>
-                <a:noFill/>
-              </a:ln>
-              <a:solidFill>
-                <a:schemeClr val="tx1"/>
-              </a:solidFill>
-              <a:effectLst/>
-              <a:latin typeface="Arial" pitchFamily="34" charset="0"/>
-            </a:endParaRPr>
-          </a:p>
-        </p:txBody>
-      </p:sp>
-      <p:sp>
-        <p:nvSpPr>
-          <p:cNvPr id="46" name="Rectangle 45"/>
-          <p:cNvSpPr/>
-          <p:nvPr/>
-        </p:nvSpPr>
-        <p:spPr bwMode="auto">
-          <a:xfrm>
-            <a:off x="6724809" y="3708709"/>
-            <a:ext cx="252000" cy="295111"/>
-          </a:xfrm>
-          <a:prstGeom prst="rect">
-            <a:avLst/>
-          </a:prstGeom>
-          <a:solidFill>
-            <a:srgbClr val="92D050">
-              <a:alpha val="27000"/>
-            </a:srgbClr>
-          </a:solidFill>
-          <a:ln w="9525" cap="flat" cmpd="sng" algn="ctr">
-            <a:solidFill>
-              <a:schemeClr val="tx1"/>
-            </a:solidFill>
-            <a:prstDash val="solid"/>
-            <a:round/>
-            <a:headEnd type="none" w="med" len="med"/>
-            <a:tailEnd type="none" w="med" len="med"/>
-          </a:ln>
-          <a:effectLst/>
-          <a:extLst/>
-        </p:spPr>
-        <p:txBody>
-          <a:bodyPr vert="horz" wrap="square" lIns="91440" tIns="45720" rIns="91440" bIns="45720" numCol="1" rtlCol="1" anchor="t" anchorCtr="0" compatLnSpc="1">
-            <a:prstTxWarp prst="textNoShape">
-              <a:avLst/>
-            </a:prstTxWarp>
-          </a:bodyPr>
-          <a:lstStyle/>
-          <a:p>
-            <a:pPr marL="0" marR="0" indent="0" algn="l" defTabSz="914400" rtl="0" eaLnBrk="1" fontAlgn="base" latinLnBrk="0" hangingPunct="1">
-              <a:lnSpc>
-                <a:spcPct val="100000"/>
-              </a:lnSpc>
-              <a:spcBef>
-                <a:spcPct val="0"/>
-              </a:spcBef>
-              <a:spcAft>
-                <a:spcPct val="0"/>
-              </a:spcAft>
-              <a:buClrTx/>
-              <a:buSzTx/>
-              <a:buFontTx/>
-              <a:buNone/>
-              <a:tabLst/>
-            </a:pPr>
-            <a:endParaRPr kumimoji="0" lang="he-IL" sz="1800" b="0" i="0" u="none" strike="noStrike" cap="none" normalizeH="0" baseline="0" smtClean="0">
-              <a:ln>
-                <a:noFill/>
-              </a:ln>
-              <a:solidFill>
-                <a:schemeClr val="tx1"/>
-              </a:solidFill>
-              <a:effectLst/>
-              <a:latin typeface="Arial" pitchFamily="34" charset="0"/>
-            </a:endParaRPr>
-          </a:p>
-        </p:txBody>
-      </p:sp>
-      <p:sp>
-        <p:nvSpPr>
-          <p:cNvPr id="47" name="Rectangle 46"/>
-          <p:cNvSpPr/>
-          <p:nvPr/>
-        </p:nvSpPr>
-        <p:spPr bwMode="auto">
-          <a:xfrm>
-            <a:off x="395536" y="4653137"/>
-            <a:ext cx="144016" cy="256096"/>
-          </a:xfrm>
-          <a:prstGeom prst="rect">
-            <a:avLst/>
-          </a:prstGeom>
-          <a:solidFill>
-            <a:srgbClr val="FFFF00">
-              <a:alpha val="27000"/>
-            </a:srgbClr>
-          </a:solidFill>
-          <a:ln w="9525" cap="flat" cmpd="sng" algn="ctr">
-            <a:solidFill>
-              <a:schemeClr val="tx1"/>
-            </a:solidFill>
-            <a:prstDash val="solid"/>
-            <a:round/>
-            <a:headEnd type="none" w="med" len="med"/>
-            <a:tailEnd type="none" w="med" len="med"/>
-          </a:ln>
-          <a:effectLst/>
-          <a:extLst/>
-        </p:spPr>
-        <p:txBody>
-          <a:bodyPr vert="horz" wrap="square" lIns="91440" tIns="45720" rIns="91440" bIns="45720" numCol="1" rtlCol="1" anchor="t" anchorCtr="0" compatLnSpc="1">
-            <a:prstTxWarp prst="textNoShape">
-              <a:avLst/>
-            </a:prstTxWarp>
-          </a:bodyPr>
-          <a:lstStyle/>
-          <a:p>
-            <a:pPr marL="0" marR="0" indent="0" algn="l" defTabSz="914400" rtl="0" eaLnBrk="1" fontAlgn="base" latinLnBrk="0" hangingPunct="1">
-              <a:lnSpc>
-                <a:spcPct val="100000"/>
-              </a:lnSpc>
-              <a:spcBef>
-                <a:spcPct val="0"/>
-              </a:spcBef>
-              <a:spcAft>
-                <a:spcPct val="0"/>
-              </a:spcAft>
-              <a:buClrTx/>
-              <a:buSzTx/>
-              <a:buFontTx/>
-              <a:buNone/>
-              <a:tabLst/>
-            </a:pPr>
-            <a:endParaRPr kumimoji="0" lang="he-IL" sz="1800" b="0" i="0" u="none" strike="noStrike" cap="none" normalizeH="0" baseline="0" smtClean="0">
-              <a:ln>
-                <a:noFill/>
-              </a:ln>
-              <a:solidFill>
-                <a:schemeClr val="tx1"/>
-              </a:solidFill>
-              <a:effectLst/>
-              <a:latin typeface="Arial" pitchFamily="34" charset="0"/>
-            </a:endParaRPr>
-          </a:p>
-        </p:txBody>
-      </p:sp>
-      <p:sp>
-        <p:nvSpPr>
-          <p:cNvPr id="48" name="Rectangle 47"/>
-          <p:cNvSpPr/>
-          <p:nvPr/>
-        </p:nvSpPr>
-        <p:spPr bwMode="auto">
-          <a:xfrm>
-            <a:off x="1003648" y="4757079"/>
-            <a:ext cx="306000" cy="256097"/>
-          </a:xfrm>
-          <a:prstGeom prst="rect">
-            <a:avLst/>
-          </a:prstGeom>
-          <a:solidFill>
-            <a:srgbClr val="FF0000">
-              <a:alpha val="27000"/>
-            </a:srgbClr>
-          </a:solidFill>
-          <a:ln w="9525" cap="flat" cmpd="sng" algn="ctr">
-            <a:solidFill>
-              <a:schemeClr val="tx1"/>
-            </a:solidFill>
-            <a:prstDash val="solid"/>
-            <a:round/>
-            <a:headEnd type="none" w="med" len="med"/>
-            <a:tailEnd type="none" w="med" len="med"/>
-          </a:ln>
-          <a:effectLst/>
-          <a:extLst/>
-        </p:spPr>
-        <p:txBody>
-          <a:bodyPr vert="horz" wrap="square" lIns="91440" tIns="45720" rIns="91440" bIns="45720" numCol="1" rtlCol="1" anchor="t" anchorCtr="0" compatLnSpc="1">
-            <a:prstTxWarp prst="textNoShape">
-              <a:avLst/>
-            </a:prstTxWarp>
-          </a:bodyPr>
-          <a:lstStyle/>
-          <a:p>
-            <a:pPr marL="0" marR="0" indent="0" algn="l" defTabSz="914400" rtl="0" eaLnBrk="1" fontAlgn="base" latinLnBrk="0" hangingPunct="1">
-              <a:lnSpc>
-                <a:spcPct val="100000"/>
-              </a:lnSpc>
-              <a:spcBef>
-                <a:spcPct val="0"/>
-              </a:spcBef>
-              <a:spcAft>
-                <a:spcPct val="0"/>
-              </a:spcAft>
-              <a:buClrTx/>
-              <a:buSzTx/>
-              <a:buFontTx/>
-              <a:buNone/>
-              <a:tabLst/>
-            </a:pPr>
-            <a:endParaRPr kumimoji="0" lang="he-IL" sz="1800" b="0" i="0" u="none" strike="noStrike" cap="none" normalizeH="0" baseline="0" smtClean="0">
-              <a:ln>
-                <a:noFill/>
-              </a:ln>
-              <a:solidFill>
-                <a:schemeClr val="tx1"/>
-              </a:solidFill>
-              <a:effectLst/>
-              <a:latin typeface="Arial" pitchFamily="34" charset="0"/>
-            </a:endParaRPr>
-          </a:p>
-        </p:txBody>
-      </p:sp>
-      <p:sp>
-        <p:nvSpPr>
-          <p:cNvPr id="49" name="Rectangle 48"/>
-          <p:cNvSpPr/>
-          <p:nvPr/>
-        </p:nvSpPr>
-        <p:spPr bwMode="auto">
-          <a:xfrm>
-            <a:off x="6948264" y="3933056"/>
-            <a:ext cx="504056" cy="256096"/>
-          </a:xfrm>
-          <a:prstGeom prst="rect">
-            <a:avLst/>
-          </a:prstGeom>
-          <a:solidFill>
-            <a:srgbClr val="FFFF00">
-              <a:alpha val="27000"/>
-            </a:srgbClr>
-          </a:solidFill>
-          <a:ln w="9525" cap="flat" cmpd="sng" algn="ctr">
-            <a:solidFill>
-              <a:schemeClr val="tx1"/>
-            </a:solidFill>
-            <a:prstDash val="solid"/>
-            <a:round/>
-            <a:headEnd type="none" w="med" len="med"/>
-            <a:tailEnd type="none" w="med" len="med"/>
-          </a:ln>
-          <a:effectLst/>
-          <a:extLst/>
-        </p:spPr>
-        <p:txBody>
-          <a:bodyPr vert="horz" wrap="square" lIns="91440" tIns="45720" rIns="91440" bIns="45720" numCol="1" rtlCol="1" anchor="t" anchorCtr="0" compatLnSpc="1">
-            <a:prstTxWarp prst="textNoShape">
-              <a:avLst/>
-            </a:prstTxWarp>
-          </a:bodyPr>
-          <a:lstStyle/>
-          <a:p>
-            <a:pPr marL="0" marR="0" indent="0" algn="l" defTabSz="914400" rtl="0" eaLnBrk="1" fontAlgn="base" latinLnBrk="0" hangingPunct="1">
-              <a:lnSpc>
-                <a:spcPct val="100000"/>
-              </a:lnSpc>
-              <a:spcBef>
-                <a:spcPct val="0"/>
-              </a:spcBef>
-              <a:spcAft>
-                <a:spcPct val="0"/>
-              </a:spcAft>
-              <a:buClrTx/>
-              <a:buSzTx/>
-              <a:buFontTx/>
-              <a:buNone/>
-              <a:tabLst/>
-            </a:pPr>
-            <a:endParaRPr kumimoji="0" lang="he-IL" sz="1800" b="0" i="0" u="none" strike="noStrike" cap="none" normalizeH="0" baseline="0" smtClean="0">
-              <a:ln>
-                <a:noFill/>
-              </a:ln>
-              <a:solidFill>
-                <a:schemeClr val="tx1"/>
-              </a:solidFill>
-              <a:effectLst/>
-              <a:latin typeface="Arial" pitchFamily="34" charset="0"/>
-            </a:endParaRPr>
-          </a:p>
-        </p:txBody>
-      </p:sp>
-      <p:sp>
-        <p:nvSpPr>
-          <p:cNvPr id="50" name="Freeform 49"/>
-          <p:cNvSpPr/>
-          <p:nvPr/>
-        </p:nvSpPr>
-        <p:spPr bwMode="auto">
-          <a:xfrm rot="168701" flipH="1">
-            <a:off x="7439474" y="3968124"/>
-            <a:ext cx="45788" cy="522604"/>
-          </a:xfrm>
-          <a:custGeom>
-            <a:avLst/>
-            <a:gdLst>
-              <a:gd name="connsiteX0" fmla="*/ 570997 w 570997"/>
-              <a:gd name="connsiteY0" fmla="*/ 0 h 231774"/>
-              <a:gd name="connsiteX1" fmla="*/ 42359 w 570997"/>
-              <a:gd name="connsiteY1" fmla="*/ 200025 h 231774"/>
-              <a:gd name="connsiteX2" fmla="*/ 70934 w 570997"/>
-              <a:gd name="connsiteY2" fmla="*/ 228600 h 231774"/>
-            </a:gdLst>
-            <a:ahLst/>
-            <a:cxnLst>
-              <a:cxn ang="0">
-                <a:pos x="connsiteX0" y="connsiteY0"/>
-              </a:cxn>
-              <a:cxn ang="0">
-                <a:pos x="connsiteX1" y="connsiteY1"/>
-              </a:cxn>
-              <a:cxn ang="0">
-                <a:pos x="connsiteX2" y="connsiteY2"/>
-              </a:cxn>
-            </a:cxnLst>
-            <a:rect l="l" t="t" r="r" b="b"/>
-            <a:pathLst>
-              <a:path w="570997" h="231774">
-                <a:moveTo>
-                  <a:pt x="570997" y="0"/>
-                </a:moveTo>
-                <a:cubicBezTo>
-                  <a:pt x="348350" y="80962"/>
-                  <a:pt x="125703" y="161925"/>
-                  <a:pt x="42359" y="200025"/>
-                </a:cubicBezTo>
-                <a:cubicBezTo>
-                  <a:pt x="-40985" y="238125"/>
-                  <a:pt x="14974" y="233362"/>
-                  <a:pt x="70934" y="228600"/>
-                </a:cubicBezTo>
-              </a:path>
-            </a:pathLst>
-          </a:custGeom>
-          <a:solidFill>
-            <a:srgbClr val="FF0000"/>
-          </a:solidFill>
-          <a:ln w="38100" cap="flat" cmpd="sng" algn="ctr">
-            <a:solidFill>
-              <a:srgbClr val="FF0000"/>
-            </a:solidFill>
-            <a:prstDash val="solid"/>
-            <a:round/>
-            <a:headEnd type="none" w="med" len="med"/>
-            <a:tailEnd type="triangle" w="lg" len="lg"/>
-          </a:ln>
-          <a:effectLst/>
-          <a:extLst/>
-        </p:spPr>
-        <p:txBody>
-          <a:bodyPr vert="horz" wrap="square" lIns="91440" tIns="45720" rIns="91440" bIns="45720" numCol="1" rtlCol="1" anchor="t" anchorCtr="0" compatLnSpc="1">
-            <a:prstTxWarp prst="textNoShape">
-              <a:avLst/>
-            </a:prstTxWarp>
-          </a:bodyPr>
-          <a:lstStyle/>
-          <a:p>
-            <a:pPr marL="0" marR="0" indent="0" algn="l" defTabSz="914400" rtl="0" eaLnBrk="1" fontAlgn="base" latinLnBrk="0" hangingPunct="1">
-              <a:lnSpc>
-                <a:spcPct val="100000"/>
-              </a:lnSpc>
-              <a:spcBef>
-                <a:spcPct val="0"/>
-              </a:spcBef>
-              <a:spcAft>
-                <a:spcPct val="0"/>
-              </a:spcAft>
-              <a:buClrTx/>
-              <a:buSzTx/>
-              <a:buFontTx/>
-              <a:buNone/>
-              <a:tabLst/>
-            </a:pPr>
-            <a:endParaRPr kumimoji="0" lang="he-IL" sz="2400" b="0" i="0" u="none" strike="noStrike" cap="none" normalizeH="0" baseline="0" smtClean="0">
-              <a:ln>
-                <a:noFill/>
-              </a:ln>
-              <a:solidFill>
-                <a:schemeClr val="tx1"/>
-              </a:solidFill>
-              <a:effectLst/>
-              <a:latin typeface="Arial" pitchFamily="34" charset="0"/>
-            </a:endParaRPr>
-          </a:p>
-        </p:txBody>
-      </p:sp>
-      <p:sp>
-        <p:nvSpPr>
-          <p:cNvPr id="51" name="Rectangle 50"/>
-          <p:cNvSpPr/>
-          <p:nvPr/>
-        </p:nvSpPr>
-        <p:spPr bwMode="auto">
-          <a:xfrm>
-            <a:off x="7128312" y="4214009"/>
-            <a:ext cx="252000" cy="295111"/>
-          </a:xfrm>
-          <a:prstGeom prst="rect">
-            <a:avLst/>
-          </a:prstGeom>
-          <a:solidFill>
-            <a:srgbClr val="FF0000">
-              <a:alpha val="27000"/>
-            </a:srgbClr>
-          </a:solidFill>
-          <a:ln w="9525" cap="flat" cmpd="sng" algn="ctr">
-            <a:solidFill>
-              <a:schemeClr val="tx1"/>
-            </a:solidFill>
-            <a:prstDash val="solid"/>
-            <a:round/>
-            <a:headEnd type="none" w="med" len="med"/>
-            <a:tailEnd type="none" w="med" len="med"/>
-          </a:ln>
-          <a:effectLst/>
-          <a:extLst/>
-        </p:spPr>
-        <p:txBody>
-          <a:bodyPr vert="horz" wrap="square" lIns="91440" tIns="45720" rIns="91440" bIns="45720" numCol="1" rtlCol="1" anchor="t" anchorCtr="0" compatLnSpc="1">
-            <a:prstTxWarp prst="textNoShape">
-              <a:avLst/>
-            </a:prstTxWarp>
-          </a:bodyPr>
-          <a:lstStyle/>
-          <a:p>
-            <a:pPr marL="0" marR="0" indent="0" algn="l" defTabSz="914400" rtl="0" eaLnBrk="1" fontAlgn="base" latinLnBrk="0" hangingPunct="1">
-              <a:lnSpc>
-                <a:spcPct val="100000"/>
-              </a:lnSpc>
-              <a:spcBef>
-                <a:spcPct val="0"/>
-              </a:spcBef>
-              <a:spcAft>
-                <a:spcPct val="0"/>
-              </a:spcAft>
-              <a:buClrTx/>
-              <a:buSzTx/>
-              <a:buFontTx/>
-              <a:buNone/>
-              <a:tabLst/>
-            </a:pPr>
-            <a:endParaRPr kumimoji="0" lang="he-IL" sz="1800" b="0" i="0" u="none" strike="noStrike" cap="none" normalizeH="0" baseline="0" smtClean="0">
-              <a:ln>
-                <a:noFill/>
-              </a:ln>
-              <a:solidFill>
-                <a:schemeClr val="tx1"/>
-              </a:solidFill>
-              <a:effectLst/>
-              <a:latin typeface="Arial" pitchFamily="34" charset="0"/>
-            </a:endParaRPr>
-          </a:p>
-        </p:txBody>
-      </p:sp>
-      <p:pic>
-        <p:nvPicPr>
-          <p:cNvPr id="52" name="Picture 2" descr="C:\Users\Avi\AppData\Local\Microsoft\Windows\Temporary Internet Files\Content.IE5\VZSDZK43\no[1].gif"/>
-          <p:cNvPicPr>
-            <a:picLocks noChangeAspect="1" noChangeArrowheads="1"/>
-          </p:cNvPicPr>
-          <p:nvPr/>
-        </p:nvPicPr>
-        <p:blipFill>
-          <a:blip r:embed="rId5" cstate="print">
-            <a:extLst>
-              <a:ext uri="{28A0092B-C50C-407E-A947-70E740481C1C}">
-                <a14:useLocalDpi xmlns:a14="http://schemas.microsoft.com/office/drawing/2010/main" val="0"/>
-              </a:ext>
-            </a:extLst>
-          </a:blip>
-          <a:srcRect/>
-          <a:stretch>
-            <a:fillRect/>
-          </a:stretch>
-        </p:blipFill>
-        <p:spPr bwMode="auto">
-          <a:xfrm flipH="1">
-            <a:off x="7483025" y="4479269"/>
-            <a:ext cx="329335" cy="329335"/>
-          </a:xfrm>
-          <a:prstGeom prst="rect">
-            <a:avLst/>
-          </a:prstGeom>
-          <a:noFill/>
-          <a:extLst>
-            <a:ext uri="{909E8E84-426E-40DD-AFC4-6F175D3DCCD1}">
-              <a14:hiddenFill xmlns:a14="http://schemas.microsoft.com/office/drawing/2010/main">
-                <a:solidFill>
-                  <a:srgbClr val="FFFFFF"/>
-                </a:solidFill>
-              </a14:hiddenFill>
-            </a:ext>
-          </a:extLst>
-        </p:spPr>
-      </p:pic>
-      <p:sp>
-        <p:nvSpPr>
-          <p:cNvPr id="53" name="Freeform 52"/>
-          <p:cNvSpPr/>
-          <p:nvPr/>
-        </p:nvSpPr>
-        <p:spPr bwMode="auto">
-          <a:xfrm rot="168701" flipH="1">
-            <a:off x="6640036" y="2869920"/>
-            <a:ext cx="1396327" cy="291077"/>
-          </a:xfrm>
-          <a:custGeom>
-            <a:avLst/>
-            <a:gdLst>
-              <a:gd name="connsiteX0" fmla="*/ 570997 w 570997"/>
-              <a:gd name="connsiteY0" fmla="*/ 0 h 231774"/>
-              <a:gd name="connsiteX1" fmla="*/ 42359 w 570997"/>
-              <a:gd name="connsiteY1" fmla="*/ 200025 h 231774"/>
-              <a:gd name="connsiteX2" fmla="*/ 70934 w 570997"/>
-              <a:gd name="connsiteY2" fmla="*/ 228600 h 231774"/>
-            </a:gdLst>
-            <a:ahLst/>
-            <a:cxnLst>
-              <a:cxn ang="0">
-                <a:pos x="connsiteX0" y="connsiteY0"/>
-              </a:cxn>
-              <a:cxn ang="0">
-                <a:pos x="connsiteX1" y="connsiteY1"/>
-              </a:cxn>
-              <a:cxn ang="0">
-                <a:pos x="connsiteX2" y="connsiteY2"/>
-              </a:cxn>
-            </a:cxnLst>
-            <a:rect l="l" t="t" r="r" b="b"/>
-            <a:pathLst>
-              <a:path w="570997" h="231774">
-                <a:moveTo>
-                  <a:pt x="570997" y="0"/>
-                </a:moveTo>
-                <a:cubicBezTo>
-                  <a:pt x="348350" y="80962"/>
-                  <a:pt x="125703" y="161925"/>
-                  <a:pt x="42359" y="200025"/>
-                </a:cubicBezTo>
-                <a:cubicBezTo>
-                  <a:pt x="-40985" y="238125"/>
-                  <a:pt x="14974" y="233362"/>
-                  <a:pt x="70934" y="228600"/>
-                </a:cubicBezTo>
-              </a:path>
-            </a:pathLst>
-          </a:custGeom>
-          <a:solidFill>
-            <a:srgbClr val="FF0000"/>
-          </a:solidFill>
-          <a:ln w="38100" cap="flat" cmpd="sng" algn="ctr">
-            <a:solidFill>
-              <a:srgbClr val="FF0000"/>
-            </a:solidFill>
-            <a:prstDash val="solid"/>
-            <a:round/>
-            <a:headEnd type="none" w="med" len="med"/>
-            <a:tailEnd type="triangle" w="lg" len="lg"/>
-          </a:ln>
-          <a:effectLst/>
-          <a:extLst/>
-        </p:spPr>
-        <p:txBody>
-          <a:bodyPr vert="horz" wrap="square" lIns="91440" tIns="45720" rIns="91440" bIns="45720" numCol="1" rtlCol="1" anchor="t" anchorCtr="0" compatLnSpc="1">
-            <a:prstTxWarp prst="textNoShape">
-              <a:avLst/>
-            </a:prstTxWarp>
-          </a:bodyPr>
-          <a:lstStyle/>
-          <a:p>
-            <a:pPr marL="0" marR="0" indent="0" algn="l" defTabSz="914400" rtl="0" eaLnBrk="1" fontAlgn="base" latinLnBrk="0" hangingPunct="1">
-              <a:lnSpc>
-                <a:spcPct val="100000"/>
-              </a:lnSpc>
-              <a:spcBef>
-                <a:spcPct val="0"/>
-              </a:spcBef>
-              <a:spcAft>
-                <a:spcPct val="0"/>
-              </a:spcAft>
-              <a:buClrTx/>
-              <a:buSzTx/>
-              <a:buFontTx/>
-              <a:buNone/>
-              <a:tabLst/>
-            </a:pPr>
-            <a:endParaRPr kumimoji="0" lang="he-IL" sz="2400" b="0" i="0" u="none" strike="noStrike" cap="none" normalizeH="0" baseline="0" smtClean="0">
-              <a:ln>
-                <a:noFill/>
-              </a:ln>
-              <a:solidFill>
-                <a:schemeClr val="tx1"/>
-              </a:solidFill>
-              <a:effectLst/>
-              <a:latin typeface="Arial" pitchFamily="34" charset="0"/>
-            </a:endParaRPr>
-          </a:p>
-        </p:txBody>
-      </p:sp>
-      <p:sp>
-        <p:nvSpPr>
-          <p:cNvPr id="54" name="Rectangle 53"/>
-          <p:cNvSpPr/>
-          <p:nvPr/>
-        </p:nvSpPr>
-        <p:spPr bwMode="auto">
-          <a:xfrm>
-            <a:off x="7092280" y="2701841"/>
-            <a:ext cx="252000" cy="295111"/>
-          </a:xfrm>
-          <a:prstGeom prst="rect">
-            <a:avLst/>
-          </a:prstGeom>
-          <a:solidFill>
-            <a:srgbClr val="92D050">
-              <a:alpha val="27000"/>
-            </a:srgbClr>
-          </a:solidFill>
-          <a:ln w="9525" cap="flat" cmpd="sng" algn="ctr">
-            <a:solidFill>
-              <a:schemeClr val="tx1"/>
-            </a:solidFill>
-            <a:prstDash val="solid"/>
-            <a:round/>
-            <a:headEnd type="none" w="med" len="med"/>
-            <a:tailEnd type="none" w="med" len="med"/>
-          </a:ln>
-          <a:effectLst/>
-          <a:extLst/>
-        </p:spPr>
-        <p:txBody>
-          <a:bodyPr vert="horz" wrap="square" lIns="91440" tIns="45720" rIns="91440" bIns="45720" numCol="1" rtlCol="1" anchor="t" anchorCtr="0" compatLnSpc="1">
-            <a:prstTxWarp prst="textNoShape">
-              <a:avLst/>
-            </a:prstTxWarp>
-          </a:bodyPr>
-          <a:lstStyle/>
-          <a:p>
-            <a:pPr marL="0" marR="0" indent="0" algn="l" defTabSz="914400" rtl="0" eaLnBrk="1" fontAlgn="base" latinLnBrk="0" hangingPunct="1">
-              <a:lnSpc>
-                <a:spcPct val="100000"/>
-              </a:lnSpc>
-              <a:spcBef>
-                <a:spcPct val="0"/>
-              </a:spcBef>
-              <a:spcAft>
-                <a:spcPct val="0"/>
-              </a:spcAft>
-              <a:buClrTx/>
-              <a:buSzTx/>
-              <a:buFontTx/>
-              <a:buNone/>
-              <a:tabLst/>
-            </a:pPr>
-            <a:endParaRPr kumimoji="0" lang="he-IL" sz="1800" b="0" i="0" u="none" strike="noStrike" cap="none" normalizeH="0" baseline="0" smtClean="0">
-              <a:ln>
-                <a:noFill/>
-              </a:ln>
-              <a:solidFill>
-                <a:schemeClr val="tx1"/>
-              </a:solidFill>
-              <a:effectLst/>
-              <a:latin typeface="Arial" pitchFamily="34" charset="0"/>
-            </a:endParaRPr>
-          </a:p>
-        </p:txBody>
-      </p:sp>
-      <p:sp>
-        <p:nvSpPr>
-          <p:cNvPr id="55" name="Freeform 54"/>
-          <p:cNvSpPr/>
-          <p:nvPr/>
-        </p:nvSpPr>
-        <p:spPr bwMode="auto">
-          <a:xfrm rot="168701" flipH="1">
-            <a:off x="8167085" y="3194449"/>
-            <a:ext cx="45719" cy="473097"/>
-          </a:xfrm>
-          <a:custGeom>
-            <a:avLst/>
-            <a:gdLst>
-              <a:gd name="connsiteX0" fmla="*/ 570997 w 570997"/>
-              <a:gd name="connsiteY0" fmla="*/ 0 h 231774"/>
-              <a:gd name="connsiteX1" fmla="*/ 42359 w 570997"/>
-              <a:gd name="connsiteY1" fmla="*/ 200025 h 231774"/>
-              <a:gd name="connsiteX2" fmla="*/ 70934 w 570997"/>
-              <a:gd name="connsiteY2" fmla="*/ 228600 h 231774"/>
-            </a:gdLst>
-            <a:ahLst/>
-            <a:cxnLst>
-              <a:cxn ang="0">
-                <a:pos x="connsiteX0" y="connsiteY0"/>
-              </a:cxn>
-              <a:cxn ang="0">
-                <a:pos x="connsiteX1" y="connsiteY1"/>
-              </a:cxn>
-              <a:cxn ang="0">
-                <a:pos x="connsiteX2" y="connsiteY2"/>
-              </a:cxn>
-            </a:cxnLst>
-            <a:rect l="l" t="t" r="r" b="b"/>
-            <a:pathLst>
-              <a:path w="570997" h="231774">
-                <a:moveTo>
-                  <a:pt x="570997" y="0"/>
-                </a:moveTo>
-                <a:cubicBezTo>
-                  <a:pt x="348350" y="80962"/>
-                  <a:pt x="125703" y="161925"/>
-                  <a:pt x="42359" y="200025"/>
-                </a:cubicBezTo>
-                <a:cubicBezTo>
-                  <a:pt x="-40985" y="238125"/>
-                  <a:pt x="14974" y="233362"/>
-                  <a:pt x="70934" y="228600"/>
-                </a:cubicBezTo>
-              </a:path>
-            </a:pathLst>
-          </a:custGeom>
-          <a:solidFill>
-            <a:srgbClr val="FF0000"/>
-          </a:solidFill>
-          <a:ln w="38100" cap="flat" cmpd="sng" algn="ctr">
-            <a:solidFill>
-              <a:srgbClr val="FF0000"/>
-            </a:solidFill>
-            <a:prstDash val="solid"/>
-            <a:round/>
-            <a:headEnd type="none" w="med" len="med"/>
-            <a:tailEnd type="triangle" w="lg" len="lg"/>
-          </a:ln>
-          <a:effectLst/>
-          <a:extLst/>
-        </p:spPr>
-        <p:txBody>
-          <a:bodyPr vert="horz" wrap="square" lIns="91440" tIns="45720" rIns="91440" bIns="45720" numCol="1" rtlCol="1" anchor="t" anchorCtr="0" compatLnSpc="1">
-            <a:prstTxWarp prst="textNoShape">
-              <a:avLst/>
-            </a:prstTxWarp>
-          </a:bodyPr>
-          <a:lstStyle/>
-          <a:p>
-            <a:pPr marL="0" marR="0" indent="0" algn="l" defTabSz="914400" rtl="0" eaLnBrk="1" fontAlgn="base" latinLnBrk="0" hangingPunct="1">
-              <a:lnSpc>
-                <a:spcPct val="100000"/>
-              </a:lnSpc>
-              <a:spcBef>
-                <a:spcPct val="0"/>
-              </a:spcBef>
-              <a:spcAft>
-                <a:spcPct val="0"/>
-              </a:spcAft>
-              <a:buClrTx/>
-              <a:buSzTx/>
-              <a:buFontTx/>
-              <a:buNone/>
-              <a:tabLst/>
-            </a:pPr>
-            <a:endParaRPr kumimoji="0" lang="he-IL" sz="2400" b="0" i="0" u="none" strike="noStrike" cap="none" normalizeH="0" baseline="0" smtClean="0">
-              <a:ln>
-                <a:noFill/>
-              </a:ln>
-              <a:solidFill>
-                <a:schemeClr val="tx1"/>
-              </a:solidFill>
-              <a:effectLst/>
-              <a:latin typeface="Arial" pitchFamily="34" charset="0"/>
-            </a:endParaRPr>
-          </a:p>
-        </p:txBody>
-      </p:sp>
-      <p:sp>
-        <p:nvSpPr>
-          <p:cNvPr id="56" name="Rectangle 55"/>
-          <p:cNvSpPr/>
-          <p:nvPr/>
-        </p:nvSpPr>
-        <p:spPr bwMode="auto">
-          <a:xfrm>
-            <a:off x="7903509" y="3240734"/>
-            <a:ext cx="252000" cy="295111"/>
-          </a:xfrm>
-          <a:prstGeom prst="rect">
-            <a:avLst/>
-          </a:prstGeom>
-          <a:solidFill>
-            <a:srgbClr val="92D050">
-              <a:alpha val="27000"/>
-            </a:srgbClr>
-          </a:solidFill>
-          <a:ln w="9525" cap="flat" cmpd="sng" algn="ctr">
-            <a:solidFill>
-              <a:schemeClr val="tx1"/>
-            </a:solidFill>
-            <a:prstDash val="solid"/>
-            <a:round/>
-            <a:headEnd type="none" w="med" len="med"/>
-            <a:tailEnd type="none" w="med" len="med"/>
-          </a:ln>
-          <a:effectLst/>
-          <a:extLst/>
-        </p:spPr>
-        <p:txBody>
-          <a:bodyPr vert="horz" wrap="square" lIns="91440" tIns="45720" rIns="91440" bIns="45720" numCol="1" rtlCol="1" anchor="t" anchorCtr="0" compatLnSpc="1">
-            <a:prstTxWarp prst="textNoShape">
-              <a:avLst/>
-            </a:prstTxWarp>
-          </a:bodyPr>
-          <a:lstStyle/>
-          <a:p>
-            <a:pPr marL="0" marR="0" indent="0" algn="l" defTabSz="914400" rtl="0" eaLnBrk="1" fontAlgn="base" latinLnBrk="0" hangingPunct="1">
-              <a:lnSpc>
-                <a:spcPct val="100000"/>
-              </a:lnSpc>
-              <a:spcBef>
-                <a:spcPct val="0"/>
-              </a:spcBef>
-              <a:spcAft>
-                <a:spcPct val="0"/>
-              </a:spcAft>
-              <a:buClrTx/>
-              <a:buSzTx/>
-              <a:buFontTx/>
-              <a:buNone/>
-              <a:tabLst/>
-            </a:pPr>
-            <a:endParaRPr kumimoji="0" lang="he-IL" sz="1800" b="0" i="0" u="none" strike="noStrike" cap="none" normalizeH="0" baseline="0" smtClean="0">
-              <a:ln>
-                <a:noFill/>
-              </a:ln>
-              <a:solidFill>
-                <a:schemeClr val="tx1"/>
-              </a:solidFill>
-              <a:effectLst/>
-              <a:latin typeface="Arial" pitchFamily="34" charset="0"/>
-            </a:endParaRPr>
-          </a:p>
-        </p:txBody>
-      </p:sp>
-      <p:sp>
-        <p:nvSpPr>
-          <p:cNvPr id="57" name="Freeform 56"/>
-          <p:cNvSpPr/>
-          <p:nvPr/>
-        </p:nvSpPr>
-        <p:spPr bwMode="auto">
-          <a:xfrm rot="168701" flipH="1">
-            <a:off x="8188112" y="3891638"/>
-            <a:ext cx="60651" cy="304039"/>
-          </a:xfrm>
-          <a:custGeom>
-            <a:avLst/>
-            <a:gdLst>
-              <a:gd name="connsiteX0" fmla="*/ 570997 w 570997"/>
-              <a:gd name="connsiteY0" fmla="*/ 0 h 231774"/>
-              <a:gd name="connsiteX1" fmla="*/ 42359 w 570997"/>
-              <a:gd name="connsiteY1" fmla="*/ 200025 h 231774"/>
-              <a:gd name="connsiteX2" fmla="*/ 70934 w 570997"/>
-              <a:gd name="connsiteY2" fmla="*/ 228600 h 231774"/>
-            </a:gdLst>
-            <a:ahLst/>
-            <a:cxnLst>
-              <a:cxn ang="0">
-                <a:pos x="connsiteX0" y="connsiteY0"/>
-              </a:cxn>
-              <a:cxn ang="0">
-                <a:pos x="connsiteX1" y="connsiteY1"/>
-              </a:cxn>
-              <a:cxn ang="0">
-                <a:pos x="connsiteX2" y="connsiteY2"/>
-              </a:cxn>
-            </a:cxnLst>
-            <a:rect l="l" t="t" r="r" b="b"/>
-            <a:pathLst>
-              <a:path w="570997" h="231774">
-                <a:moveTo>
-                  <a:pt x="570997" y="0"/>
-                </a:moveTo>
-                <a:cubicBezTo>
-                  <a:pt x="348350" y="80962"/>
-                  <a:pt x="125703" y="161925"/>
-                  <a:pt x="42359" y="200025"/>
-                </a:cubicBezTo>
-                <a:cubicBezTo>
-                  <a:pt x="-40985" y="238125"/>
-                  <a:pt x="14974" y="233362"/>
-                  <a:pt x="70934" y="228600"/>
-                </a:cubicBezTo>
-              </a:path>
-            </a:pathLst>
-          </a:custGeom>
-          <a:solidFill>
-            <a:srgbClr val="FF0000"/>
-          </a:solidFill>
-          <a:ln w="38100" cap="flat" cmpd="sng" algn="ctr">
-            <a:solidFill>
-              <a:srgbClr val="FF0000"/>
-            </a:solidFill>
-            <a:prstDash val="solid"/>
-            <a:round/>
-            <a:headEnd type="none" w="med" len="med"/>
-            <a:tailEnd type="triangle" w="lg" len="lg"/>
-          </a:ln>
-          <a:effectLst/>
-          <a:extLst/>
-        </p:spPr>
-        <p:txBody>
-          <a:bodyPr vert="horz" wrap="square" lIns="91440" tIns="45720" rIns="91440" bIns="45720" numCol="1" rtlCol="1" anchor="t" anchorCtr="0" compatLnSpc="1">
-            <a:prstTxWarp prst="textNoShape">
-              <a:avLst/>
-            </a:prstTxWarp>
-          </a:bodyPr>
-          <a:lstStyle/>
-          <a:p>
-            <a:pPr marL="0" marR="0" indent="0" algn="l" defTabSz="914400" rtl="0" eaLnBrk="1" fontAlgn="base" latinLnBrk="0" hangingPunct="1">
-              <a:lnSpc>
-                <a:spcPct val="100000"/>
-              </a:lnSpc>
-              <a:spcBef>
-                <a:spcPct val="0"/>
-              </a:spcBef>
-              <a:spcAft>
-                <a:spcPct val="0"/>
-              </a:spcAft>
-              <a:buClrTx/>
-              <a:buSzTx/>
-              <a:buFontTx/>
-              <a:buNone/>
-              <a:tabLst/>
-            </a:pPr>
-            <a:endParaRPr kumimoji="0" lang="he-IL" sz="2400" b="0" i="0" u="none" strike="noStrike" cap="none" normalizeH="0" baseline="0" smtClean="0">
-              <a:ln>
-                <a:noFill/>
-              </a:ln>
-              <a:solidFill>
-                <a:schemeClr val="tx1"/>
-              </a:solidFill>
-              <a:effectLst/>
-              <a:latin typeface="Arial" pitchFamily="34" charset="0"/>
-            </a:endParaRPr>
-          </a:p>
-        </p:txBody>
-      </p:sp>
-      <p:sp>
-        <p:nvSpPr>
-          <p:cNvPr id="58" name="Rectangle 57"/>
-          <p:cNvSpPr/>
-          <p:nvPr/>
-        </p:nvSpPr>
-        <p:spPr bwMode="auto">
-          <a:xfrm>
-            <a:off x="7920400" y="3781961"/>
-            <a:ext cx="252000" cy="295111"/>
-          </a:xfrm>
-          <a:prstGeom prst="rect">
-            <a:avLst/>
-          </a:prstGeom>
-          <a:solidFill>
-            <a:srgbClr val="FF0000">
-              <a:alpha val="27000"/>
-            </a:srgbClr>
-          </a:solidFill>
-          <a:ln w="9525" cap="flat" cmpd="sng" algn="ctr">
-            <a:solidFill>
-              <a:schemeClr val="tx1"/>
-            </a:solidFill>
-            <a:prstDash val="solid"/>
-            <a:round/>
-            <a:headEnd type="none" w="med" len="med"/>
-            <a:tailEnd type="none" w="med" len="med"/>
-          </a:ln>
-          <a:effectLst/>
-          <a:extLst/>
-        </p:spPr>
-        <p:txBody>
-          <a:bodyPr vert="horz" wrap="square" lIns="91440" tIns="45720" rIns="91440" bIns="45720" numCol="1" rtlCol="1" anchor="t" anchorCtr="0" compatLnSpc="1">
-            <a:prstTxWarp prst="textNoShape">
-              <a:avLst/>
-            </a:prstTxWarp>
-          </a:bodyPr>
-          <a:lstStyle/>
-          <a:p>
-            <a:pPr marL="0" marR="0" indent="0" algn="l" defTabSz="914400" rtl="0" eaLnBrk="1" fontAlgn="base" latinLnBrk="0" hangingPunct="1">
-              <a:lnSpc>
-                <a:spcPct val="100000"/>
-              </a:lnSpc>
-              <a:spcBef>
-                <a:spcPct val="0"/>
-              </a:spcBef>
-              <a:spcAft>
-                <a:spcPct val="0"/>
-              </a:spcAft>
-              <a:buClrTx/>
-              <a:buSzTx/>
-              <a:buFontTx/>
-              <a:buNone/>
-              <a:tabLst/>
-            </a:pPr>
-            <a:endParaRPr kumimoji="0" lang="he-IL" sz="1800" b="0" i="0" u="none" strike="noStrike" cap="none" normalizeH="0" baseline="0" smtClean="0">
-              <a:ln>
-                <a:noFill/>
-              </a:ln>
-              <a:solidFill>
-                <a:schemeClr val="tx1"/>
-              </a:solidFill>
-              <a:effectLst/>
-              <a:latin typeface="Arial" pitchFamily="34" charset="0"/>
-            </a:endParaRPr>
-          </a:p>
-        </p:txBody>
-      </p:sp>
-      <p:sp>
-        <p:nvSpPr>
-          <p:cNvPr id="59" name="Rectangle 58"/>
-          <p:cNvSpPr/>
-          <p:nvPr/>
-        </p:nvSpPr>
-        <p:spPr bwMode="auto">
-          <a:xfrm>
-            <a:off x="7884368" y="2956880"/>
-            <a:ext cx="504056" cy="256096"/>
-          </a:xfrm>
-          <a:prstGeom prst="rect">
-            <a:avLst/>
-          </a:prstGeom>
-          <a:solidFill>
-            <a:srgbClr val="FFFF00">
-              <a:alpha val="27000"/>
-            </a:srgbClr>
-          </a:solidFill>
-          <a:ln w="9525" cap="flat" cmpd="sng" algn="ctr">
-            <a:solidFill>
-              <a:schemeClr val="tx1"/>
-            </a:solidFill>
-            <a:prstDash val="solid"/>
-            <a:round/>
-            <a:headEnd type="none" w="med" len="med"/>
-            <a:tailEnd type="none" w="med" len="med"/>
-          </a:ln>
-          <a:effectLst/>
-          <a:extLst/>
-        </p:spPr>
-        <p:txBody>
-          <a:bodyPr vert="horz" wrap="square" lIns="91440" tIns="45720" rIns="91440" bIns="45720" numCol="1" rtlCol="1" anchor="t" anchorCtr="0" compatLnSpc="1">
-            <a:prstTxWarp prst="textNoShape">
-              <a:avLst/>
-            </a:prstTxWarp>
-          </a:bodyPr>
-          <a:lstStyle/>
-          <a:p>
-            <a:pPr marL="0" marR="0" indent="0" algn="l" defTabSz="914400" rtl="0" eaLnBrk="1" fontAlgn="base" latinLnBrk="0" hangingPunct="1">
-              <a:lnSpc>
-                <a:spcPct val="100000"/>
-              </a:lnSpc>
-              <a:spcBef>
-                <a:spcPct val="0"/>
-              </a:spcBef>
-              <a:spcAft>
-                <a:spcPct val="0"/>
-              </a:spcAft>
-              <a:buClrTx/>
-              <a:buSzTx/>
-              <a:buFontTx/>
-              <a:buNone/>
-              <a:tabLst/>
-            </a:pPr>
-            <a:endParaRPr kumimoji="0" lang="he-IL" sz="1800" b="0" i="0" u="none" strike="noStrike" cap="none" normalizeH="0" baseline="0" smtClean="0">
-              <a:ln>
-                <a:noFill/>
-              </a:ln>
-              <a:solidFill>
-                <a:schemeClr val="tx1"/>
-              </a:solidFill>
-              <a:effectLst/>
-              <a:latin typeface="Arial" pitchFamily="34" charset="0"/>
-            </a:endParaRPr>
-          </a:p>
-        </p:txBody>
-      </p:sp>
-      <p:sp>
-        <p:nvSpPr>
-          <p:cNvPr id="60" name="Rectangle 59"/>
-          <p:cNvSpPr/>
-          <p:nvPr/>
-        </p:nvSpPr>
-        <p:spPr bwMode="auto">
-          <a:xfrm>
-            <a:off x="395536" y="3789040"/>
-            <a:ext cx="144016" cy="256096"/>
-          </a:xfrm>
-          <a:prstGeom prst="rect">
-            <a:avLst/>
-          </a:prstGeom>
-          <a:solidFill>
-            <a:srgbClr val="FFFF00">
-              <a:alpha val="27000"/>
-            </a:srgbClr>
-          </a:solidFill>
-          <a:ln w="9525" cap="flat" cmpd="sng" algn="ctr">
-            <a:solidFill>
-              <a:schemeClr val="tx1"/>
-            </a:solidFill>
-            <a:prstDash val="solid"/>
-            <a:round/>
-            <a:headEnd type="none" w="med" len="med"/>
-            <a:tailEnd type="none" w="med" len="med"/>
-          </a:ln>
-          <a:effectLst/>
-          <a:extLst/>
-        </p:spPr>
-        <p:txBody>
-          <a:bodyPr vert="horz" wrap="square" lIns="91440" tIns="45720" rIns="91440" bIns="45720" numCol="1" rtlCol="1" anchor="t" anchorCtr="0" compatLnSpc="1">
-            <a:prstTxWarp prst="textNoShape">
-              <a:avLst/>
-            </a:prstTxWarp>
-          </a:bodyPr>
-          <a:lstStyle/>
-          <a:p>
-            <a:pPr marL="0" marR="0" indent="0" algn="l" defTabSz="914400" rtl="0" eaLnBrk="1" fontAlgn="base" latinLnBrk="0" hangingPunct="1">
-              <a:lnSpc>
-                <a:spcPct val="100000"/>
-              </a:lnSpc>
-              <a:spcBef>
-                <a:spcPct val="0"/>
-              </a:spcBef>
-              <a:spcAft>
-                <a:spcPct val="0"/>
-              </a:spcAft>
-              <a:buClrTx/>
-              <a:buSzTx/>
-              <a:buFontTx/>
-              <a:buNone/>
-              <a:tabLst/>
-            </a:pPr>
-            <a:endParaRPr kumimoji="0" lang="he-IL" sz="1800" b="0" i="0" u="none" strike="noStrike" cap="none" normalizeH="0" baseline="0" smtClean="0">
-              <a:ln>
-                <a:noFill/>
-              </a:ln>
-              <a:solidFill>
-                <a:schemeClr val="tx1"/>
-              </a:solidFill>
-              <a:effectLst/>
-              <a:latin typeface="Arial" pitchFamily="34" charset="0"/>
-            </a:endParaRPr>
-          </a:p>
-        </p:txBody>
-      </p:sp>
-      <p:sp>
-        <p:nvSpPr>
-          <p:cNvPr id="61" name="Rectangle 60"/>
-          <p:cNvSpPr/>
-          <p:nvPr/>
-        </p:nvSpPr>
-        <p:spPr bwMode="auto">
-          <a:xfrm>
-            <a:off x="7884368" y="3573016"/>
-            <a:ext cx="504056" cy="256096"/>
-          </a:xfrm>
-          <a:prstGeom prst="rect">
-            <a:avLst/>
-          </a:prstGeom>
-          <a:solidFill>
-            <a:srgbClr val="FFFF00">
-              <a:alpha val="27000"/>
-            </a:srgbClr>
-          </a:solidFill>
-          <a:ln w="9525" cap="flat" cmpd="sng" algn="ctr">
-            <a:solidFill>
-              <a:schemeClr val="tx1"/>
-            </a:solidFill>
-            <a:prstDash val="solid"/>
-            <a:round/>
-            <a:headEnd type="none" w="med" len="med"/>
-            <a:tailEnd type="none" w="med" len="med"/>
-          </a:ln>
-          <a:effectLst/>
-          <a:extLst/>
-        </p:spPr>
-        <p:txBody>
-          <a:bodyPr vert="horz" wrap="square" lIns="91440" tIns="45720" rIns="91440" bIns="45720" numCol="1" rtlCol="1" anchor="t" anchorCtr="0" compatLnSpc="1">
-            <a:prstTxWarp prst="textNoShape">
-              <a:avLst/>
-            </a:prstTxWarp>
-          </a:bodyPr>
-          <a:lstStyle/>
-          <a:p>
-            <a:pPr marL="0" marR="0" indent="0" algn="l" defTabSz="914400" rtl="0" eaLnBrk="1" fontAlgn="base" latinLnBrk="0" hangingPunct="1">
-              <a:lnSpc>
-                <a:spcPct val="100000"/>
-              </a:lnSpc>
-              <a:spcBef>
-                <a:spcPct val="0"/>
-              </a:spcBef>
-              <a:spcAft>
-                <a:spcPct val="0"/>
-              </a:spcAft>
-              <a:buClrTx/>
-              <a:buSzTx/>
-              <a:buFontTx/>
-              <a:buNone/>
-              <a:tabLst/>
-            </a:pPr>
-            <a:endParaRPr kumimoji="0" lang="he-IL" sz="1800" b="0" i="0" u="none" strike="noStrike" cap="none" normalizeH="0" baseline="0" smtClean="0">
-              <a:ln>
-                <a:noFill/>
-              </a:ln>
-              <a:solidFill>
-                <a:schemeClr val="tx1"/>
-              </a:solidFill>
-              <a:effectLst/>
-              <a:latin typeface="Arial" pitchFamily="34" charset="0"/>
-            </a:endParaRPr>
-          </a:p>
-        </p:txBody>
-      </p:sp>
-      <p:sp>
-        <p:nvSpPr>
-          <p:cNvPr id="62" name="Rectangle 61"/>
-          <p:cNvSpPr/>
-          <p:nvPr/>
-        </p:nvSpPr>
-        <p:spPr bwMode="auto">
-          <a:xfrm>
-            <a:off x="395536" y="4397040"/>
-            <a:ext cx="144016" cy="256096"/>
-          </a:xfrm>
-          <a:prstGeom prst="rect">
-            <a:avLst/>
-          </a:prstGeom>
-          <a:solidFill>
-            <a:srgbClr val="FFFF00">
-              <a:alpha val="27000"/>
-            </a:srgbClr>
-          </a:solidFill>
-          <a:ln w="9525" cap="flat" cmpd="sng" algn="ctr">
-            <a:solidFill>
-              <a:schemeClr val="tx1"/>
-            </a:solidFill>
-            <a:prstDash val="solid"/>
-            <a:round/>
-            <a:headEnd type="none" w="med" len="med"/>
-            <a:tailEnd type="none" w="med" len="med"/>
-          </a:ln>
-          <a:effectLst/>
-          <a:extLst/>
-        </p:spPr>
-        <p:txBody>
-          <a:bodyPr vert="horz" wrap="square" lIns="91440" tIns="45720" rIns="91440" bIns="45720" numCol="1" rtlCol="1" anchor="t" anchorCtr="0" compatLnSpc="1">
-            <a:prstTxWarp prst="textNoShape">
-              <a:avLst/>
-            </a:prstTxWarp>
-          </a:bodyPr>
-          <a:lstStyle/>
-          <a:p>
-            <a:pPr marL="0" marR="0" indent="0" algn="l" defTabSz="914400" rtl="0" eaLnBrk="1" fontAlgn="base" latinLnBrk="0" hangingPunct="1">
-              <a:lnSpc>
-                <a:spcPct val="100000"/>
-              </a:lnSpc>
-              <a:spcBef>
-                <a:spcPct val="0"/>
-              </a:spcBef>
-              <a:spcAft>
-                <a:spcPct val="0"/>
-              </a:spcAft>
-              <a:buClrTx/>
-              <a:buSzTx/>
-              <a:buFontTx/>
-              <a:buNone/>
-              <a:tabLst/>
-            </a:pPr>
-            <a:endParaRPr kumimoji="0" lang="he-IL" sz="1800" b="0" i="0" u="none" strike="noStrike" cap="none" normalizeH="0" baseline="0" smtClean="0">
-              <a:ln>
-                <a:noFill/>
-              </a:ln>
-              <a:solidFill>
-                <a:schemeClr val="tx1"/>
-              </a:solidFill>
-              <a:effectLst/>
-              <a:latin typeface="Arial" pitchFamily="34" charset="0"/>
-            </a:endParaRPr>
-          </a:p>
-        </p:txBody>
-      </p:sp>
-      <p:sp>
-        <p:nvSpPr>
-          <p:cNvPr id="63" name="Rectangle 62"/>
-          <p:cNvSpPr/>
-          <p:nvPr/>
-        </p:nvSpPr>
-        <p:spPr bwMode="auto">
-          <a:xfrm>
-            <a:off x="1003648" y="3781741"/>
-            <a:ext cx="183976" cy="261915"/>
-          </a:xfrm>
-          <a:prstGeom prst="rect">
-            <a:avLst/>
-          </a:prstGeom>
-          <a:solidFill>
-            <a:srgbClr val="FF0000">
-              <a:alpha val="27000"/>
-            </a:srgbClr>
-          </a:solidFill>
-          <a:ln w="9525" cap="flat" cmpd="sng" algn="ctr">
-            <a:solidFill>
-              <a:schemeClr val="tx1"/>
-            </a:solidFill>
-            <a:prstDash val="solid"/>
-            <a:round/>
-            <a:headEnd type="none" w="med" len="med"/>
-            <a:tailEnd type="none" w="med" len="med"/>
-          </a:ln>
-          <a:effectLst/>
-          <a:extLst/>
-        </p:spPr>
-        <p:txBody>
-          <a:bodyPr vert="horz" wrap="square" lIns="91440" tIns="45720" rIns="91440" bIns="45720" numCol="1" rtlCol="1" anchor="t" anchorCtr="0" compatLnSpc="1">
-            <a:prstTxWarp prst="textNoShape">
-              <a:avLst/>
-            </a:prstTxWarp>
-          </a:bodyPr>
-          <a:lstStyle/>
-          <a:p>
-            <a:pPr marL="0" marR="0" indent="0" algn="l" defTabSz="914400" rtl="0" eaLnBrk="1" fontAlgn="base" latinLnBrk="0" hangingPunct="1">
-              <a:lnSpc>
-                <a:spcPct val="100000"/>
-              </a:lnSpc>
-              <a:spcBef>
-                <a:spcPct val="0"/>
-              </a:spcBef>
-              <a:spcAft>
-                <a:spcPct val="0"/>
-              </a:spcAft>
-              <a:buClrTx/>
-              <a:buSzTx/>
-              <a:buFontTx/>
-              <a:buNone/>
-              <a:tabLst/>
-            </a:pPr>
-            <a:endParaRPr kumimoji="0" lang="he-IL" sz="1800" b="0" i="0" u="none" strike="noStrike" cap="none" normalizeH="0" baseline="0" smtClean="0">
-              <a:ln>
-                <a:noFill/>
-              </a:ln>
-              <a:solidFill>
-                <a:schemeClr val="tx1"/>
-              </a:solidFill>
-              <a:effectLst/>
-              <a:latin typeface="Arial" pitchFamily="34" charset="0"/>
-            </a:endParaRPr>
-          </a:p>
-        </p:txBody>
-      </p:sp>
-      <p:sp>
-        <p:nvSpPr>
-          <p:cNvPr id="64" name="Rectangle 63"/>
-          <p:cNvSpPr/>
-          <p:nvPr/>
-        </p:nvSpPr>
-        <p:spPr bwMode="auto">
-          <a:xfrm>
-            <a:off x="971600" y="4397039"/>
-            <a:ext cx="306000" cy="256097"/>
-          </a:xfrm>
-          <a:prstGeom prst="rect">
-            <a:avLst/>
-          </a:prstGeom>
-          <a:solidFill>
-            <a:srgbClr val="FF0000">
-              <a:alpha val="27000"/>
-            </a:srgbClr>
-          </a:solidFill>
-          <a:ln w="9525" cap="flat" cmpd="sng" algn="ctr">
-            <a:solidFill>
-              <a:schemeClr val="tx1"/>
-            </a:solidFill>
-            <a:prstDash val="solid"/>
-            <a:round/>
-            <a:headEnd type="none" w="med" len="med"/>
-            <a:tailEnd type="none" w="med" len="med"/>
-          </a:ln>
-          <a:effectLst/>
-          <a:extLst/>
-        </p:spPr>
-        <p:txBody>
-          <a:bodyPr vert="horz" wrap="square" lIns="91440" tIns="45720" rIns="91440" bIns="45720" numCol="1" rtlCol="1" anchor="t" anchorCtr="0" compatLnSpc="1">
-            <a:prstTxWarp prst="textNoShape">
-              <a:avLst/>
-            </a:prstTxWarp>
-          </a:bodyPr>
-          <a:lstStyle/>
-          <a:p>
-            <a:pPr marL="0" marR="0" indent="0" algn="l" defTabSz="914400" rtl="0" eaLnBrk="1" fontAlgn="base" latinLnBrk="0" hangingPunct="1">
-              <a:lnSpc>
-                <a:spcPct val="100000"/>
-              </a:lnSpc>
-              <a:spcBef>
-                <a:spcPct val="0"/>
-              </a:spcBef>
-              <a:spcAft>
-                <a:spcPct val="0"/>
-              </a:spcAft>
-              <a:buClrTx/>
-              <a:buSzTx/>
-              <a:buFontTx/>
-              <a:buNone/>
-              <a:tabLst/>
-            </a:pPr>
-            <a:endParaRPr kumimoji="0" lang="he-IL" sz="1800" b="0" i="0" u="none" strike="noStrike" cap="none" normalizeH="0" baseline="0" smtClean="0">
-              <a:ln>
-                <a:noFill/>
-              </a:ln>
-              <a:solidFill>
-                <a:schemeClr val="tx1"/>
-              </a:solidFill>
-              <a:effectLst/>
-              <a:latin typeface="Arial" pitchFamily="34" charset="0"/>
-            </a:endParaRPr>
-          </a:p>
-        </p:txBody>
-      </p:sp>
-      <p:pic>
-        <p:nvPicPr>
-          <p:cNvPr id="1027" name="Picture 3" descr="C:\Users\Avi\AppData\Local\Microsoft\Windows\Temporary Internet Files\Content.IE5\XP2OWRGC\23493485345[1].png"/>
-          <p:cNvPicPr>
-            <a:picLocks noChangeAspect="1" noChangeArrowheads="1"/>
-          </p:cNvPicPr>
-          <p:nvPr/>
-        </p:nvPicPr>
-        <p:blipFill>
-          <a:blip r:embed="rId6" cstate="print">
-            <a:extLst>
-              <a:ext uri="{28A0092B-C50C-407E-A947-70E740481C1C}">
-                <a14:useLocalDpi xmlns:a14="http://schemas.microsoft.com/office/drawing/2010/main" val="0"/>
-              </a:ext>
-            </a:extLst>
-          </a:blip>
-          <a:srcRect/>
-          <a:stretch>
-            <a:fillRect/>
-          </a:stretch>
-        </p:blipFill>
-        <p:spPr bwMode="auto">
-          <a:xfrm>
-            <a:off x="7966287" y="4377269"/>
-            <a:ext cx="412225" cy="347597"/>
-          </a:xfrm>
-          <a:prstGeom prst="rect">
-            <a:avLst/>
-          </a:prstGeom>
-          <a:noFill/>
-          <a:extLst>
-            <a:ext uri="{909E8E84-426E-40DD-AFC4-6F175D3DCCD1}">
-              <a14:hiddenFill xmlns:a14="http://schemas.microsoft.com/office/drawing/2010/main">
-                <a:solidFill>
-                  <a:srgbClr val="FFFFFF"/>
-                </a:solidFill>
-              </a14:hiddenFill>
-            </a:ext>
-          </a:extLst>
-        </p:spPr>
-      </p:pic>
-      <p:sp>
-        <p:nvSpPr>
-          <p:cNvPr id="65" name="Rectangle 64"/>
-          <p:cNvSpPr/>
-          <p:nvPr/>
-        </p:nvSpPr>
-        <p:spPr bwMode="auto">
-          <a:xfrm>
-            <a:off x="7956376" y="4149080"/>
-            <a:ext cx="504056" cy="256096"/>
-          </a:xfrm>
-          <a:prstGeom prst="rect">
-            <a:avLst/>
-          </a:prstGeom>
-          <a:solidFill>
-            <a:srgbClr val="00B0F0">
-              <a:alpha val="27000"/>
-            </a:srgbClr>
-          </a:solidFill>
-          <a:ln w="9525" cap="flat" cmpd="sng" algn="ctr">
-            <a:solidFill>
-              <a:schemeClr val="tx1"/>
-            </a:solidFill>
-            <a:prstDash val="solid"/>
-            <a:round/>
-            <a:headEnd type="none" w="med" len="med"/>
-            <a:tailEnd type="none" w="med" len="med"/>
-          </a:ln>
-          <a:effectLst/>
-          <a:extLst/>
-        </p:spPr>
-        <p:txBody>
-          <a:bodyPr vert="horz" wrap="square" lIns="91440" tIns="45720" rIns="91440" bIns="45720" numCol="1" rtlCol="1" anchor="t" anchorCtr="0" compatLnSpc="1">
-            <a:prstTxWarp prst="textNoShape">
-              <a:avLst/>
-            </a:prstTxWarp>
-          </a:bodyPr>
-          <a:lstStyle/>
-          <a:p>
-            <a:pPr marL="0" marR="0" indent="0" algn="l" defTabSz="914400" rtl="0" eaLnBrk="1" fontAlgn="base" latinLnBrk="0" hangingPunct="1">
-              <a:lnSpc>
-                <a:spcPct val="100000"/>
-              </a:lnSpc>
-              <a:spcBef>
-                <a:spcPct val="0"/>
-              </a:spcBef>
-              <a:spcAft>
-                <a:spcPct val="0"/>
-              </a:spcAft>
-              <a:buClrTx/>
-              <a:buSzTx/>
-              <a:buFontTx/>
-              <a:buNone/>
-              <a:tabLst/>
-            </a:pPr>
-            <a:endParaRPr kumimoji="0" lang="he-IL" sz="1800" b="0" i="0" u="none" strike="noStrike" cap="none" normalizeH="0" baseline="0" smtClean="0">
-              <a:ln>
-                <a:noFill/>
-              </a:ln>
-              <a:solidFill>
-                <a:schemeClr val="tx1"/>
-              </a:solidFill>
-              <a:effectLst/>
-              <a:latin typeface="Arial" pitchFamily="34" charset="0"/>
-            </a:endParaRPr>
-          </a:p>
-        </p:txBody>
-      </p:sp>
-      <p:sp>
-        <p:nvSpPr>
-          <p:cNvPr id="66" name="Rectangle 65"/>
-          <p:cNvSpPr/>
-          <p:nvPr/>
-        </p:nvSpPr>
-        <p:spPr bwMode="auto">
-          <a:xfrm>
-            <a:off x="323528" y="3212976"/>
-            <a:ext cx="1152128" cy="218021"/>
-          </a:xfrm>
-          <a:prstGeom prst="rect">
-            <a:avLst/>
-          </a:prstGeom>
-          <a:solidFill>
-            <a:srgbClr val="00B0F0">
-              <a:alpha val="27000"/>
-            </a:srgbClr>
-          </a:solidFill>
-          <a:ln w="9525" cap="flat" cmpd="sng" algn="ctr">
-            <a:solidFill>
-              <a:schemeClr val="tx1"/>
-            </a:solidFill>
-            <a:prstDash val="solid"/>
-            <a:round/>
-            <a:headEnd type="none" w="med" len="med"/>
-            <a:tailEnd type="none" w="med" len="med"/>
-          </a:ln>
-          <a:effectLst/>
-          <a:extLst/>
-        </p:spPr>
-        <p:txBody>
-          <a:bodyPr vert="horz" wrap="square" lIns="91440" tIns="45720" rIns="91440" bIns="45720" numCol="1" rtlCol="1" anchor="t" anchorCtr="0" compatLnSpc="1">
-            <a:prstTxWarp prst="textNoShape">
-              <a:avLst/>
-            </a:prstTxWarp>
-          </a:bodyPr>
-          <a:lstStyle/>
-          <a:p>
-            <a:pPr marL="0" marR="0" indent="0" algn="l" defTabSz="914400" rtl="0" eaLnBrk="1" fontAlgn="base" latinLnBrk="0" hangingPunct="1">
-              <a:lnSpc>
-                <a:spcPct val="100000"/>
-              </a:lnSpc>
-              <a:spcBef>
-                <a:spcPct val="0"/>
-              </a:spcBef>
-              <a:spcAft>
-                <a:spcPct val="0"/>
-              </a:spcAft>
-              <a:buClrTx/>
-              <a:buSzTx/>
-              <a:buFontTx/>
-              <a:buNone/>
-              <a:tabLst/>
-            </a:pPr>
-            <a:endParaRPr kumimoji="0" lang="he-IL" sz="1800" b="0" i="0" u="none" strike="noStrike" cap="none" normalizeH="0" baseline="0" smtClean="0">
-              <a:ln>
-                <a:noFill/>
-              </a:ln>
-              <a:solidFill>
-                <a:schemeClr val="tx1"/>
-              </a:solidFill>
-              <a:effectLst/>
-              <a:latin typeface="Arial" pitchFamily="34" charset="0"/>
-            </a:endParaRPr>
-          </a:p>
-        </p:txBody>
-      </p:sp>
-    </p:spTree>
-    <p:extLst>
-      <p:ext uri="{BB962C8B-B14F-4D97-AF65-F5344CB8AC3E}">
-        <p14:creationId xmlns:p14="http://schemas.microsoft.com/office/powerpoint/2010/main" val="818881461"/>
-      </p:ext>
-    </p:extLst>
-  </p:cSld>
-  <p:clrMapOvr>
-    <a:masterClrMapping/>
-  </p:clrMapOvr>
-  <p:timing>
-    <p:tnLst>
-      <p:par>
-        <p:cTn id="1" dur="indefinite" restart="never" nodeType="tmRoot">
-          <p:childTnLst>
-            <p:seq concurrent="1" nextAc="seek">
-              <p:cTn id="2" dur="indefinite" nodeType="mainSeq">
-                <p:childTnLst>
-                  <p:par>
-                    <p:cTn id="3" fill="hold">
-                      <p:stCondLst>
-                        <p:cond delay="indefinite"/>
-                      </p:stCondLst>
-                      <p:childTnLst>
-                        <p:par>
-                          <p:cTn id="4" fill="hold">
-                            <p:stCondLst>
-                              <p:cond delay="0"/>
-                            </p:stCondLst>
-                            <p:childTnLst>
-                              <p:par>
-                                <p:cTn id="5" presetID="1" presetClass="entr" presetSubtype="0" fill="hold" nodeType="clickEffect">
-                                  <p:stCondLst>
-                                    <p:cond delay="0"/>
-                                  </p:stCondLst>
-                                  <p:childTnLst>
-                                    <p:set>
-                                      <p:cBhvr>
-                                        <p:cTn id="6" dur="1" fill="hold">
-                                          <p:stCondLst>
-                                            <p:cond delay="0"/>
-                                          </p:stCondLst>
-                                        </p:cTn>
-                                        <p:tgtEl>
-                                          <p:spTgt spid="2050"/>
-                                        </p:tgtEl>
-                                        <p:attrNameLst>
-                                          <p:attrName>style.visibility</p:attrName>
-                                        </p:attrNameLst>
-                                      </p:cBhvr>
-                                      <p:to>
-                                        <p:strVal val="visible"/>
-                                      </p:to>
-                                    </p:set>
-                                  </p:childTnLst>
-                                </p:cTn>
-                              </p:par>
-                            </p:childTnLst>
-                          </p:cTn>
-                        </p:par>
-                      </p:childTnLst>
-                    </p:cTn>
-                  </p:par>
-                  <p:par>
-                    <p:cTn id="7" fill="hold">
-                      <p:stCondLst>
-                        <p:cond delay="indefinite"/>
-                      </p:stCondLst>
-                      <p:childTnLst>
-                        <p:par>
-                          <p:cTn id="8" fill="hold">
-                            <p:stCondLst>
-                              <p:cond delay="0"/>
-                            </p:stCondLst>
-                            <p:childTnLst>
-                              <p:par>
-                                <p:cTn id="9" presetID="1" presetClass="entr" presetSubtype="0" fill="hold" grpId="0" nodeType="clickEffect">
-                                  <p:stCondLst>
-                                    <p:cond delay="0"/>
-                                  </p:stCondLst>
-                                  <p:childTnLst>
-                                    <p:set>
-                                      <p:cBhvr>
-                                        <p:cTn id="10" dur="1" fill="hold">
-                                          <p:stCondLst>
-                                            <p:cond delay="0"/>
-                                          </p:stCondLst>
-                                        </p:cTn>
-                                        <p:tgtEl>
-                                          <p:spTgt spid="2"/>
-                                        </p:tgtEl>
-                                        <p:attrNameLst>
-                                          <p:attrName>style.visibility</p:attrName>
-                                        </p:attrNameLst>
-                                      </p:cBhvr>
-                                      <p:to>
-                                        <p:strVal val="visible"/>
-                                      </p:to>
-                                    </p:set>
-                                  </p:childTnLst>
-                                </p:cTn>
-                              </p:par>
-                              <p:par>
-                                <p:cTn id="11" presetID="1" presetClass="entr" presetSubtype="0" fill="hold" nodeType="withEffect">
-                                  <p:stCondLst>
-                                    <p:cond delay="0"/>
-                                  </p:stCondLst>
-                                  <p:childTnLst>
-                                    <p:set>
-                                      <p:cBhvr>
-                                        <p:cTn id="12" dur="1" fill="hold">
-                                          <p:stCondLst>
-                                            <p:cond delay="0"/>
-                                          </p:stCondLst>
-                                        </p:cTn>
-                                        <p:tgtEl>
-                                          <p:spTgt spid="5"/>
-                                        </p:tgtEl>
-                                        <p:attrNameLst>
-                                          <p:attrName>style.visibility</p:attrName>
-                                        </p:attrNameLst>
-                                      </p:cBhvr>
-                                      <p:to>
-                                        <p:strVal val="visible"/>
-                                      </p:to>
-                                    </p:set>
-                                  </p:childTnLst>
-                                </p:cTn>
-                              </p:par>
-                            </p:childTnLst>
-                          </p:cTn>
-                        </p:par>
-                      </p:childTnLst>
-                    </p:cTn>
-                  </p:par>
-                  <p:par>
-                    <p:cTn id="13" fill="hold">
-                      <p:stCondLst>
-                        <p:cond delay="indefinite"/>
-                      </p:stCondLst>
-                      <p:childTnLst>
-                        <p:par>
-                          <p:cTn id="14" fill="hold">
-                            <p:stCondLst>
-                              <p:cond delay="0"/>
-                            </p:stCondLst>
-                            <p:childTnLst>
-                              <p:par>
-                                <p:cTn id="15" presetID="1" presetClass="entr" presetSubtype="0" fill="hold" grpId="0" nodeType="clickEffect">
-                                  <p:stCondLst>
-                                    <p:cond delay="0"/>
-                                  </p:stCondLst>
-                                  <p:childTnLst>
-                                    <p:set>
-                                      <p:cBhvr>
-                                        <p:cTn id="16" dur="1" fill="hold">
-                                          <p:stCondLst>
-                                            <p:cond delay="0"/>
-                                          </p:stCondLst>
-                                        </p:cTn>
-                                        <p:tgtEl>
-                                          <p:spTgt spid="8"/>
-                                        </p:tgtEl>
-                                        <p:attrNameLst>
-                                          <p:attrName>style.visibility</p:attrName>
-                                        </p:attrNameLst>
-                                      </p:cBhvr>
-                                      <p:to>
-                                        <p:strVal val="visible"/>
-                                      </p:to>
-                                    </p:set>
-                                  </p:childTnLst>
-                                </p:cTn>
-                              </p:par>
-                            </p:childTnLst>
-                          </p:cTn>
-                        </p:par>
-                      </p:childTnLst>
-                    </p:cTn>
-                  </p:par>
-                  <p:par>
-                    <p:cTn id="17" fill="hold">
-                      <p:stCondLst>
-                        <p:cond delay="indefinite"/>
-                      </p:stCondLst>
-                      <p:childTnLst>
-                        <p:par>
-                          <p:cTn id="18" fill="hold">
-                            <p:stCondLst>
-                              <p:cond delay="0"/>
-                            </p:stCondLst>
-                            <p:childTnLst>
-                              <p:par>
-                                <p:cTn id="19" presetID="1" presetClass="entr" presetSubtype="0" fill="hold" grpId="0" nodeType="clickEffect">
-                                  <p:stCondLst>
-                                    <p:cond delay="0"/>
-                                  </p:stCondLst>
-                                  <p:childTnLst>
-                                    <p:set>
-                                      <p:cBhvr>
-                                        <p:cTn id="20" dur="1" fill="hold">
-                                          <p:stCondLst>
-                                            <p:cond delay="0"/>
-                                          </p:stCondLst>
-                                        </p:cTn>
-                                        <p:tgtEl>
-                                          <p:spTgt spid="15"/>
-                                        </p:tgtEl>
-                                        <p:attrNameLst>
-                                          <p:attrName>style.visibility</p:attrName>
-                                        </p:attrNameLst>
-                                      </p:cBhvr>
-                                      <p:to>
-                                        <p:strVal val="visible"/>
-                                      </p:to>
-                                    </p:set>
-                                  </p:childTnLst>
-                                </p:cTn>
-                              </p:par>
-                              <p:par>
-                                <p:cTn id="21" presetID="1" presetClass="entr" presetSubtype="0" fill="hold" grpId="0" nodeType="withEffect">
-                                  <p:stCondLst>
-                                    <p:cond delay="0"/>
-                                  </p:stCondLst>
-                                  <p:childTnLst>
-                                    <p:set>
-                                      <p:cBhvr>
-                                        <p:cTn id="22" dur="1" fill="hold">
-                                          <p:stCondLst>
-                                            <p:cond delay="0"/>
-                                          </p:stCondLst>
-                                        </p:cTn>
-                                        <p:tgtEl>
-                                          <p:spTgt spid="14"/>
-                                        </p:tgtEl>
-                                        <p:attrNameLst>
-                                          <p:attrName>style.visibility</p:attrName>
-                                        </p:attrNameLst>
-                                      </p:cBhvr>
-                                      <p:to>
-                                        <p:strVal val="visible"/>
-                                      </p:to>
-                                    </p:set>
-                                  </p:childTnLst>
-                                  <p:subTnLst>
-                                    <p:set>
-                                      <p:cBhvr override="childStyle">
-                                        <p:cTn dur="1" fill="hold" display="0" masterRel="nextClick" afterEffect="1"/>
-                                        <p:tgtEl>
-                                          <p:spTgt spid="14"/>
-                                        </p:tgtEl>
-                                        <p:attrNameLst>
-                                          <p:attrName>style.visibility</p:attrName>
-                                        </p:attrNameLst>
-                                      </p:cBhvr>
-                                      <p:to>
-                                        <p:strVal val="hidden"/>
-                                      </p:to>
-                                    </p:set>
-                                  </p:subTnLst>
-                                </p:cTn>
-                              </p:par>
-                              <p:par>
-                                <p:cTn id="23" presetID="1" presetClass="entr" presetSubtype="0" fill="hold" grpId="0" nodeType="withEffect">
-                                  <p:stCondLst>
-                                    <p:cond delay="0"/>
-                                  </p:stCondLst>
-                                  <p:childTnLst>
-                                    <p:set>
-                                      <p:cBhvr>
-                                        <p:cTn id="24" dur="1" fill="hold">
-                                          <p:stCondLst>
-                                            <p:cond delay="0"/>
-                                          </p:stCondLst>
-                                        </p:cTn>
-                                        <p:tgtEl>
-                                          <p:spTgt spid="9"/>
-                                        </p:tgtEl>
-                                        <p:attrNameLst>
-                                          <p:attrName>style.visibility</p:attrName>
-                                        </p:attrNameLst>
-                                      </p:cBhvr>
-                                      <p:to>
-                                        <p:strVal val="visible"/>
-                                      </p:to>
-                                    </p:set>
-                                  </p:childTnLst>
-                                  <p:subTnLst>
-                                    <p:set>
-                                      <p:cBhvr override="childStyle">
-                                        <p:cTn dur="1" fill="hold" display="0" masterRel="nextClick" afterEffect="1"/>
-                                        <p:tgtEl>
-                                          <p:spTgt spid="9"/>
-                                        </p:tgtEl>
-                                        <p:attrNameLst>
-                                          <p:attrName>style.visibility</p:attrName>
-                                        </p:attrNameLst>
-                                      </p:cBhvr>
-                                      <p:to>
-                                        <p:strVal val="hidden"/>
-                                      </p:to>
-                                    </p:set>
-                                  </p:subTnLst>
-                                </p:cTn>
-                              </p:par>
-                              <p:par>
-                                <p:cTn id="25" presetID="1" presetClass="entr" presetSubtype="0" fill="hold" grpId="0" nodeType="withEffect">
-                                  <p:stCondLst>
-                                    <p:cond delay="0"/>
-                                  </p:stCondLst>
-                                  <p:childTnLst>
-                                    <p:set>
-                                      <p:cBhvr>
-                                        <p:cTn id="26" dur="1" fill="hold">
-                                          <p:stCondLst>
-                                            <p:cond delay="0"/>
-                                          </p:stCondLst>
-                                        </p:cTn>
-                                        <p:tgtEl>
-                                          <p:spTgt spid="13"/>
-                                        </p:tgtEl>
-                                        <p:attrNameLst>
-                                          <p:attrName>style.visibility</p:attrName>
-                                        </p:attrNameLst>
-                                      </p:cBhvr>
-                                      <p:to>
-                                        <p:strVal val="visible"/>
-                                      </p:to>
-                                    </p:set>
-                                  </p:childTnLst>
-                                  <p:subTnLst>
-                                    <p:set>
-                                      <p:cBhvr override="childStyle">
-                                        <p:cTn dur="1" fill="hold" display="0" masterRel="nextClick" afterEffect="1"/>
-                                        <p:tgtEl>
-                                          <p:spTgt spid="13"/>
-                                        </p:tgtEl>
-                                        <p:attrNameLst>
-                                          <p:attrName>style.visibility</p:attrName>
-                                        </p:attrNameLst>
-                                      </p:cBhvr>
-                                      <p:to>
-                                        <p:strVal val="hidden"/>
-                                      </p:to>
-                                    </p:set>
-                                  </p:subTnLst>
-                                </p:cTn>
-                              </p:par>
-                            </p:childTnLst>
-                          </p:cTn>
-                        </p:par>
-                      </p:childTnLst>
-                    </p:cTn>
-                  </p:par>
-                  <p:par>
-                    <p:cTn id="27" fill="hold">
-                      <p:stCondLst>
-                        <p:cond delay="indefinite"/>
-                      </p:stCondLst>
-                      <p:childTnLst>
-                        <p:par>
-                          <p:cTn id="28" fill="hold">
-                            <p:stCondLst>
-                              <p:cond delay="0"/>
-                            </p:stCondLst>
-                            <p:childTnLst>
-                              <p:par>
-                                <p:cTn id="29" presetID="1" presetClass="entr" presetSubtype="0" fill="hold" grpId="0" nodeType="clickEffect">
-                                  <p:stCondLst>
-                                    <p:cond delay="0"/>
-                                  </p:stCondLst>
-                                  <p:childTnLst>
-                                    <p:set>
-                                      <p:cBhvr>
-                                        <p:cTn id="30" dur="1" fill="hold">
-                                          <p:stCondLst>
-                                            <p:cond delay="0"/>
-                                          </p:stCondLst>
-                                        </p:cTn>
-                                        <p:tgtEl>
-                                          <p:spTgt spid="16"/>
-                                        </p:tgtEl>
-                                        <p:attrNameLst>
-                                          <p:attrName>style.visibility</p:attrName>
-                                        </p:attrNameLst>
-                                      </p:cBhvr>
-                                      <p:to>
-                                        <p:strVal val="visible"/>
-                                      </p:to>
-                                    </p:set>
-                                  </p:childTnLst>
-                                </p:cTn>
-                              </p:par>
-                            </p:childTnLst>
-                          </p:cTn>
-                        </p:par>
-                      </p:childTnLst>
-                    </p:cTn>
-                  </p:par>
-                  <p:par>
-                    <p:cTn id="31" fill="hold">
-                      <p:stCondLst>
-                        <p:cond delay="indefinite"/>
-                      </p:stCondLst>
-                      <p:childTnLst>
-                        <p:par>
-                          <p:cTn id="32" fill="hold">
-                            <p:stCondLst>
-                              <p:cond delay="0"/>
-                            </p:stCondLst>
-                            <p:childTnLst>
-                              <p:par>
-                                <p:cTn id="33" presetID="1" presetClass="entr" presetSubtype="0" fill="hold" grpId="0" nodeType="clickEffect">
-                                  <p:stCondLst>
-                                    <p:cond delay="0"/>
-                                  </p:stCondLst>
-                                  <p:childTnLst>
-                                    <p:set>
-                                      <p:cBhvr>
-                                        <p:cTn id="34" dur="1" fill="hold">
-                                          <p:stCondLst>
-                                            <p:cond delay="0"/>
-                                          </p:stCondLst>
-                                        </p:cTn>
-                                        <p:tgtEl>
-                                          <p:spTgt spid="18"/>
-                                        </p:tgtEl>
-                                        <p:attrNameLst>
-                                          <p:attrName>style.visibility</p:attrName>
-                                        </p:attrNameLst>
-                                      </p:cBhvr>
-                                      <p:to>
-                                        <p:strVal val="visible"/>
-                                      </p:to>
-                                    </p:set>
-                                  </p:childTnLst>
-                                </p:cTn>
-                              </p:par>
-                              <p:par>
-                                <p:cTn id="35" presetID="1" presetClass="entr" presetSubtype="0" fill="hold" grpId="0" nodeType="withEffect">
-                                  <p:stCondLst>
-                                    <p:cond delay="0"/>
-                                  </p:stCondLst>
-                                  <p:childTnLst>
-                                    <p:set>
-                                      <p:cBhvr>
-                                        <p:cTn id="36" dur="1" fill="hold">
-                                          <p:stCondLst>
-                                            <p:cond delay="0"/>
-                                          </p:stCondLst>
-                                        </p:cTn>
-                                        <p:tgtEl>
-                                          <p:spTgt spid="19"/>
-                                        </p:tgtEl>
-                                        <p:attrNameLst>
-                                          <p:attrName>style.visibility</p:attrName>
-                                        </p:attrNameLst>
-                                      </p:cBhvr>
-                                      <p:to>
-                                        <p:strVal val="visible"/>
-                                      </p:to>
-                                    </p:set>
-                                  </p:childTnLst>
-                                  <p:subTnLst>
-                                    <p:set>
-                                      <p:cBhvr override="childStyle">
-                                        <p:cTn dur="1" fill="hold" display="0" masterRel="nextClick" afterEffect="1"/>
-                                        <p:tgtEl>
-                                          <p:spTgt spid="19"/>
-                                        </p:tgtEl>
-                                        <p:attrNameLst>
-                                          <p:attrName>style.visibility</p:attrName>
-                                        </p:attrNameLst>
-                                      </p:cBhvr>
-                                      <p:to>
-                                        <p:strVal val="hidden"/>
-                                      </p:to>
-                                    </p:set>
-                                  </p:subTnLst>
-                                </p:cTn>
-                              </p:par>
-                              <p:par>
-                                <p:cTn id="37" presetID="1" presetClass="entr" presetSubtype="0" fill="hold" grpId="0" nodeType="withEffect">
-                                  <p:stCondLst>
-                                    <p:cond delay="0"/>
-                                  </p:stCondLst>
-                                  <p:childTnLst>
-                                    <p:set>
-                                      <p:cBhvr>
-                                        <p:cTn id="38" dur="1" fill="hold">
-                                          <p:stCondLst>
-                                            <p:cond delay="0"/>
-                                          </p:stCondLst>
-                                        </p:cTn>
-                                        <p:tgtEl>
-                                          <p:spTgt spid="20"/>
-                                        </p:tgtEl>
-                                        <p:attrNameLst>
-                                          <p:attrName>style.visibility</p:attrName>
-                                        </p:attrNameLst>
-                                      </p:cBhvr>
-                                      <p:to>
-                                        <p:strVal val="visible"/>
-                                      </p:to>
-                                    </p:set>
-                                  </p:childTnLst>
-                                  <p:subTnLst>
-                                    <p:set>
-                                      <p:cBhvr override="childStyle">
-                                        <p:cTn dur="1" fill="hold" display="0" masterRel="nextClick" afterEffect="1"/>
-                                        <p:tgtEl>
-                                          <p:spTgt spid="20"/>
-                                        </p:tgtEl>
-                                        <p:attrNameLst>
-                                          <p:attrName>style.visibility</p:attrName>
-                                        </p:attrNameLst>
-                                      </p:cBhvr>
-                                      <p:to>
-                                        <p:strVal val="hidden"/>
-                                      </p:to>
-                                    </p:set>
-                                  </p:subTnLst>
-                                </p:cTn>
-                              </p:par>
-                              <p:par>
-                                <p:cTn id="39" presetID="1" presetClass="entr" presetSubtype="0" fill="hold" grpId="0" nodeType="withEffect">
-                                  <p:stCondLst>
-                                    <p:cond delay="0"/>
-                                  </p:stCondLst>
-                                  <p:childTnLst>
-                                    <p:set>
-                                      <p:cBhvr>
-                                        <p:cTn id="40" dur="1" fill="hold">
-                                          <p:stCondLst>
-                                            <p:cond delay="0"/>
-                                          </p:stCondLst>
-                                        </p:cTn>
-                                        <p:tgtEl>
-                                          <p:spTgt spid="21"/>
-                                        </p:tgtEl>
-                                        <p:attrNameLst>
-                                          <p:attrName>style.visibility</p:attrName>
-                                        </p:attrNameLst>
-                                      </p:cBhvr>
-                                      <p:to>
-                                        <p:strVal val="visible"/>
-                                      </p:to>
-                                    </p:set>
-                                  </p:childTnLst>
-                                  <p:subTnLst>
-                                    <p:set>
-                                      <p:cBhvr override="childStyle">
-                                        <p:cTn dur="1" fill="hold" display="0" masterRel="nextClick" afterEffect="1"/>
-                                        <p:tgtEl>
-                                          <p:spTgt spid="21"/>
-                                        </p:tgtEl>
-                                        <p:attrNameLst>
-                                          <p:attrName>style.visibility</p:attrName>
-                                        </p:attrNameLst>
-                                      </p:cBhvr>
-                                      <p:to>
-                                        <p:strVal val="hidden"/>
-                                      </p:to>
-                                    </p:set>
-                                  </p:subTnLst>
-                                </p:cTn>
-                              </p:par>
-                            </p:childTnLst>
-                          </p:cTn>
-                        </p:par>
-                      </p:childTnLst>
-                    </p:cTn>
-                  </p:par>
-                  <p:par>
-                    <p:cTn id="41" fill="hold">
-                      <p:stCondLst>
-                        <p:cond delay="indefinite"/>
-                      </p:stCondLst>
-                      <p:childTnLst>
-                        <p:par>
-                          <p:cTn id="42" fill="hold">
-                            <p:stCondLst>
-                              <p:cond delay="0"/>
-                            </p:stCondLst>
-                            <p:childTnLst>
-                              <p:par>
-                                <p:cTn id="43" presetID="1" presetClass="entr" presetSubtype="0" fill="hold" grpId="0" nodeType="clickEffect">
-                                  <p:stCondLst>
-                                    <p:cond delay="0"/>
-                                  </p:stCondLst>
-                                  <p:childTnLst>
-                                    <p:set>
-                                      <p:cBhvr>
-                                        <p:cTn id="44" dur="1" fill="hold">
-                                          <p:stCondLst>
-                                            <p:cond delay="0"/>
-                                          </p:stCondLst>
-                                        </p:cTn>
-                                        <p:tgtEl>
-                                          <p:spTgt spid="26"/>
-                                        </p:tgtEl>
-                                        <p:attrNameLst>
-                                          <p:attrName>style.visibility</p:attrName>
-                                        </p:attrNameLst>
-                                      </p:cBhvr>
-                                      <p:to>
-                                        <p:strVal val="visible"/>
-                                      </p:to>
-                                    </p:set>
-                                  </p:childTnLst>
-                                </p:cTn>
-                              </p:par>
-                            </p:childTnLst>
-                          </p:cTn>
-                        </p:par>
-                      </p:childTnLst>
-                    </p:cTn>
-                  </p:par>
-                  <p:par>
-                    <p:cTn id="45" fill="hold">
-                      <p:stCondLst>
-                        <p:cond delay="indefinite"/>
-                      </p:stCondLst>
-                      <p:childTnLst>
-                        <p:par>
-                          <p:cTn id="46" fill="hold">
-                            <p:stCondLst>
-                              <p:cond delay="0"/>
-                            </p:stCondLst>
-                            <p:childTnLst>
-                              <p:par>
-                                <p:cTn id="47" presetID="1" presetClass="entr" presetSubtype="0" fill="hold" grpId="0" nodeType="clickEffect">
-                                  <p:stCondLst>
-                                    <p:cond delay="0"/>
-                                  </p:stCondLst>
-                                  <p:childTnLst>
-                                    <p:set>
-                                      <p:cBhvr>
-                                        <p:cTn id="48" dur="1" fill="hold">
-                                          <p:stCondLst>
-                                            <p:cond delay="0"/>
-                                          </p:stCondLst>
-                                        </p:cTn>
-                                        <p:tgtEl>
-                                          <p:spTgt spid="27"/>
-                                        </p:tgtEl>
-                                        <p:attrNameLst>
-                                          <p:attrName>style.visibility</p:attrName>
-                                        </p:attrNameLst>
-                                      </p:cBhvr>
-                                      <p:to>
-                                        <p:strVal val="visible"/>
-                                      </p:to>
-                                    </p:set>
-                                  </p:childTnLst>
-                                </p:cTn>
-                              </p:par>
-                              <p:par>
-                                <p:cTn id="49" presetID="1" presetClass="entr" presetSubtype="0" fill="hold" nodeType="withEffect">
-                                  <p:stCondLst>
-                                    <p:cond delay="0"/>
-                                  </p:stCondLst>
-                                  <p:childTnLst>
-                                    <p:set>
-                                      <p:cBhvr>
-                                        <p:cTn id="50" dur="1" fill="hold">
-                                          <p:stCondLst>
-                                            <p:cond delay="0"/>
-                                          </p:stCondLst>
-                                        </p:cTn>
-                                        <p:tgtEl>
-                                          <p:spTgt spid="28"/>
-                                        </p:tgtEl>
-                                        <p:attrNameLst>
-                                          <p:attrName>style.visibility</p:attrName>
-                                        </p:attrNameLst>
-                                      </p:cBhvr>
-                                      <p:to>
-                                        <p:strVal val="visible"/>
-                                      </p:to>
-                                    </p:set>
-                                  </p:childTnLst>
-                                </p:cTn>
-                              </p:par>
-                            </p:childTnLst>
-                          </p:cTn>
-                        </p:par>
-                      </p:childTnLst>
-                    </p:cTn>
-                  </p:par>
-                  <p:par>
-                    <p:cTn id="51" fill="hold">
-                      <p:stCondLst>
-                        <p:cond delay="indefinite"/>
-                      </p:stCondLst>
-                      <p:childTnLst>
-                        <p:par>
-                          <p:cTn id="52" fill="hold">
-                            <p:stCondLst>
-                              <p:cond delay="0"/>
-                            </p:stCondLst>
-                            <p:childTnLst>
-                              <p:par>
-                                <p:cTn id="53" presetID="10" presetClass="exit" presetSubtype="0" fill="hold" grpId="1" nodeType="clickEffect">
-                                  <p:stCondLst>
-                                    <p:cond delay="0"/>
-                                  </p:stCondLst>
-                                  <p:childTnLst>
-                                    <p:animEffect transition="out" filter="fade">
-                                      <p:cBhvr>
-                                        <p:cTn id="54" dur="500"/>
-                                        <p:tgtEl>
-                                          <p:spTgt spid="8"/>
-                                        </p:tgtEl>
-                                      </p:cBhvr>
-                                    </p:animEffect>
-                                    <p:set>
-                                      <p:cBhvr>
-                                        <p:cTn id="55" dur="1" fill="hold">
-                                          <p:stCondLst>
-                                            <p:cond delay="499"/>
-                                          </p:stCondLst>
-                                        </p:cTn>
-                                        <p:tgtEl>
-                                          <p:spTgt spid="8"/>
-                                        </p:tgtEl>
-                                        <p:attrNameLst>
-                                          <p:attrName>style.visibility</p:attrName>
-                                        </p:attrNameLst>
-                                      </p:cBhvr>
-                                      <p:to>
-                                        <p:strVal val="hidden"/>
-                                      </p:to>
-                                    </p:set>
-                                  </p:childTnLst>
-                                </p:cTn>
-                              </p:par>
-                              <p:par>
-                                <p:cTn id="56" presetID="10" presetClass="exit" presetSubtype="0" fill="hold" grpId="1" nodeType="withEffect">
-                                  <p:stCondLst>
-                                    <p:cond delay="0"/>
-                                  </p:stCondLst>
-                                  <p:childTnLst>
-                                    <p:animEffect transition="out" filter="fade">
-                                      <p:cBhvr>
-                                        <p:cTn id="57" dur="500"/>
-                                        <p:tgtEl>
-                                          <p:spTgt spid="15"/>
-                                        </p:tgtEl>
-                                      </p:cBhvr>
-                                    </p:animEffect>
-                                    <p:set>
-                                      <p:cBhvr>
-                                        <p:cTn id="58" dur="1" fill="hold">
-                                          <p:stCondLst>
-                                            <p:cond delay="499"/>
-                                          </p:stCondLst>
-                                        </p:cTn>
-                                        <p:tgtEl>
-                                          <p:spTgt spid="15"/>
-                                        </p:tgtEl>
-                                        <p:attrNameLst>
-                                          <p:attrName>style.visibility</p:attrName>
-                                        </p:attrNameLst>
-                                      </p:cBhvr>
-                                      <p:to>
-                                        <p:strVal val="hidden"/>
-                                      </p:to>
-                                    </p:set>
-                                  </p:childTnLst>
-                                </p:cTn>
-                              </p:par>
-                              <p:par>
-                                <p:cTn id="59" presetID="10" presetClass="exit" presetSubtype="0" fill="hold" grpId="1" nodeType="withEffect">
-                                  <p:stCondLst>
-                                    <p:cond delay="0"/>
-                                  </p:stCondLst>
-                                  <p:childTnLst>
-                                    <p:animEffect transition="out" filter="fade">
-                                      <p:cBhvr>
-                                        <p:cTn id="60" dur="500"/>
-                                        <p:tgtEl>
-                                          <p:spTgt spid="14"/>
-                                        </p:tgtEl>
-                                      </p:cBhvr>
-                                    </p:animEffect>
-                                    <p:set>
-                                      <p:cBhvr>
-                                        <p:cTn id="61" dur="1" fill="hold">
-                                          <p:stCondLst>
-                                            <p:cond delay="499"/>
-                                          </p:stCondLst>
-                                        </p:cTn>
-                                        <p:tgtEl>
-                                          <p:spTgt spid="14"/>
-                                        </p:tgtEl>
-                                        <p:attrNameLst>
-                                          <p:attrName>style.visibility</p:attrName>
-                                        </p:attrNameLst>
-                                      </p:cBhvr>
-                                      <p:to>
-                                        <p:strVal val="hidden"/>
-                                      </p:to>
-                                    </p:set>
-                                  </p:childTnLst>
-                                </p:cTn>
-                              </p:par>
-                              <p:par>
-                                <p:cTn id="62" presetID="10" presetClass="exit" presetSubtype="0" fill="hold" grpId="1" nodeType="withEffect">
-                                  <p:stCondLst>
-                                    <p:cond delay="0"/>
-                                  </p:stCondLst>
-                                  <p:childTnLst>
-                                    <p:animEffect transition="out" filter="fade">
-                                      <p:cBhvr>
-                                        <p:cTn id="63" dur="500"/>
-                                        <p:tgtEl>
-                                          <p:spTgt spid="16"/>
-                                        </p:tgtEl>
-                                      </p:cBhvr>
-                                    </p:animEffect>
-                                    <p:set>
-                                      <p:cBhvr>
-                                        <p:cTn id="64" dur="1" fill="hold">
-                                          <p:stCondLst>
-                                            <p:cond delay="499"/>
-                                          </p:stCondLst>
-                                        </p:cTn>
-                                        <p:tgtEl>
-                                          <p:spTgt spid="16"/>
-                                        </p:tgtEl>
-                                        <p:attrNameLst>
-                                          <p:attrName>style.visibility</p:attrName>
-                                        </p:attrNameLst>
-                                      </p:cBhvr>
-                                      <p:to>
-                                        <p:strVal val="hidden"/>
-                                      </p:to>
-                                    </p:set>
-                                  </p:childTnLst>
-                                </p:cTn>
-                              </p:par>
-                              <p:par>
-                                <p:cTn id="65" presetID="10" presetClass="exit" presetSubtype="0" fill="hold" grpId="1" nodeType="withEffect">
-                                  <p:stCondLst>
-                                    <p:cond delay="0"/>
-                                  </p:stCondLst>
-                                  <p:childTnLst>
-                                    <p:animEffect transition="out" filter="fade">
-                                      <p:cBhvr>
-                                        <p:cTn id="66" dur="500"/>
-                                        <p:tgtEl>
-                                          <p:spTgt spid="18"/>
-                                        </p:tgtEl>
-                                      </p:cBhvr>
-                                    </p:animEffect>
-                                    <p:set>
-                                      <p:cBhvr>
-                                        <p:cTn id="67" dur="1" fill="hold">
-                                          <p:stCondLst>
-                                            <p:cond delay="499"/>
-                                          </p:stCondLst>
-                                        </p:cTn>
-                                        <p:tgtEl>
-                                          <p:spTgt spid="18"/>
-                                        </p:tgtEl>
-                                        <p:attrNameLst>
-                                          <p:attrName>style.visibility</p:attrName>
-                                        </p:attrNameLst>
-                                      </p:cBhvr>
-                                      <p:to>
-                                        <p:strVal val="hidden"/>
-                                      </p:to>
-                                    </p:set>
-                                  </p:childTnLst>
-                                </p:cTn>
-                              </p:par>
-                              <p:par>
-                                <p:cTn id="68" presetID="10" presetClass="exit" presetSubtype="0" fill="hold" grpId="1" nodeType="withEffect">
-                                  <p:stCondLst>
-                                    <p:cond delay="0"/>
-                                  </p:stCondLst>
-                                  <p:childTnLst>
-                                    <p:animEffect transition="out" filter="fade">
-                                      <p:cBhvr>
-                                        <p:cTn id="69" dur="500"/>
-                                        <p:tgtEl>
-                                          <p:spTgt spid="19"/>
-                                        </p:tgtEl>
-                                      </p:cBhvr>
-                                    </p:animEffect>
-                                    <p:set>
-                                      <p:cBhvr>
-                                        <p:cTn id="70" dur="1" fill="hold">
-                                          <p:stCondLst>
-                                            <p:cond delay="499"/>
-                                          </p:stCondLst>
-                                        </p:cTn>
-                                        <p:tgtEl>
-                                          <p:spTgt spid="19"/>
-                                        </p:tgtEl>
-                                        <p:attrNameLst>
-                                          <p:attrName>style.visibility</p:attrName>
-                                        </p:attrNameLst>
-                                      </p:cBhvr>
-                                      <p:to>
-                                        <p:strVal val="hidden"/>
-                                      </p:to>
-                                    </p:set>
-                                  </p:childTnLst>
-                                </p:cTn>
-                              </p:par>
-                              <p:par>
-                                <p:cTn id="71" presetID="10" presetClass="exit" presetSubtype="0" fill="hold" grpId="1" nodeType="withEffect">
-                                  <p:stCondLst>
-                                    <p:cond delay="0"/>
-                                  </p:stCondLst>
-                                  <p:childTnLst>
-                                    <p:animEffect transition="out" filter="fade">
-                                      <p:cBhvr>
-                                        <p:cTn id="72" dur="500"/>
-                                        <p:tgtEl>
-                                          <p:spTgt spid="26"/>
-                                        </p:tgtEl>
-                                      </p:cBhvr>
-                                    </p:animEffect>
-                                    <p:set>
-                                      <p:cBhvr>
-                                        <p:cTn id="73" dur="1" fill="hold">
-                                          <p:stCondLst>
-                                            <p:cond delay="499"/>
-                                          </p:stCondLst>
-                                        </p:cTn>
-                                        <p:tgtEl>
-                                          <p:spTgt spid="26"/>
-                                        </p:tgtEl>
-                                        <p:attrNameLst>
-                                          <p:attrName>style.visibility</p:attrName>
-                                        </p:attrNameLst>
-                                      </p:cBhvr>
-                                      <p:to>
-                                        <p:strVal val="hidden"/>
-                                      </p:to>
-                                    </p:set>
-                                  </p:childTnLst>
-                                </p:cTn>
-                              </p:par>
-                              <p:par>
-                                <p:cTn id="74" presetID="10" presetClass="exit" presetSubtype="0" fill="hold" grpId="1" nodeType="withEffect">
-                                  <p:stCondLst>
-                                    <p:cond delay="0"/>
-                                  </p:stCondLst>
-                                  <p:childTnLst>
-                                    <p:animEffect transition="out" filter="fade">
-                                      <p:cBhvr>
-                                        <p:cTn id="75" dur="500"/>
-                                        <p:tgtEl>
-                                          <p:spTgt spid="27"/>
-                                        </p:tgtEl>
-                                      </p:cBhvr>
-                                    </p:animEffect>
-                                    <p:set>
-                                      <p:cBhvr>
-                                        <p:cTn id="76" dur="1" fill="hold">
-                                          <p:stCondLst>
-                                            <p:cond delay="499"/>
-                                          </p:stCondLst>
-                                        </p:cTn>
-                                        <p:tgtEl>
-                                          <p:spTgt spid="27"/>
-                                        </p:tgtEl>
-                                        <p:attrNameLst>
-                                          <p:attrName>style.visibility</p:attrName>
-                                        </p:attrNameLst>
-                                      </p:cBhvr>
-                                      <p:to>
-                                        <p:strVal val="hidden"/>
-                                      </p:to>
-                                    </p:set>
-                                  </p:childTnLst>
-                                </p:cTn>
-                              </p:par>
-                              <p:par>
-                                <p:cTn id="77" presetID="10" presetClass="exit" presetSubtype="0" fill="hold" nodeType="withEffect">
-                                  <p:stCondLst>
-                                    <p:cond delay="0"/>
-                                  </p:stCondLst>
-                                  <p:childTnLst>
-                                    <p:animEffect transition="out" filter="fade">
-                                      <p:cBhvr>
-                                        <p:cTn id="78" dur="500"/>
-                                        <p:tgtEl>
-                                          <p:spTgt spid="28"/>
-                                        </p:tgtEl>
-                                      </p:cBhvr>
-                                    </p:animEffect>
-                                    <p:set>
-                                      <p:cBhvr>
-                                        <p:cTn id="79" dur="1" fill="hold">
-                                          <p:stCondLst>
-                                            <p:cond delay="499"/>
-                                          </p:stCondLst>
-                                        </p:cTn>
-                                        <p:tgtEl>
-                                          <p:spTgt spid="28"/>
-                                        </p:tgtEl>
-                                        <p:attrNameLst>
-                                          <p:attrName>style.visibility</p:attrName>
-                                        </p:attrNameLst>
-                                      </p:cBhvr>
-                                      <p:to>
-                                        <p:strVal val="hidden"/>
-                                      </p:to>
-                                    </p:set>
-                                  </p:childTnLst>
-                                </p:cTn>
-                              </p:par>
-                            </p:childTnLst>
-                          </p:cTn>
-                        </p:par>
-                      </p:childTnLst>
-                    </p:cTn>
-                  </p:par>
-                  <p:par>
-                    <p:cTn id="80" fill="hold">
-                      <p:stCondLst>
-                        <p:cond delay="indefinite"/>
-                      </p:stCondLst>
-                      <p:childTnLst>
-                        <p:par>
-                          <p:cTn id="81" fill="hold">
-                            <p:stCondLst>
-                              <p:cond delay="0"/>
-                            </p:stCondLst>
-                            <p:childTnLst>
-                              <p:par>
-                                <p:cTn id="82" presetID="1" presetClass="entr" presetSubtype="0" fill="hold" grpId="0" nodeType="clickEffect">
-                                  <p:stCondLst>
-                                    <p:cond delay="0"/>
-                                  </p:stCondLst>
-                                  <p:childTnLst>
-                                    <p:set>
-                                      <p:cBhvr>
-                                        <p:cTn id="83" dur="1" fill="hold">
-                                          <p:stCondLst>
-                                            <p:cond delay="0"/>
-                                          </p:stCondLst>
-                                        </p:cTn>
-                                        <p:tgtEl>
-                                          <p:spTgt spid="30"/>
-                                        </p:tgtEl>
-                                        <p:attrNameLst>
-                                          <p:attrName>style.visibility</p:attrName>
-                                        </p:attrNameLst>
-                                      </p:cBhvr>
-                                      <p:to>
-                                        <p:strVal val="visible"/>
-                                      </p:to>
-                                    </p:set>
-                                  </p:childTnLst>
-                                </p:cTn>
-                              </p:par>
-                            </p:childTnLst>
-                          </p:cTn>
-                        </p:par>
-                      </p:childTnLst>
-                    </p:cTn>
-                  </p:par>
-                  <p:par>
-                    <p:cTn id="84" fill="hold">
-                      <p:stCondLst>
-                        <p:cond delay="indefinite"/>
-                      </p:stCondLst>
-                      <p:childTnLst>
-                        <p:par>
-                          <p:cTn id="85" fill="hold">
-                            <p:stCondLst>
-                              <p:cond delay="0"/>
-                            </p:stCondLst>
-                            <p:childTnLst>
-                              <p:par>
-                                <p:cTn id="86" presetID="1" presetClass="entr" presetSubtype="0" fill="hold" grpId="0" nodeType="clickEffect">
-                                  <p:stCondLst>
-                                    <p:cond delay="0"/>
-                                  </p:stCondLst>
-                                  <p:childTnLst>
-                                    <p:set>
-                                      <p:cBhvr>
-                                        <p:cTn id="87" dur="1" fill="hold">
-                                          <p:stCondLst>
-                                            <p:cond delay="0"/>
-                                          </p:stCondLst>
-                                        </p:cTn>
-                                        <p:tgtEl>
-                                          <p:spTgt spid="31"/>
-                                        </p:tgtEl>
-                                        <p:attrNameLst>
-                                          <p:attrName>style.visibility</p:attrName>
-                                        </p:attrNameLst>
-                                      </p:cBhvr>
-                                      <p:to>
-                                        <p:strVal val="visible"/>
-                                      </p:to>
-                                    </p:set>
-                                  </p:childTnLst>
-                                </p:cTn>
-                              </p:par>
-                              <p:par>
-                                <p:cTn id="88" presetID="1" presetClass="entr" presetSubtype="0" fill="hold" grpId="0" nodeType="withEffect">
-                                  <p:stCondLst>
-                                    <p:cond delay="0"/>
-                                  </p:stCondLst>
-                                  <p:childTnLst>
-                                    <p:set>
-                                      <p:cBhvr>
-                                        <p:cTn id="89" dur="1" fill="hold">
-                                          <p:stCondLst>
-                                            <p:cond delay="0"/>
-                                          </p:stCondLst>
-                                        </p:cTn>
-                                        <p:tgtEl>
-                                          <p:spTgt spid="37"/>
-                                        </p:tgtEl>
-                                        <p:attrNameLst>
-                                          <p:attrName>style.visibility</p:attrName>
-                                        </p:attrNameLst>
-                                      </p:cBhvr>
-                                      <p:to>
-                                        <p:strVal val="visible"/>
-                                      </p:to>
-                                    </p:set>
-                                  </p:childTnLst>
-                                  <p:subTnLst>
-                                    <p:set>
-                                      <p:cBhvr override="childStyle">
-                                        <p:cTn dur="1" fill="hold" display="0" masterRel="nextClick" afterEffect="1"/>
-                                        <p:tgtEl>
-                                          <p:spTgt spid="37"/>
-                                        </p:tgtEl>
-                                        <p:attrNameLst>
-                                          <p:attrName>style.visibility</p:attrName>
-                                        </p:attrNameLst>
-                                      </p:cBhvr>
-                                      <p:to>
-                                        <p:strVal val="hidden"/>
-                                      </p:to>
-                                    </p:set>
-                                  </p:subTnLst>
-                                </p:cTn>
-                              </p:par>
-                              <p:par>
-                                <p:cTn id="90" presetID="1" presetClass="entr" presetSubtype="0" fill="hold" grpId="0" nodeType="withEffect">
-                                  <p:stCondLst>
-                                    <p:cond delay="0"/>
-                                  </p:stCondLst>
-                                  <p:childTnLst>
-                                    <p:set>
-                                      <p:cBhvr>
-                                        <p:cTn id="91" dur="1" fill="hold">
-                                          <p:stCondLst>
-                                            <p:cond delay="0"/>
-                                          </p:stCondLst>
-                                        </p:cTn>
-                                        <p:tgtEl>
-                                          <p:spTgt spid="34"/>
-                                        </p:tgtEl>
-                                        <p:attrNameLst>
-                                          <p:attrName>style.visibility</p:attrName>
-                                        </p:attrNameLst>
-                                      </p:cBhvr>
-                                      <p:to>
-                                        <p:strVal val="visible"/>
-                                      </p:to>
-                                    </p:set>
-                                  </p:childTnLst>
-                                  <p:subTnLst>
-                                    <p:set>
-                                      <p:cBhvr override="childStyle">
-                                        <p:cTn dur="1" fill="hold" display="0" masterRel="nextClick" afterEffect="1"/>
-                                        <p:tgtEl>
-                                          <p:spTgt spid="34"/>
-                                        </p:tgtEl>
-                                        <p:attrNameLst>
-                                          <p:attrName>style.visibility</p:attrName>
-                                        </p:attrNameLst>
-                                      </p:cBhvr>
-                                      <p:to>
-                                        <p:strVal val="hidden"/>
-                                      </p:to>
-                                    </p:set>
-                                  </p:subTnLst>
-                                </p:cTn>
-                              </p:par>
-                              <p:par>
-                                <p:cTn id="92" presetID="1" presetClass="entr" presetSubtype="0" fill="hold" grpId="0" nodeType="withEffect">
-                                  <p:stCondLst>
-                                    <p:cond delay="0"/>
-                                  </p:stCondLst>
-                                  <p:childTnLst>
-                                    <p:set>
-                                      <p:cBhvr>
-                                        <p:cTn id="93" dur="1" fill="hold">
-                                          <p:stCondLst>
-                                            <p:cond delay="0"/>
-                                          </p:stCondLst>
-                                        </p:cTn>
-                                        <p:tgtEl>
-                                          <p:spTgt spid="36"/>
-                                        </p:tgtEl>
-                                        <p:attrNameLst>
-                                          <p:attrName>style.visibility</p:attrName>
-                                        </p:attrNameLst>
-                                      </p:cBhvr>
-                                      <p:to>
-                                        <p:strVal val="visible"/>
-                                      </p:to>
-                                    </p:set>
-                                  </p:childTnLst>
-                                  <p:subTnLst>
-                                    <p:set>
-                                      <p:cBhvr override="childStyle">
-                                        <p:cTn dur="1" fill="hold" display="0" masterRel="nextClick" afterEffect="1"/>
-                                        <p:tgtEl>
-                                          <p:spTgt spid="36"/>
-                                        </p:tgtEl>
-                                        <p:attrNameLst>
-                                          <p:attrName>style.visibility</p:attrName>
-                                        </p:attrNameLst>
-                                      </p:cBhvr>
-                                      <p:to>
-                                        <p:strVal val="hidden"/>
-                                      </p:to>
-                                    </p:set>
-                                  </p:subTnLst>
-                                </p:cTn>
-                              </p:par>
-                            </p:childTnLst>
-                          </p:cTn>
-                        </p:par>
-                      </p:childTnLst>
-                    </p:cTn>
-                  </p:par>
-                  <p:par>
-                    <p:cTn id="94" fill="hold">
-                      <p:stCondLst>
-                        <p:cond delay="indefinite"/>
-                      </p:stCondLst>
-                      <p:childTnLst>
-                        <p:par>
-                          <p:cTn id="95" fill="hold">
-                            <p:stCondLst>
-                              <p:cond delay="0"/>
-                            </p:stCondLst>
-                            <p:childTnLst>
-                              <p:par>
-                                <p:cTn id="96" presetID="1" presetClass="entr" presetSubtype="0" fill="hold" grpId="0" nodeType="clickEffect">
-                                  <p:stCondLst>
-                                    <p:cond delay="0"/>
-                                  </p:stCondLst>
-                                  <p:childTnLst>
-                                    <p:set>
-                                      <p:cBhvr>
-                                        <p:cTn id="97" dur="1" fill="hold">
-                                          <p:stCondLst>
-                                            <p:cond delay="0"/>
-                                          </p:stCondLst>
-                                        </p:cTn>
-                                        <p:tgtEl>
-                                          <p:spTgt spid="32"/>
-                                        </p:tgtEl>
-                                        <p:attrNameLst>
-                                          <p:attrName>style.visibility</p:attrName>
-                                        </p:attrNameLst>
-                                      </p:cBhvr>
-                                      <p:to>
-                                        <p:strVal val="visible"/>
-                                      </p:to>
-                                    </p:set>
-                                  </p:childTnLst>
-                                </p:cTn>
-                              </p:par>
-                            </p:childTnLst>
-                          </p:cTn>
-                        </p:par>
-                      </p:childTnLst>
-                    </p:cTn>
-                  </p:par>
-                  <p:par>
-                    <p:cTn id="98" fill="hold">
-                      <p:stCondLst>
-                        <p:cond delay="indefinite"/>
-                      </p:stCondLst>
-                      <p:childTnLst>
-                        <p:par>
-                          <p:cTn id="99" fill="hold">
-                            <p:stCondLst>
-                              <p:cond delay="0"/>
-                            </p:stCondLst>
-                            <p:childTnLst>
-                              <p:par>
-                                <p:cTn id="100" presetID="1" presetClass="entr" presetSubtype="0" fill="hold" grpId="0" nodeType="clickEffect">
-                                  <p:stCondLst>
-                                    <p:cond delay="0"/>
-                                  </p:stCondLst>
-                                  <p:childTnLst>
-                                    <p:set>
-                                      <p:cBhvr>
-                                        <p:cTn id="101" dur="1" fill="hold">
-                                          <p:stCondLst>
-                                            <p:cond delay="0"/>
-                                          </p:stCondLst>
-                                        </p:cTn>
-                                        <p:tgtEl>
-                                          <p:spTgt spid="33"/>
-                                        </p:tgtEl>
-                                        <p:attrNameLst>
-                                          <p:attrName>style.visibility</p:attrName>
-                                        </p:attrNameLst>
-                                      </p:cBhvr>
-                                      <p:to>
-                                        <p:strVal val="visible"/>
-                                      </p:to>
-                                    </p:set>
-                                  </p:childTnLst>
-                                </p:cTn>
-                              </p:par>
-                              <p:par>
-                                <p:cTn id="102" presetID="1" presetClass="entr" presetSubtype="0" fill="hold" nodeType="withEffect">
-                                  <p:stCondLst>
-                                    <p:cond delay="0"/>
-                                  </p:stCondLst>
-                                  <p:childTnLst>
-                                    <p:set>
-                                      <p:cBhvr>
-                                        <p:cTn id="103" dur="1" fill="hold">
-                                          <p:stCondLst>
-                                            <p:cond delay="0"/>
-                                          </p:stCondLst>
-                                        </p:cTn>
-                                        <p:tgtEl>
-                                          <p:spTgt spid="35"/>
-                                        </p:tgtEl>
-                                        <p:attrNameLst>
-                                          <p:attrName>style.visibility</p:attrName>
-                                        </p:attrNameLst>
-                                      </p:cBhvr>
-                                      <p:to>
-                                        <p:strVal val="visible"/>
-                                      </p:to>
-                                    </p:set>
-                                  </p:childTnLst>
-                                </p:cTn>
-                              </p:par>
-                            </p:childTnLst>
-                          </p:cTn>
-                        </p:par>
-                      </p:childTnLst>
-                    </p:cTn>
-                  </p:par>
-                  <p:par>
-                    <p:cTn id="104" fill="hold">
-                      <p:stCondLst>
-                        <p:cond delay="indefinite"/>
-                      </p:stCondLst>
-                      <p:childTnLst>
-                        <p:par>
-                          <p:cTn id="105" fill="hold">
-                            <p:stCondLst>
-                              <p:cond delay="0"/>
-                            </p:stCondLst>
-                            <p:childTnLst>
-                              <p:par>
-                                <p:cTn id="106" presetID="10" presetClass="exit" presetSubtype="0" fill="hold" grpId="1" nodeType="clickEffect">
-                                  <p:stCondLst>
-                                    <p:cond delay="0"/>
-                                  </p:stCondLst>
-                                  <p:childTnLst>
-                                    <p:animEffect transition="out" filter="fade">
-                                      <p:cBhvr>
-                                        <p:cTn id="107" dur="500"/>
-                                        <p:tgtEl>
-                                          <p:spTgt spid="32"/>
-                                        </p:tgtEl>
-                                      </p:cBhvr>
-                                    </p:animEffect>
-                                    <p:set>
-                                      <p:cBhvr>
-                                        <p:cTn id="108" dur="1" fill="hold">
-                                          <p:stCondLst>
-                                            <p:cond delay="499"/>
-                                          </p:stCondLst>
-                                        </p:cTn>
-                                        <p:tgtEl>
-                                          <p:spTgt spid="32"/>
-                                        </p:tgtEl>
-                                        <p:attrNameLst>
-                                          <p:attrName>style.visibility</p:attrName>
-                                        </p:attrNameLst>
-                                      </p:cBhvr>
-                                      <p:to>
-                                        <p:strVal val="hidden"/>
-                                      </p:to>
-                                    </p:set>
-                                  </p:childTnLst>
-                                </p:cTn>
-                              </p:par>
-                              <p:par>
-                                <p:cTn id="109" presetID="10" presetClass="exit" presetSubtype="0" fill="hold" grpId="1" nodeType="withEffect">
-                                  <p:stCondLst>
-                                    <p:cond delay="0"/>
-                                  </p:stCondLst>
-                                  <p:childTnLst>
-                                    <p:animEffect transition="out" filter="fade">
-                                      <p:cBhvr>
-                                        <p:cTn id="110" dur="500"/>
-                                        <p:tgtEl>
-                                          <p:spTgt spid="33"/>
-                                        </p:tgtEl>
-                                      </p:cBhvr>
-                                    </p:animEffect>
-                                    <p:set>
-                                      <p:cBhvr>
-                                        <p:cTn id="111" dur="1" fill="hold">
-                                          <p:stCondLst>
-                                            <p:cond delay="499"/>
-                                          </p:stCondLst>
-                                        </p:cTn>
-                                        <p:tgtEl>
-                                          <p:spTgt spid="33"/>
-                                        </p:tgtEl>
-                                        <p:attrNameLst>
-                                          <p:attrName>style.visibility</p:attrName>
-                                        </p:attrNameLst>
-                                      </p:cBhvr>
-                                      <p:to>
-                                        <p:strVal val="hidden"/>
-                                      </p:to>
-                                    </p:set>
-                                  </p:childTnLst>
-                                </p:cTn>
-                              </p:par>
-                              <p:par>
-                                <p:cTn id="112" presetID="10" presetClass="exit" presetSubtype="0" fill="hold" grpId="1" nodeType="withEffect">
-                                  <p:stCondLst>
-                                    <p:cond delay="0"/>
-                                  </p:stCondLst>
-                                  <p:childTnLst>
-                                    <p:animEffect transition="out" filter="fade">
-                                      <p:cBhvr>
-                                        <p:cTn id="113" dur="500"/>
-                                        <p:tgtEl>
-                                          <p:spTgt spid="34"/>
-                                        </p:tgtEl>
-                                      </p:cBhvr>
-                                    </p:animEffect>
-                                    <p:set>
-                                      <p:cBhvr>
-                                        <p:cTn id="114" dur="1" fill="hold">
-                                          <p:stCondLst>
-                                            <p:cond delay="499"/>
-                                          </p:stCondLst>
-                                        </p:cTn>
-                                        <p:tgtEl>
-                                          <p:spTgt spid="34"/>
-                                        </p:tgtEl>
-                                        <p:attrNameLst>
-                                          <p:attrName>style.visibility</p:attrName>
-                                        </p:attrNameLst>
-                                      </p:cBhvr>
-                                      <p:to>
-                                        <p:strVal val="hidden"/>
-                                      </p:to>
-                                    </p:set>
-                                  </p:childTnLst>
-                                </p:cTn>
-                              </p:par>
-                              <p:par>
-                                <p:cTn id="115" presetID="10" presetClass="exit" presetSubtype="0" fill="hold" nodeType="withEffect">
-                                  <p:stCondLst>
-                                    <p:cond delay="0"/>
-                                  </p:stCondLst>
-                                  <p:childTnLst>
-                                    <p:animEffect transition="out" filter="fade">
-                                      <p:cBhvr>
-                                        <p:cTn id="116" dur="500"/>
-                                        <p:tgtEl>
-                                          <p:spTgt spid="35"/>
-                                        </p:tgtEl>
-                                      </p:cBhvr>
-                                    </p:animEffect>
-                                    <p:set>
-                                      <p:cBhvr>
-                                        <p:cTn id="117" dur="1" fill="hold">
-                                          <p:stCondLst>
-                                            <p:cond delay="499"/>
-                                          </p:stCondLst>
-                                        </p:cTn>
-                                        <p:tgtEl>
-                                          <p:spTgt spid="35"/>
-                                        </p:tgtEl>
-                                        <p:attrNameLst>
-                                          <p:attrName>style.visibility</p:attrName>
-                                        </p:attrNameLst>
-                                      </p:cBhvr>
-                                      <p:to>
-                                        <p:strVal val="hidden"/>
-                                      </p:to>
-                                    </p:set>
-                                  </p:childTnLst>
-                                </p:cTn>
-                              </p:par>
-                            </p:childTnLst>
-                          </p:cTn>
-                        </p:par>
-                      </p:childTnLst>
-                    </p:cTn>
-                  </p:par>
-                  <p:par>
-                    <p:cTn id="118" fill="hold">
-                      <p:stCondLst>
-                        <p:cond delay="indefinite"/>
-                      </p:stCondLst>
-                      <p:childTnLst>
-                        <p:par>
-                          <p:cTn id="119" fill="hold">
-                            <p:stCondLst>
-                              <p:cond delay="0"/>
-                            </p:stCondLst>
-                            <p:childTnLst>
-                              <p:par>
-                                <p:cTn id="120" presetID="1" presetClass="entr" presetSubtype="0" fill="hold" grpId="0" nodeType="clickEffect">
-                                  <p:stCondLst>
-                                    <p:cond delay="0"/>
-                                  </p:stCondLst>
-                                  <p:childTnLst>
-                                    <p:set>
-                                      <p:cBhvr>
-                                        <p:cTn id="121" dur="1" fill="hold">
-                                          <p:stCondLst>
-                                            <p:cond delay="0"/>
-                                          </p:stCondLst>
-                                        </p:cTn>
-                                        <p:tgtEl>
-                                          <p:spTgt spid="43"/>
-                                        </p:tgtEl>
-                                        <p:attrNameLst>
-                                          <p:attrName>style.visibility</p:attrName>
-                                        </p:attrNameLst>
-                                      </p:cBhvr>
-                                      <p:to>
-                                        <p:strVal val="visible"/>
-                                      </p:to>
-                                    </p:set>
-                                  </p:childTnLst>
-                                </p:cTn>
-                              </p:par>
-                            </p:childTnLst>
-                          </p:cTn>
-                        </p:par>
-                      </p:childTnLst>
-                    </p:cTn>
-                  </p:par>
-                  <p:par>
-                    <p:cTn id="122" fill="hold">
-                      <p:stCondLst>
-                        <p:cond delay="indefinite"/>
-                      </p:stCondLst>
-                      <p:childTnLst>
-                        <p:par>
-                          <p:cTn id="123" fill="hold">
-                            <p:stCondLst>
-                              <p:cond delay="0"/>
-                            </p:stCondLst>
-                            <p:childTnLst>
-                              <p:par>
-                                <p:cTn id="124" presetID="1" presetClass="entr" presetSubtype="0" fill="hold" grpId="0" nodeType="clickEffect">
-                                  <p:stCondLst>
-                                    <p:cond delay="0"/>
-                                  </p:stCondLst>
-                                  <p:childTnLst>
-                                    <p:set>
-                                      <p:cBhvr>
-                                        <p:cTn id="125" dur="1" fill="hold">
-                                          <p:stCondLst>
-                                            <p:cond delay="0"/>
-                                          </p:stCondLst>
-                                        </p:cTn>
-                                        <p:tgtEl>
-                                          <p:spTgt spid="46"/>
-                                        </p:tgtEl>
-                                        <p:attrNameLst>
-                                          <p:attrName>style.visibility</p:attrName>
-                                        </p:attrNameLst>
-                                      </p:cBhvr>
-                                      <p:to>
-                                        <p:strVal val="visible"/>
-                                      </p:to>
-                                    </p:set>
-                                  </p:childTnLst>
-                                </p:cTn>
-                              </p:par>
-                              <p:par>
-                                <p:cTn id="126" presetID="1" presetClass="entr" presetSubtype="0" fill="hold" grpId="0" nodeType="withEffect">
-                                  <p:stCondLst>
-                                    <p:cond delay="0"/>
-                                  </p:stCondLst>
-                                  <p:childTnLst>
-                                    <p:set>
-                                      <p:cBhvr>
-                                        <p:cTn id="127" dur="1" fill="hold">
-                                          <p:stCondLst>
-                                            <p:cond delay="0"/>
-                                          </p:stCondLst>
-                                        </p:cTn>
-                                        <p:tgtEl>
-                                          <p:spTgt spid="47"/>
-                                        </p:tgtEl>
-                                        <p:attrNameLst>
-                                          <p:attrName>style.visibility</p:attrName>
-                                        </p:attrNameLst>
-                                      </p:cBhvr>
-                                      <p:to>
-                                        <p:strVal val="visible"/>
-                                      </p:to>
-                                    </p:set>
-                                  </p:childTnLst>
-                                  <p:subTnLst>
-                                    <p:set>
-                                      <p:cBhvr override="childStyle">
-                                        <p:cTn dur="1" fill="hold" display="0" masterRel="nextClick" afterEffect="1"/>
-                                        <p:tgtEl>
-                                          <p:spTgt spid="47"/>
-                                        </p:tgtEl>
-                                        <p:attrNameLst>
-                                          <p:attrName>style.visibility</p:attrName>
-                                        </p:attrNameLst>
-                                      </p:cBhvr>
-                                      <p:to>
-                                        <p:strVal val="hidden"/>
-                                      </p:to>
-                                    </p:set>
-                                  </p:subTnLst>
-                                </p:cTn>
-                              </p:par>
-                              <p:par>
-                                <p:cTn id="128" presetID="1" presetClass="entr" presetSubtype="0" fill="hold" grpId="0" nodeType="withEffect">
-                                  <p:stCondLst>
-                                    <p:cond delay="0"/>
-                                  </p:stCondLst>
-                                  <p:childTnLst>
-                                    <p:set>
-                                      <p:cBhvr>
-                                        <p:cTn id="129" dur="1" fill="hold">
-                                          <p:stCondLst>
-                                            <p:cond delay="0"/>
-                                          </p:stCondLst>
-                                        </p:cTn>
-                                        <p:tgtEl>
-                                          <p:spTgt spid="48"/>
-                                        </p:tgtEl>
-                                        <p:attrNameLst>
-                                          <p:attrName>style.visibility</p:attrName>
-                                        </p:attrNameLst>
-                                      </p:cBhvr>
-                                      <p:to>
-                                        <p:strVal val="visible"/>
-                                      </p:to>
-                                    </p:set>
-                                  </p:childTnLst>
-                                  <p:subTnLst>
-                                    <p:set>
-                                      <p:cBhvr override="childStyle">
-                                        <p:cTn dur="1" fill="hold" display="0" masterRel="nextClick" afterEffect="1"/>
-                                        <p:tgtEl>
-                                          <p:spTgt spid="48"/>
-                                        </p:tgtEl>
-                                        <p:attrNameLst>
-                                          <p:attrName>style.visibility</p:attrName>
-                                        </p:attrNameLst>
-                                      </p:cBhvr>
-                                      <p:to>
-                                        <p:strVal val="hidden"/>
-                                      </p:to>
-                                    </p:set>
-                                  </p:subTnLst>
-                                </p:cTn>
-                              </p:par>
-                              <p:par>
-                                <p:cTn id="130" presetID="1" presetClass="entr" presetSubtype="0" fill="hold" grpId="0" nodeType="withEffect">
-                                  <p:stCondLst>
-                                    <p:cond delay="0"/>
-                                  </p:stCondLst>
-                                  <p:childTnLst>
-                                    <p:set>
-                                      <p:cBhvr>
-                                        <p:cTn id="131" dur="1" fill="hold">
-                                          <p:stCondLst>
-                                            <p:cond delay="0"/>
-                                          </p:stCondLst>
-                                        </p:cTn>
-                                        <p:tgtEl>
-                                          <p:spTgt spid="49"/>
-                                        </p:tgtEl>
-                                        <p:attrNameLst>
-                                          <p:attrName>style.visibility</p:attrName>
-                                        </p:attrNameLst>
-                                      </p:cBhvr>
-                                      <p:to>
-                                        <p:strVal val="visible"/>
-                                      </p:to>
-                                    </p:set>
-                                  </p:childTnLst>
-                                  <p:subTnLst>
-                                    <p:set>
-                                      <p:cBhvr override="childStyle">
-                                        <p:cTn dur="1" fill="hold" display="0" masterRel="nextClick" afterEffect="1"/>
-                                        <p:tgtEl>
-                                          <p:spTgt spid="49"/>
-                                        </p:tgtEl>
-                                        <p:attrNameLst>
-                                          <p:attrName>style.visibility</p:attrName>
-                                        </p:attrNameLst>
-                                      </p:cBhvr>
-                                      <p:to>
-                                        <p:strVal val="hidden"/>
-                                      </p:to>
-                                    </p:set>
-                                  </p:subTnLst>
-                                </p:cTn>
-                              </p:par>
-                            </p:childTnLst>
-                          </p:cTn>
-                        </p:par>
-                      </p:childTnLst>
-                    </p:cTn>
-                  </p:par>
-                  <p:par>
-                    <p:cTn id="132" fill="hold">
-                      <p:stCondLst>
-                        <p:cond delay="indefinite"/>
-                      </p:stCondLst>
-                      <p:childTnLst>
-                        <p:par>
-                          <p:cTn id="133" fill="hold">
-                            <p:stCondLst>
-                              <p:cond delay="0"/>
-                            </p:stCondLst>
-                            <p:childTnLst>
-                              <p:par>
-                                <p:cTn id="134" presetID="1" presetClass="entr" presetSubtype="0" fill="hold" grpId="0" nodeType="clickEffect">
-                                  <p:stCondLst>
-                                    <p:cond delay="0"/>
-                                  </p:stCondLst>
-                                  <p:childTnLst>
-                                    <p:set>
-                                      <p:cBhvr>
-                                        <p:cTn id="135" dur="1" fill="hold">
-                                          <p:stCondLst>
-                                            <p:cond delay="0"/>
-                                          </p:stCondLst>
-                                        </p:cTn>
-                                        <p:tgtEl>
-                                          <p:spTgt spid="50"/>
-                                        </p:tgtEl>
-                                        <p:attrNameLst>
-                                          <p:attrName>style.visibility</p:attrName>
-                                        </p:attrNameLst>
-                                      </p:cBhvr>
-                                      <p:to>
-                                        <p:strVal val="visible"/>
-                                      </p:to>
-                                    </p:set>
-                                  </p:childTnLst>
-                                </p:cTn>
-                              </p:par>
-                            </p:childTnLst>
-                          </p:cTn>
-                        </p:par>
-                      </p:childTnLst>
-                    </p:cTn>
-                  </p:par>
-                  <p:par>
-                    <p:cTn id="136" fill="hold">
-                      <p:stCondLst>
-                        <p:cond delay="indefinite"/>
-                      </p:stCondLst>
-                      <p:childTnLst>
-                        <p:par>
-                          <p:cTn id="137" fill="hold">
-                            <p:stCondLst>
-                              <p:cond delay="0"/>
-                            </p:stCondLst>
-                            <p:childTnLst>
-                              <p:par>
-                                <p:cTn id="138" presetID="1" presetClass="entr" presetSubtype="0" fill="hold" grpId="0" nodeType="clickEffect">
-                                  <p:stCondLst>
-                                    <p:cond delay="0"/>
-                                  </p:stCondLst>
-                                  <p:childTnLst>
-                                    <p:set>
-                                      <p:cBhvr>
-                                        <p:cTn id="139" dur="1" fill="hold">
-                                          <p:stCondLst>
-                                            <p:cond delay="0"/>
-                                          </p:stCondLst>
-                                        </p:cTn>
-                                        <p:tgtEl>
-                                          <p:spTgt spid="51"/>
-                                        </p:tgtEl>
-                                        <p:attrNameLst>
-                                          <p:attrName>style.visibility</p:attrName>
-                                        </p:attrNameLst>
-                                      </p:cBhvr>
-                                      <p:to>
-                                        <p:strVal val="visible"/>
-                                      </p:to>
-                                    </p:set>
-                                  </p:childTnLst>
-                                </p:cTn>
-                              </p:par>
-                              <p:par>
-                                <p:cTn id="140" presetID="1" presetClass="entr" presetSubtype="0" fill="hold" nodeType="withEffect">
-                                  <p:stCondLst>
-                                    <p:cond delay="0"/>
-                                  </p:stCondLst>
-                                  <p:childTnLst>
-                                    <p:set>
-                                      <p:cBhvr>
-                                        <p:cTn id="141" dur="1" fill="hold">
-                                          <p:stCondLst>
-                                            <p:cond delay="0"/>
-                                          </p:stCondLst>
-                                        </p:cTn>
-                                        <p:tgtEl>
-                                          <p:spTgt spid="52"/>
-                                        </p:tgtEl>
-                                        <p:attrNameLst>
-                                          <p:attrName>style.visibility</p:attrName>
-                                        </p:attrNameLst>
-                                      </p:cBhvr>
-                                      <p:to>
-                                        <p:strVal val="visible"/>
-                                      </p:to>
-                                    </p:set>
-                                  </p:childTnLst>
-                                </p:cTn>
-                              </p:par>
-                            </p:childTnLst>
-                          </p:cTn>
-                        </p:par>
-                      </p:childTnLst>
-                    </p:cTn>
-                  </p:par>
-                  <p:par>
-                    <p:cTn id="142" fill="hold">
-                      <p:stCondLst>
-                        <p:cond delay="indefinite"/>
-                      </p:stCondLst>
-                      <p:childTnLst>
-                        <p:par>
-                          <p:cTn id="143" fill="hold">
-                            <p:stCondLst>
-                              <p:cond delay="0"/>
-                            </p:stCondLst>
-                            <p:childTnLst>
-                              <p:par>
-                                <p:cTn id="144" presetID="10" presetClass="exit" presetSubtype="0" fill="hold" nodeType="clickEffect">
-                                  <p:stCondLst>
-                                    <p:cond delay="0"/>
-                                  </p:stCondLst>
-                                  <p:childTnLst>
-                                    <p:animEffect transition="out" filter="fade">
-                                      <p:cBhvr>
-                                        <p:cTn id="145" dur="500"/>
-                                        <p:tgtEl>
-                                          <p:spTgt spid="52"/>
-                                        </p:tgtEl>
-                                      </p:cBhvr>
-                                    </p:animEffect>
-                                    <p:set>
-                                      <p:cBhvr>
-                                        <p:cTn id="146" dur="1" fill="hold">
-                                          <p:stCondLst>
-                                            <p:cond delay="499"/>
-                                          </p:stCondLst>
-                                        </p:cTn>
-                                        <p:tgtEl>
-                                          <p:spTgt spid="52"/>
-                                        </p:tgtEl>
-                                        <p:attrNameLst>
-                                          <p:attrName>style.visibility</p:attrName>
-                                        </p:attrNameLst>
-                                      </p:cBhvr>
-                                      <p:to>
-                                        <p:strVal val="hidden"/>
-                                      </p:to>
-                                    </p:set>
-                                  </p:childTnLst>
-                                </p:cTn>
-                              </p:par>
-                              <p:par>
-                                <p:cTn id="147" presetID="10" presetClass="exit" presetSubtype="0" fill="hold" grpId="1" nodeType="withEffect">
-                                  <p:stCondLst>
-                                    <p:cond delay="0"/>
-                                  </p:stCondLst>
-                                  <p:childTnLst>
-                                    <p:animEffect transition="out" filter="fade">
-                                      <p:cBhvr>
-                                        <p:cTn id="148" dur="500"/>
-                                        <p:tgtEl>
-                                          <p:spTgt spid="30"/>
-                                        </p:tgtEl>
-                                      </p:cBhvr>
-                                    </p:animEffect>
-                                    <p:set>
-                                      <p:cBhvr>
-                                        <p:cTn id="149" dur="1" fill="hold">
-                                          <p:stCondLst>
-                                            <p:cond delay="499"/>
-                                          </p:stCondLst>
-                                        </p:cTn>
-                                        <p:tgtEl>
-                                          <p:spTgt spid="30"/>
-                                        </p:tgtEl>
-                                        <p:attrNameLst>
-                                          <p:attrName>style.visibility</p:attrName>
-                                        </p:attrNameLst>
-                                      </p:cBhvr>
-                                      <p:to>
-                                        <p:strVal val="hidden"/>
-                                      </p:to>
-                                    </p:set>
-                                  </p:childTnLst>
-                                </p:cTn>
-                              </p:par>
-                              <p:par>
-                                <p:cTn id="150" presetID="10" presetClass="exit" presetSubtype="0" fill="hold" grpId="1" nodeType="withEffect">
-                                  <p:stCondLst>
-                                    <p:cond delay="0"/>
-                                  </p:stCondLst>
-                                  <p:childTnLst>
-                                    <p:animEffect transition="out" filter="fade">
-                                      <p:cBhvr>
-                                        <p:cTn id="151" dur="500"/>
-                                        <p:tgtEl>
-                                          <p:spTgt spid="43"/>
-                                        </p:tgtEl>
-                                      </p:cBhvr>
-                                    </p:animEffect>
-                                    <p:set>
-                                      <p:cBhvr>
-                                        <p:cTn id="152" dur="1" fill="hold">
-                                          <p:stCondLst>
-                                            <p:cond delay="499"/>
-                                          </p:stCondLst>
-                                        </p:cTn>
-                                        <p:tgtEl>
-                                          <p:spTgt spid="43"/>
-                                        </p:tgtEl>
-                                        <p:attrNameLst>
-                                          <p:attrName>style.visibility</p:attrName>
-                                        </p:attrNameLst>
-                                      </p:cBhvr>
-                                      <p:to>
-                                        <p:strVal val="hidden"/>
-                                      </p:to>
-                                    </p:set>
-                                  </p:childTnLst>
-                                </p:cTn>
-                              </p:par>
-                              <p:par>
-                                <p:cTn id="153" presetID="10" presetClass="exit" presetSubtype="0" fill="hold" grpId="1" nodeType="withEffect">
-                                  <p:stCondLst>
-                                    <p:cond delay="0"/>
-                                  </p:stCondLst>
-                                  <p:childTnLst>
-                                    <p:animEffect transition="out" filter="fade">
-                                      <p:cBhvr>
-                                        <p:cTn id="154" dur="500"/>
-                                        <p:tgtEl>
-                                          <p:spTgt spid="51"/>
-                                        </p:tgtEl>
-                                      </p:cBhvr>
-                                    </p:animEffect>
-                                    <p:set>
-                                      <p:cBhvr>
-                                        <p:cTn id="155" dur="1" fill="hold">
-                                          <p:stCondLst>
-                                            <p:cond delay="499"/>
-                                          </p:stCondLst>
-                                        </p:cTn>
-                                        <p:tgtEl>
-                                          <p:spTgt spid="51"/>
-                                        </p:tgtEl>
-                                        <p:attrNameLst>
-                                          <p:attrName>style.visibility</p:attrName>
-                                        </p:attrNameLst>
-                                      </p:cBhvr>
-                                      <p:to>
-                                        <p:strVal val="hidden"/>
-                                      </p:to>
-                                    </p:set>
-                                  </p:childTnLst>
-                                </p:cTn>
-                              </p:par>
-                              <p:par>
-                                <p:cTn id="156" presetID="10" presetClass="exit" presetSubtype="0" fill="hold" grpId="1" nodeType="withEffect">
-                                  <p:stCondLst>
-                                    <p:cond delay="0"/>
-                                  </p:stCondLst>
-                                  <p:childTnLst>
-                                    <p:animEffect transition="out" filter="fade">
-                                      <p:cBhvr>
-                                        <p:cTn id="157" dur="500"/>
-                                        <p:tgtEl>
-                                          <p:spTgt spid="46"/>
-                                        </p:tgtEl>
-                                      </p:cBhvr>
-                                    </p:animEffect>
-                                    <p:set>
-                                      <p:cBhvr>
-                                        <p:cTn id="158" dur="1" fill="hold">
-                                          <p:stCondLst>
-                                            <p:cond delay="499"/>
-                                          </p:stCondLst>
-                                        </p:cTn>
-                                        <p:tgtEl>
-                                          <p:spTgt spid="46"/>
-                                        </p:tgtEl>
-                                        <p:attrNameLst>
-                                          <p:attrName>style.visibility</p:attrName>
-                                        </p:attrNameLst>
-                                      </p:cBhvr>
-                                      <p:to>
-                                        <p:strVal val="hidden"/>
-                                      </p:to>
-                                    </p:set>
-                                  </p:childTnLst>
-                                </p:cTn>
-                              </p:par>
-                              <p:par>
-                                <p:cTn id="159" presetID="10" presetClass="exit" presetSubtype="0" fill="hold" grpId="1" nodeType="withEffect">
-                                  <p:stCondLst>
-                                    <p:cond delay="0"/>
-                                  </p:stCondLst>
-                                  <p:childTnLst>
-                                    <p:animEffect transition="out" filter="fade">
-                                      <p:cBhvr>
-                                        <p:cTn id="160" dur="500"/>
-                                        <p:tgtEl>
-                                          <p:spTgt spid="31"/>
-                                        </p:tgtEl>
-                                      </p:cBhvr>
-                                    </p:animEffect>
-                                    <p:set>
-                                      <p:cBhvr>
-                                        <p:cTn id="161" dur="1" fill="hold">
-                                          <p:stCondLst>
-                                            <p:cond delay="499"/>
-                                          </p:stCondLst>
-                                        </p:cTn>
-                                        <p:tgtEl>
-                                          <p:spTgt spid="31"/>
-                                        </p:tgtEl>
-                                        <p:attrNameLst>
-                                          <p:attrName>style.visibility</p:attrName>
-                                        </p:attrNameLst>
-                                      </p:cBhvr>
-                                      <p:to>
-                                        <p:strVal val="hidden"/>
-                                      </p:to>
-                                    </p:set>
-                                  </p:childTnLst>
-                                </p:cTn>
-                              </p:par>
-                              <p:par>
-                                <p:cTn id="162" presetID="10" presetClass="exit" presetSubtype="0" fill="hold" grpId="1" nodeType="withEffect">
-                                  <p:stCondLst>
-                                    <p:cond delay="0"/>
-                                  </p:stCondLst>
-                                  <p:childTnLst>
-                                    <p:animEffect transition="out" filter="fade">
-                                      <p:cBhvr>
-                                        <p:cTn id="163" dur="500"/>
-                                        <p:tgtEl>
-                                          <p:spTgt spid="49"/>
-                                        </p:tgtEl>
-                                      </p:cBhvr>
-                                    </p:animEffect>
-                                    <p:set>
-                                      <p:cBhvr>
-                                        <p:cTn id="164" dur="1" fill="hold">
-                                          <p:stCondLst>
-                                            <p:cond delay="499"/>
-                                          </p:stCondLst>
-                                        </p:cTn>
-                                        <p:tgtEl>
-                                          <p:spTgt spid="49"/>
-                                        </p:tgtEl>
-                                        <p:attrNameLst>
-                                          <p:attrName>style.visibility</p:attrName>
-                                        </p:attrNameLst>
-                                      </p:cBhvr>
-                                      <p:to>
-                                        <p:strVal val="hidden"/>
-                                      </p:to>
-                                    </p:set>
-                                  </p:childTnLst>
-                                </p:cTn>
-                              </p:par>
-                              <p:par>
-                                <p:cTn id="165" presetID="10" presetClass="exit" presetSubtype="0" fill="hold" grpId="1" nodeType="withEffect">
-                                  <p:stCondLst>
-                                    <p:cond delay="0"/>
-                                  </p:stCondLst>
-                                  <p:childTnLst>
-                                    <p:animEffect transition="out" filter="fade">
-                                      <p:cBhvr>
-                                        <p:cTn id="166" dur="500"/>
-                                        <p:tgtEl>
-                                          <p:spTgt spid="50"/>
-                                        </p:tgtEl>
-                                      </p:cBhvr>
-                                    </p:animEffect>
-                                    <p:set>
-                                      <p:cBhvr>
-                                        <p:cTn id="167" dur="1" fill="hold">
-                                          <p:stCondLst>
-                                            <p:cond delay="499"/>
-                                          </p:stCondLst>
-                                        </p:cTn>
-                                        <p:tgtEl>
-                                          <p:spTgt spid="50"/>
-                                        </p:tgtEl>
-                                        <p:attrNameLst>
-                                          <p:attrName>style.visibility</p:attrName>
-                                        </p:attrNameLst>
-                                      </p:cBhvr>
-                                      <p:to>
-                                        <p:strVal val="hidden"/>
-                                      </p:to>
-                                    </p:set>
-                                  </p:childTnLst>
-                                </p:cTn>
-                              </p:par>
-                            </p:childTnLst>
-                          </p:cTn>
-                        </p:par>
-                      </p:childTnLst>
-                    </p:cTn>
-                  </p:par>
-                  <p:par>
-                    <p:cTn id="168" fill="hold">
-                      <p:stCondLst>
-                        <p:cond delay="indefinite"/>
-                      </p:stCondLst>
-                      <p:childTnLst>
-                        <p:par>
-                          <p:cTn id="169" fill="hold">
-                            <p:stCondLst>
-                              <p:cond delay="0"/>
-                            </p:stCondLst>
-                            <p:childTnLst>
-                              <p:par>
-                                <p:cTn id="170" presetID="1" presetClass="entr" presetSubtype="0" fill="hold" grpId="0" nodeType="clickEffect">
-                                  <p:stCondLst>
-                                    <p:cond delay="0"/>
-                                  </p:stCondLst>
-                                  <p:childTnLst>
-                                    <p:set>
-                                      <p:cBhvr>
-                                        <p:cTn id="171" dur="1" fill="hold">
-                                          <p:stCondLst>
-                                            <p:cond delay="0"/>
-                                          </p:stCondLst>
-                                        </p:cTn>
-                                        <p:tgtEl>
-                                          <p:spTgt spid="53"/>
-                                        </p:tgtEl>
-                                        <p:attrNameLst>
-                                          <p:attrName>style.visibility</p:attrName>
-                                        </p:attrNameLst>
-                                      </p:cBhvr>
-                                      <p:to>
-                                        <p:strVal val="visible"/>
-                                      </p:to>
-                                    </p:set>
-                                  </p:childTnLst>
-                                </p:cTn>
-                              </p:par>
-                            </p:childTnLst>
-                          </p:cTn>
-                        </p:par>
-                      </p:childTnLst>
-                    </p:cTn>
-                  </p:par>
-                  <p:par>
-                    <p:cTn id="172" fill="hold">
-                      <p:stCondLst>
-                        <p:cond delay="indefinite"/>
-                      </p:stCondLst>
-                      <p:childTnLst>
-                        <p:par>
-                          <p:cTn id="173" fill="hold">
-                            <p:stCondLst>
-                              <p:cond delay="0"/>
-                            </p:stCondLst>
-                            <p:childTnLst>
-                              <p:par>
-                                <p:cTn id="174" presetID="1" presetClass="entr" presetSubtype="0" fill="hold" grpId="0" nodeType="clickEffect">
-                                  <p:stCondLst>
-                                    <p:cond delay="0"/>
-                                  </p:stCondLst>
-                                  <p:childTnLst>
-                                    <p:set>
-                                      <p:cBhvr>
-                                        <p:cTn id="175" dur="1" fill="hold">
-                                          <p:stCondLst>
-                                            <p:cond delay="0"/>
-                                          </p:stCondLst>
-                                        </p:cTn>
-                                        <p:tgtEl>
-                                          <p:spTgt spid="54"/>
-                                        </p:tgtEl>
-                                        <p:attrNameLst>
-                                          <p:attrName>style.visibility</p:attrName>
-                                        </p:attrNameLst>
-                                      </p:cBhvr>
-                                      <p:to>
-                                        <p:strVal val="visible"/>
-                                      </p:to>
-                                    </p:set>
-                                  </p:childTnLst>
-                                </p:cTn>
-                              </p:par>
-                              <p:par>
-                                <p:cTn id="176" presetID="1" presetClass="entr" presetSubtype="0" fill="hold" grpId="0" nodeType="withEffect">
-                                  <p:stCondLst>
-                                    <p:cond delay="0"/>
-                                  </p:stCondLst>
-                                  <p:childTnLst>
-                                    <p:set>
-                                      <p:cBhvr>
-                                        <p:cTn id="177" dur="1" fill="hold">
-                                          <p:stCondLst>
-                                            <p:cond delay="0"/>
-                                          </p:stCondLst>
-                                        </p:cTn>
-                                        <p:tgtEl>
-                                          <p:spTgt spid="59"/>
-                                        </p:tgtEl>
-                                        <p:attrNameLst>
-                                          <p:attrName>style.visibility</p:attrName>
-                                        </p:attrNameLst>
-                                      </p:cBhvr>
-                                      <p:to>
-                                        <p:strVal val="visible"/>
-                                      </p:to>
-                                    </p:set>
-                                  </p:childTnLst>
-                                  <p:subTnLst>
-                                    <p:set>
-                                      <p:cBhvr override="childStyle">
-                                        <p:cTn dur="1" fill="hold" display="0" masterRel="nextClick" afterEffect="1"/>
-                                        <p:tgtEl>
-                                          <p:spTgt spid="59"/>
-                                        </p:tgtEl>
-                                        <p:attrNameLst>
-                                          <p:attrName>style.visibility</p:attrName>
-                                        </p:attrNameLst>
-                                      </p:cBhvr>
-                                      <p:to>
-                                        <p:strVal val="hidden"/>
-                                      </p:to>
-                                    </p:set>
-                                  </p:subTnLst>
-                                </p:cTn>
-                              </p:par>
-                              <p:par>
-                                <p:cTn id="178" presetID="1" presetClass="entr" presetSubtype="0" fill="hold" grpId="0" nodeType="withEffect">
-                                  <p:stCondLst>
-                                    <p:cond delay="0"/>
-                                  </p:stCondLst>
-                                  <p:childTnLst>
-                                    <p:set>
-                                      <p:cBhvr>
-                                        <p:cTn id="179" dur="1" fill="hold">
-                                          <p:stCondLst>
-                                            <p:cond delay="0"/>
-                                          </p:stCondLst>
-                                        </p:cTn>
-                                        <p:tgtEl>
-                                          <p:spTgt spid="60"/>
-                                        </p:tgtEl>
-                                        <p:attrNameLst>
-                                          <p:attrName>style.visibility</p:attrName>
-                                        </p:attrNameLst>
-                                      </p:cBhvr>
-                                      <p:to>
-                                        <p:strVal val="visible"/>
-                                      </p:to>
-                                    </p:set>
-                                  </p:childTnLst>
-                                  <p:subTnLst>
-                                    <p:set>
-                                      <p:cBhvr override="childStyle">
-                                        <p:cTn dur="1" fill="hold" display="0" masterRel="nextClick" afterEffect="1"/>
-                                        <p:tgtEl>
-                                          <p:spTgt spid="60"/>
-                                        </p:tgtEl>
-                                        <p:attrNameLst>
-                                          <p:attrName>style.visibility</p:attrName>
-                                        </p:attrNameLst>
-                                      </p:cBhvr>
-                                      <p:to>
-                                        <p:strVal val="hidden"/>
-                                      </p:to>
-                                    </p:set>
-                                  </p:subTnLst>
-                                </p:cTn>
-                              </p:par>
-                              <p:par>
-                                <p:cTn id="180" presetID="1" presetClass="entr" presetSubtype="0" fill="hold" grpId="0" nodeType="withEffect">
-                                  <p:stCondLst>
-                                    <p:cond delay="0"/>
-                                  </p:stCondLst>
-                                  <p:childTnLst>
-                                    <p:set>
-                                      <p:cBhvr>
-                                        <p:cTn id="181" dur="1" fill="hold">
-                                          <p:stCondLst>
-                                            <p:cond delay="0"/>
-                                          </p:stCondLst>
-                                        </p:cTn>
-                                        <p:tgtEl>
-                                          <p:spTgt spid="63"/>
-                                        </p:tgtEl>
-                                        <p:attrNameLst>
-                                          <p:attrName>style.visibility</p:attrName>
-                                        </p:attrNameLst>
-                                      </p:cBhvr>
-                                      <p:to>
-                                        <p:strVal val="visible"/>
-                                      </p:to>
-                                    </p:set>
-                                  </p:childTnLst>
-                                  <p:subTnLst>
-                                    <p:set>
-                                      <p:cBhvr override="childStyle">
-                                        <p:cTn dur="1" fill="hold" display="0" masterRel="nextClick" afterEffect="1"/>
-                                        <p:tgtEl>
-                                          <p:spTgt spid="63"/>
-                                        </p:tgtEl>
-                                        <p:attrNameLst>
-                                          <p:attrName>style.visibility</p:attrName>
-                                        </p:attrNameLst>
-                                      </p:cBhvr>
-                                      <p:to>
-                                        <p:strVal val="hidden"/>
-                                      </p:to>
-                                    </p:set>
-                                  </p:subTnLst>
-                                </p:cTn>
-                              </p:par>
-                            </p:childTnLst>
-                          </p:cTn>
-                        </p:par>
-                      </p:childTnLst>
-                    </p:cTn>
-                  </p:par>
-                  <p:par>
-                    <p:cTn id="182" fill="hold">
-                      <p:stCondLst>
-                        <p:cond delay="indefinite"/>
-                      </p:stCondLst>
-                      <p:childTnLst>
-                        <p:par>
-                          <p:cTn id="183" fill="hold">
-                            <p:stCondLst>
-                              <p:cond delay="0"/>
-                            </p:stCondLst>
-                            <p:childTnLst>
-                              <p:par>
-                                <p:cTn id="184" presetID="1" presetClass="entr" presetSubtype="0" fill="hold" grpId="0" nodeType="clickEffect">
-                                  <p:stCondLst>
-                                    <p:cond delay="0"/>
-                                  </p:stCondLst>
-                                  <p:childTnLst>
-                                    <p:set>
-                                      <p:cBhvr>
-                                        <p:cTn id="185" dur="1" fill="hold">
-                                          <p:stCondLst>
-                                            <p:cond delay="0"/>
-                                          </p:stCondLst>
-                                        </p:cTn>
-                                        <p:tgtEl>
-                                          <p:spTgt spid="55"/>
-                                        </p:tgtEl>
-                                        <p:attrNameLst>
-                                          <p:attrName>style.visibility</p:attrName>
-                                        </p:attrNameLst>
-                                      </p:cBhvr>
-                                      <p:to>
-                                        <p:strVal val="visible"/>
-                                      </p:to>
-                                    </p:set>
-                                  </p:childTnLst>
-                                </p:cTn>
-                              </p:par>
-                            </p:childTnLst>
-                          </p:cTn>
-                        </p:par>
-                      </p:childTnLst>
-                    </p:cTn>
-                  </p:par>
-                  <p:par>
-                    <p:cTn id="186" fill="hold">
-                      <p:stCondLst>
-                        <p:cond delay="indefinite"/>
-                      </p:stCondLst>
-                      <p:childTnLst>
-                        <p:par>
-                          <p:cTn id="187" fill="hold">
-                            <p:stCondLst>
-                              <p:cond delay="0"/>
-                            </p:stCondLst>
-                            <p:childTnLst>
-                              <p:par>
-                                <p:cTn id="188" presetID="1" presetClass="entr" presetSubtype="0" fill="hold" grpId="0" nodeType="clickEffect">
-                                  <p:stCondLst>
-                                    <p:cond delay="0"/>
-                                  </p:stCondLst>
-                                  <p:childTnLst>
-                                    <p:set>
-                                      <p:cBhvr>
-                                        <p:cTn id="189" dur="1" fill="hold">
-                                          <p:stCondLst>
-                                            <p:cond delay="0"/>
-                                          </p:stCondLst>
-                                        </p:cTn>
-                                        <p:tgtEl>
-                                          <p:spTgt spid="56"/>
-                                        </p:tgtEl>
-                                        <p:attrNameLst>
-                                          <p:attrName>style.visibility</p:attrName>
-                                        </p:attrNameLst>
-                                      </p:cBhvr>
-                                      <p:to>
-                                        <p:strVal val="visible"/>
-                                      </p:to>
-                                    </p:set>
-                                  </p:childTnLst>
-                                </p:cTn>
-                              </p:par>
-                              <p:par>
-                                <p:cTn id="190" presetID="1" presetClass="entr" presetSubtype="0" fill="hold" grpId="0" nodeType="withEffect">
-                                  <p:stCondLst>
-                                    <p:cond delay="0"/>
-                                  </p:stCondLst>
-                                  <p:childTnLst>
-                                    <p:set>
-                                      <p:cBhvr>
-                                        <p:cTn id="191" dur="1" fill="hold">
-                                          <p:stCondLst>
-                                            <p:cond delay="0"/>
-                                          </p:stCondLst>
-                                        </p:cTn>
-                                        <p:tgtEl>
-                                          <p:spTgt spid="64"/>
-                                        </p:tgtEl>
-                                        <p:attrNameLst>
-                                          <p:attrName>style.visibility</p:attrName>
-                                        </p:attrNameLst>
-                                      </p:cBhvr>
-                                      <p:to>
-                                        <p:strVal val="visible"/>
-                                      </p:to>
-                                    </p:set>
-                                  </p:childTnLst>
-                                  <p:subTnLst>
-                                    <p:set>
-                                      <p:cBhvr override="childStyle">
-                                        <p:cTn dur="1" fill="hold" display="0" masterRel="nextClick" afterEffect="1"/>
-                                        <p:tgtEl>
-                                          <p:spTgt spid="64"/>
-                                        </p:tgtEl>
-                                        <p:attrNameLst>
-                                          <p:attrName>style.visibility</p:attrName>
-                                        </p:attrNameLst>
-                                      </p:cBhvr>
-                                      <p:to>
-                                        <p:strVal val="hidden"/>
-                                      </p:to>
-                                    </p:set>
-                                  </p:subTnLst>
-                                </p:cTn>
-                              </p:par>
-                              <p:par>
-                                <p:cTn id="192" presetID="1" presetClass="entr" presetSubtype="0" fill="hold" grpId="0" nodeType="withEffect">
-                                  <p:stCondLst>
-                                    <p:cond delay="0"/>
-                                  </p:stCondLst>
-                                  <p:childTnLst>
-                                    <p:set>
-                                      <p:cBhvr>
-                                        <p:cTn id="193" dur="1" fill="hold">
-                                          <p:stCondLst>
-                                            <p:cond delay="0"/>
-                                          </p:stCondLst>
-                                        </p:cTn>
-                                        <p:tgtEl>
-                                          <p:spTgt spid="61"/>
-                                        </p:tgtEl>
-                                        <p:attrNameLst>
-                                          <p:attrName>style.visibility</p:attrName>
-                                        </p:attrNameLst>
-                                      </p:cBhvr>
-                                      <p:to>
-                                        <p:strVal val="visible"/>
-                                      </p:to>
-                                    </p:set>
-                                  </p:childTnLst>
-                                  <p:subTnLst>
-                                    <p:set>
-                                      <p:cBhvr override="childStyle">
-                                        <p:cTn dur="1" fill="hold" display="0" masterRel="nextClick" afterEffect="1"/>
-                                        <p:tgtEl>
-                                          <p:spTgt spid="61"/>
-                                        </p:tgtEl>
-                                        <p:attrNameLst>
-                                          <p:attrName>style.visibility</p:attrName>
-                                        </p:attrNameLst>
-                                      </p:cBhvr>
-                                      <p:to>
-                                        <p:strVal val="hidden"/>
-                                      </p:to>
-                                    </p:set>
-                                  </p:subTnLst>
-                                </p:cTn>
-                              </p:par>
-                              <p:par>
-                                <p:cTn id="194" presetID="1" presetClass="entr" presetSubtype="0" fill="hold" grpId="0" nodeType="withEffect">
-                                  <p:stCondLst>
-                                    <p:cond delay="0"/>
-                                  </p:stCondLst>
-                                  <p:childTnLst>
-                                    <p:set>
-                                      <p:cBhvr>
-                                        <p:cTn id="195" dur="1" fill="hold">
-                                          <p:stCondLst>
-                                            <p:cond delay="0"/>
-                                          </p:stCondLst>
-                                        </p:cTn>
-                                        <p:tgtEl>
-                                          <p:spTgt spid="62"/>
-                                        </p:tgtEl>
-                                        <p:attrNameLst>
-                                          <p:attrName>style.visibility</p:attrName>
-                                        </p:attrNameLst>
-                                      </p:cBhvr>
-                                      <p:to>
-                                        <p:strVal val="visible"/>
-                                      </p:to>
-                                    </p:set>
-                                  </p:childTnLst>
-                                  <p:subTnLst>
-                                    <p:set>
-                                      <p:cBhvr override="childStyle">
-                                        <p:cTn dur="1" fill="hold" display="0" masterRel="nextClick" afterEffect="1"/>
-                                        <p:tgtEl>
-                                          <p:spTgt spid="62"/>
-                                        </p:tgtEl>
-                                        <p:attrNameLst>
-                                          <p:attrName>style.visibility</p:attrName>
-                                        </p:attrNameLst>
-                                      </p:cBhvr>
-                                      <p:to>
-                                        <p:strVal val="hidden"/>
-                                      </p:to>
-                                    </p:set>
-                                  </p:subTnLst>
-                                </p:cTn>
-                              </p:par>
-                            </p:childTnLst>
-                          </p:cTn>
-                        </p:par>
-                      </p:childTnLst>
-                    </p:cTn>
-                  </p:par>
-                  <p:par>
-                    <p:cTn id="196" fill="hold">
-                      <p:stCondLst>
-                        <p:cond delay="indefinite"/>
-                      </p:stCondLst>
-                      <p:childTnLst>
-                        <p:par>
-                          <p:cTn id="197" fill="hold">
-                            <p:stCondLst>
-                              <p:cond delay="0"/>
-                            </p:stCondLst>
-                            <p:childTnLst>
-                              <p:par>
-                                <p:cTn id="198" presetID="1" presetClass="entr" presetSubtype="0" fill="hold" grpId="0" nodeType="clickEffect">
-                                  <p:stCondLst>
-                                    <p:cond delay="0"/>
-                                  </p:stCondLst>
-                                  <p:childTnLst>
-                                    <p:set>
-                                      <p:cBhvr>
-                                        <p:cTn id="199" dur="1" fill="hold">
-                                          <p:stCondLst>
-                                            <p:cond delay="0"/>
-                                          </p:stCondLst>
-                                        </p:cTn>
-                                        <p:tgtEl>
-                                          <p:spTgt spid="57"/>
-                                        </p:tgtEl>
-                                        <p:attrNameLst>
-                                          <p:attrName>style.visibility</p:attrName>
-                                        </p:attrNameLst>
-                                      </p:cBhvr>
-                                      <p:to>
-                                        <p:strVal val="visible"/>
-                                      </p:to>
-                                    </p:set>
-                                  </p:childTnLst>
-                                </p:cTn>
-                              </p:par>
-                            </p:childTnLst>
-                          </p:cTn>
-                        </p:par>
-                      </p:childTnLst>
-                    </p:cTn>
-                  </p:par>
-                  <p:par>
-                    <p:cTn id="200" fill="hold">
-                      <p:stCondLst>
-                        <p:cond delay="indefinite"/>
-                      </p:stCondLst>
-                      <p:childTnLst>
-                        <p:par>
-                          <p:cTn id="201" fill="hold">
-                            <p:stCondLst>
-                              <p:cond delay="0"/>
-                            </p:stCondLst>
-                            <p:childTnLst>
-                              <p:par>
-                                <p:cTn id="202" presetID="1" presetClass="entr" presetSubtype="0" fill="hold" grpId="0" nodeType="clickEffect">
-                                  <p:stCondLst>
-                                    <p:cond delay="0"/>
-                                  </p:stCondLst>
-                                  <p:childTnLst>
-                                    <p:set>
-                                      <p:cBhvr>
-                                        <p:cTn id="203" dur="1" fill="hold">
-                                          <p:stCondLst>
-                                            <p:cond delay="0"/>
-                                          </p:stCondLst>
-                                        </p:cTn>
-                                        <p:tgtEl>
-                                          <p:spTgt spid="58"/>
-                                        </p:tgtEl>
-                                        <p:attrNameLst>
-                                          <p:attrName>style.visibility</p:attrName>
-                                        </p:attrNameLst>
-                                      </p:cBhvr>
-                                      <p:to>
-                                        <p:strVal val="visible"/>
-                                      </p:to>
-                                    </p:set>
-                                  </p:childTnLst>
-                                </p:cTn>
-                              </p:par>
-                            </p:childTnLst>
-                          </p:cTn>
-                        </p:par>
-                      </p:childTnLst>
-                    </p:cTn>
-                  </p:par>
-                  <p:par>
-                    <p:cTn id="204" fill="hold">
-                      <p:stCondLst>
-                        <p:cond delay="indefinite"/>
-                      </p:stCondLst>
-                      <p:childTnLst>
-                        <p:par>
-                          <p:cTn id="205" fill="hold">
-                            <p:stCondLst>
-                              <p:cond delay="0"/>
-                            </p:stCondLst>
-                            <p:childTnLst>
-                              <p:par>
-                                <p:cTn id="206" presetID="1" presetClass="entr" presetSubtype="0" fill="hold" nodeType="clickEffect">
-                                  <p:stCondLst>
-                                    <p:cond delay="0"/>
-                                  </p:stCondLst>
-                                  <p:childTnLst>
-                                    <p:set>
-                                      <p:cBhvr>
-                                        <p:cTn id="207" dur="1" fill="hold">
-                                          <p:stCondLst>
-                                            <p:cond delay="0"/>
-                                          </p:stCondLst>
-                                        </p:cTn>
-                                        <p:tgtEl>
-                                          <p:spTgt spid="1027"/>
-                                        </p:tgtEl>
-                                        <p:attrNameLst>
-                                          <p:attrName>style.visibility</p:attrName>
-                                        </p:attrNameLst>
-                                      </p:cBhvr>
-                                      <p:to>
-                                        <p:strVal val="visible"/>
-                                      </p:to>
-                                    </p:set>
-                                  </p:childTnLst>
-                                </p:cTn>
-                              </p:par>
-                              <p:par>
-                                <p:cTn id="208" presetID="1" presetClass="entr" presetSubtype="0" fill="hold" grpId="0" nodeType="withEffect">
-                                  <p:stCondLst>
-                                    <p:cond delay="0"/>
-                                  </p:stCondLst>
-                                  <p:childTnLst>
-                                    <p:set>
-                                      <p:cBhvr>
-                                        <p:cTn id="209" dur="1" fill="hold">
-                                          <p:stCondLst>
-                                            <p:cond delay="0"/>
-                                          </p:stCondLst>
-                                        </p:cTn>
-                                        <p:tgtEl>
-                                          <p:spTgt spid="65"/>
-                                        </p:tgtEl>
-                                        <p:attrNameLst>
-                                          <p:attrName>style.visibility</p:attrName>
-                                        </p:attrNameLst>
-                                      </p:cBhvr>
-                                      <p:to>
-                                        <p:strVal val="visible"/>
-                                      </p:to>
-                                    </p:set>
-                                  </p:childTnLst>
-                                </p:cTn>
-                              </p:par>
-                              <p:par>
-                                <p:cTn id="210" presetID="1" presetClass="entr" presetSubtype="0" fill="hold" grpId="0" nodeType="withEffect">
-                                  <p:stCondLst>
-                                    <p:cond delay="0"/>
-                                  </p:stCondLst>
-                                  <p:childTnLst>
-                                    <p:set>
-                                      <p:cBhvr>
-                                        <p:cTn id="211" dur="1" fill="hold">
-                                          <p:stCondLst>
-                                            <p:cond delay="0"/>
-                                          </p:stCondLst>
-                                        </p:cTn>
-                                        <p:tgtEl>
-                                          <p:spTgt spid="66"/>
-                                        </p:tgtEl>
-                                        <p:attrNameLst>
-                                          <p:attrName>style.visibility</p:attrName>
-                                        </p:attrNameLst>
-                                      </p:cBhvr>
-                                      <p:to>
-                                        <p:strVal val="visible"/>
-                                      </p:to>
-                                    </p:set>
-                                  </p:childTnLst>
-                                </p:cTn>
-                              </p:par>
-                            </p:childTnLst>
-                          </p:cTn>
-                        </p:par>
-                      </p:childTnLst>
-                    </p:cTn>
-                  </p:par>
-                  <p:par>
-                    <p:cTn id="212" fill="hold">
-                      <p:stCondLst>
-                        <p:cond delay="indefinite"/>
-                      </p:stCondLst>
-                      <p:childTnLst>
-                        <p:par>
-                          <p:cTn id="213" fill="hold">
-                            <p:stCondLst>
-                              <p:cond delay="0"/>
-                            </p:stCondLst>
-                            <p:childTnLst>
-                              <p:par>
-                                <p:cTn id="214" presetID="10" presetClass="exit" presetSubtype="0" fill="hold" grpId="1" nodeType="clickEffect">
-                                  <p:stCondLst>
-                                    <p:cond delay="0"/>
-                                  </p:stCondLst>
-                                  <p:childTnLst>
-                                    <p:animEffect transition="out" filter="fade">
-                                      <p:cBhvr>
-                                        <p:cTn id="215" dur="500"/>
-                                        <p:tgtEl>
-                                          <p:spTgt spid="54"/>
-                                        </p:tgtEl>
-                                      </p:cBhvr>
-                                    </p:animEffect>
-                                    <p:set>
-                                      <p:cBhvr>
-                                        <p:cTn id="216" dur="1" fill="hold">
-                                          <p:stCondLst>
-                                            <p:cond delay="499"/>
-                                          </p:stCondLst>
-                                        </p:cTn>
-                                        <p:tgtEl>
-                                          <p:spTgt spid="54"/>
-                                        </p:tgtEl>
-                                        <p:attrNameLst>
-                                          <p:attrName>style.visibility</p:attrName>
-                                        </p:attrNameLst>
-                                      </p:cBhvr>
-                                      <p:to>
-                                        <p:strVal val="hidden"/>
-                                      </p:to>
-                                    </p:set>
-                                  </p:childTnLst>
-                                </p:cTn>
-                              </p:par>
-                              <p:par>
-                                <p:cTn id="217" presetID="10" presetClass="exit" presetSubtype="0" fill="hold" grpId="1" nodeType="withEffect">
-                                  <p:stCondLst>
-                                    <p:cond delay="0"/>
-                                  </p:stCondLst>
-                                  <p:childTnLst>
-                                    <p:animEffect transition="out" filter="fade">
-                                      <p:cBhvr>
-                                        <p:cTn id="218" dur="500"/>
-                                        <p:tgtEl>
-                                          <p:spTgt spid="56"/>
-                                        </p:tgtEl>
-                                      </p:cBhvr>
-                                    </p:animEffect>
-                                    <p:set>
-                                      <p:cBhvr>
-                                        <p:cTn id="219" dur="1" fill="hold">
-                                          <p:stCondLst>
-                                            <p:cond delay="499"/>
-                                          </p:stCondLst>
-                                        </p:cTn>
-                                        <p:tgtEl>
-                                          <p:spTgt spid="56"/>
-                                        </p:tgtEl>
-                                        <p:attrNameLst>
-                                          <p:attrName>style.visibility</p:attrName>
-                                        </p:attrNameLst>
-                                      </p:cBhvr>
-                                      <p:to>
-                                        <p:strVal val="hidden"/>
-                                      </p:to>
-                                    </p:set>
-                                  </p:childTnLst>
-                                </p:cTn>
-                              </p:par>
-                              <p:par>
-                                <p:cTn id="220" presetID="10" presetClass="exit" presetSubtype="0" fill="hold" grpId="1" nodeType="withEffect">
-                                  <p:stCondLst>
-                                    <p:cond delay="0"/>
-                                  </p:stCondLst>
-                                  <p:childTnLst>
-                                    <p:animEffect transition="out" filter="fade">
-                                      <p:cBhvr>
-                                        <p:cTn id="221" dur="500"/>
-                                        <p:tgtEl>
-                                          <p:spTgt spid="53"/>
-                                        </p:tgtEl>
-                                      </p:cBhvr>
-                                    </p:animEffect>
-                                    <p:set>
-                                      <p:cBhvr>
-                                        <p:cTn id="222" dur="1" fill="hold">
-                                          <p:stCondLst>
-                                            <p:cond delay="499"/>
-                                          </p:stCondLst>
-                                        </p:cTn>
-                                        <p:tgtEl>
-                                          <p:spTgt spid="53"/>
-                                        </p:tgtEl>
-                                        <p:attrNameLst>
-                                          <p:attrName>style.visibility</p:attrName>
-                                        </p:attrNameLst>
-                                      </p:cBhvr>
-                                      <p:to>
-                                        <p:strVal val="hidden"/>
-                                      </p:to>
-                                    </p:set>
-                                  </p:childTnLst>
-                                </p:cTn>
-                              </p:par>
-                              <p:par>
-                                <p:cTn id="223" presetID="10" presetClass="exit" presetSubtype="0" fill="hold" grpId="1" nodeType="withEffect">
-                                  <p:stCondLst>
-                                    <p:cond delay="0"/>
-                                  </p:stCondLst>
-                                  <p:childTnLst>
-                                    <p:animEffect transition="out" filter="fade">
-                                      <p:cBhvr>
-                                        <p:cTn id="224" dur="500"/>
-                                        <p:tgtEl>
-                                          <p:spTgt spid="57"/>
-                                        </p:tgtEl>
-                                      </p:cBhvr>
-                                    </p:animEffect>
-                                    <p:set>
-                                      <p:cBhvr>
-                                        <p:cTn id="225" dur="1" fill="hold">
-                                          <p:stCondLst>
-                                            <p:cond delay="499"/>
-                                          </p:stCondLst>
-                                        </p:cTn>
-                                        <p:tgtEl>
-                                          <p:spTgt spid="57"/>
-                                        </p:tgtEl>
-                                        <p:attrNameLst>
-                                          <p:attrName>style.visibility</p:attrName>
-                                        </p:attrNameLst>
-                                      </p:cBhvr>
-                                      <p:to>
-                                        <p:strVal val="hidden"/>
-                                      </p:to>
-                                    </p:set>
-                                  </p:childTnLst>
-                                </p:cTn>
-                              </p:par>
-                              <p:par>
-                                <p:cTn id="226" presetID="10" presetClass="exit" presetSubtype="0" fill="hold" grpId="1" nodeType="withEffect">
-                                  <p:stCondLst>
-                                    <p:cond delay="0"/>
-                                  </p:stCondLst>
-                                  <p:childTnLst>
-                                    <p:animEffect transition="out" filter="fade">
-                                      <p:cBhvr>
-                                        <p:cTn id="227" dur="500"/>
-                                        <p:tgtEl>
-                                          <p:spTgt spid="55"/>
-                                        </p:tgtEl>
-                                      </p:cBhvr>
-                                    </p:animEffect>
-                                    <p:set>
-                                      <p:cBhvr>
-                                        <p:cTn id="228" dur="1" fill="hold">
-                                          <p:stCondLst>
-                                            <p:cond delay="499"/>
-                                          </p:stCondLst>
-                                        </p:cTn>
-                                        <p:tgtEl>
-                                          <p:spTgt spid="55"/>
-                                        </p:tgtEl>
-                                        <p:attrNameLst>
-                                          <p:attrName>style.visibility</p:attrName>
-                                        </p:attrNameLst>
-                                      </p:cBhvr>
-                                      <p:to>
-                                        <p:strVal val="hidden"/>
-                                      </p:to>
-                                    </p:set>
-                                  </p:childTnLst>
-                                </p:cTn>
-                              </p:par>
-                              <p:par>
-                                <p:cTn id="229" presetID="10" presetClass="exit" presetSubtype="0" fill="hold" grpId="1" nodeType="withEffect">
-                                  <p:stCondLst>
-                                    <p:cond delay="0"/>
-                                  </p:stCondLst>
-                                  <p:childTnLst>
-                                    <p:animEffect transition="out" filter="fade">
-                                      <p:cBhvr>
-                                        <p:cTn id="230" dur="500"/>
-                                        <p:tgtEl>
-                                          <p:spTgt spid="59"/>
-                                        </p:tgtEl>
-                                      </p:cBhvr>
-                                    </p:animEffect>
-                                    <p:set>
-                                      <p:cBhvr>
-                                        <p:cTn id="231" dur="1" fill="hold">
-                                          <p:stCondLst>
-                                            <p:cond delay="499"/>
-                                          </p:stCondLst>
-                                        </p:cTn>
-                                        <p:tgtEl>
-                                          <p:spTgt spid="59"/>
-                                        </p:tgtEl>
-                                        <p:attrNameLst>
-                                          <p:attrName>style.visibility</p:attrName>
-                                        </p:attrNameLst>
-                                      </p:cBhvr>
-                                      <p:to>
-                                        <p:strVal val="hidden"/>
-                                      </p:to>
-                                    </p:set>
-                                  </p:childTnLst>
-                                </p:cTn>
-                              </p:par>
-                              <p:par>
-                                <p:cTn id="232" presetID="10" presetClass="exit" presetSubtype="0" fill="hold" grpId="1" nodeType="withEffect">
-                                  <p:stCondLst>
-                                    <p:cond delay="0"/>
-                                  </p:stCondLst>
-                                  <p:childTnLst>
-                                    <p:animEffect transition="out" filter="fade">
-                                      <p:cBhvr>
-                                        <p:cTn id="233" dur="500"/>
-                                        <p:tgtEl>
-                                          <p:spTgt spid="58"/>
-                                        </p:tgtEl>
-                                      </p:cBhvr>
-                                    </p:animEffect>
-                                    <p:set>
-                                      <p:cBhvr>
-                                        <p:cTn id="234" dur="1" fill="hold">
-                                          <p:stCondLst>
-                                            <p:cond delay="499"/>
-                                          </p:stCondLst>
-                                        </p:cTn>
-                                        <p:tgtEl>
-                                          <p:spTgt spid="58"/>
-                                        </p:tgtEl>
-                                        <p:attrNameLst>
-                                          <p:attrName>style.visibility</p:attrName>
-                                        </p:attrNameLst>
-                                      </p:cBhvr>
-                                      <p:to>
-                                        <p:strVal val="hidden"/>
-                                      </p:to>
-                                    </p:set>
-                                  </p:childTnLst>
-                                </p:cTn>
-                              </p:par>
-                              <p:par>
-                                <p:cTn id="235" presetID="10" presetClass="exit" presetSubtype="0" fill="hold" grpId="1" nodeType="withEffect">
-                                  <p:stCondLst>
-                                    <p:cond delay="0"/>
-                                  </p:stCondLst>
-                                  <p:childTnLst>
-                                    <p:animEffect transition="out" filter="fade">
-                                      <p:cBhvr>
-                                        <p:cTn id="236" dur="500"/>
-                                        <p:tgtEl>
-                                          <p:spTgt spid="61"/>
-                                        </p:tgtEl>
-                                      </p:cBhvr>
-                                    </p:animEffect>
-                                    <p:set>
-                                      <p:cBhvr>
-                                        <p:cTn id="237" dur="1" fill="hold">
-                                          <p:stCondLst>
-                                            <p:cond delay="499"/>
-                                          </p:stCondLst>
-                                        </p:cTn>
-                                        <p:tgtEl>
-                                          <p:spTgt spid="61"/>
-                                        </p:tgtEl>
-                                        <p:attrNameLst>
-                                          <p:attrName>style.visibility</p:attrName>
-                                        </p:attrNameLst>
-                                      </p:cBhvr>
-                                      <p:to>
-                                        <p:strVal val="hidden"/>
-                                      </p:to>
-                                    </p:set>
-                                  </p:childTnLst>
-                                </p:cTn>
-                              </p:par>
-                              <p:par>
-                                <p:cTn id="238" presetID="10" presetClass="exit" presetSubtype="0" fill="hold" grpId="1" nodeType="withEffect">
-                                  <p:stCondLst>
-                                    <p:cond delay="0"/>
-                                  </p:stCondLst>
-                                  <p:childTnLst>
-                                    <p:animEffect transition="out" filter="fade">
-                                      <p:cBhvr>
-                                        <p:cTn id="239" dur="500"/>
-                                        <p:tgtEl>
-                                          <p:spTgt spid="65"/>
-                                        </p:tgtEl>
-                                      </p:cBhvr>
-                                    </p:animEffect>
-                                    <p:set>
-                                      <p:cBhvr>
-                                        <p:cTn id="240" dur="1" fill="hold">
-                                          <p:stCondLst>
-                                            <p:cond delay="499"/>
-                                          </p:stCondLst>
-                                        </p:cTn>
-                                        <p:tgtEl>
-                                          <p:spTgt spid="65"/>
-                                        </p:tgtEl>
-                                        <p:attrNameLst>
-                                          <p:attrName>style.visibility</p:attrName>
-                                        </p:attrNameLst>
-                                      </p:cBhvr>
-                                      <p:to>
-                                        <p:strVal val="hidden"/>
-                                      </p:to>
-                                    </p:set>
-                                  </p:childTnLst>
-                                </p:cTn>
-                              </p:par>
-                              <p:par>
-                                <p:cTn id="241" presetID="10" presetClass="exit" presetSubtype="0" fill="hold" grpId="1" nodeType="withEffect">
-                                  <p:stCondLst>
-                                    <p:cond delay="0"/>
-                                  </p:stCondLst>
-                                  <p:childTnLst>
-                                    <p:animEffect transition="out" filter="fade">
-                                      <p:cBhvr>
-                                        <p:cTn id="242" dur="500"/>
-                                        <p:tgtEl>
-                                          <p:spTgt spid="66"/>
-                                        </p:tgtEl>
-                                      </p:cBhvr>
-                                    </p:animEffect>
-                                    <p:set>
-                                      <p:cBhvr>
-                                        <p:cTn id="243" dur="1" fill="hold">
-                                          <p:stCondLst>
-                                            <p:cond delay="499"/>
-                                          </p:stCondLst>
-                                        </p:cTn>
-                                        <p:tgtEl>
-                                          <p:spTgt spid="66"/>
-                                        </p:tgtEl>
-                                        <p:attrNameLst>
-                                          <p:attrName>style.visibility</p:attrName>
-                                        </p:attrNameLst>
-                                      </p:cBhvr>
-                                      <p:to>
-                                        <p:strVal val="hidden"/>
-                                      </p:to>
-                                    </p:set>
-                                  </p:childTnLst>
-                                </p:cTn>
-                              </p:par>
-                            </p:childTnLst>
-                          </p:cTn>
-                        </p:par>
-                      </p:childTnLst>
-                    </p:cTn>
-                  </p:par>
-                </p:childTnLst>
-              </p:cTn>
-              <p:prevCondLst>
-                <p:cond evt="onPrev" delay="0">
-                  <p:tgtEl>
-                    <p:sldTgt/>
-                  </p:tgtEl>
-                </p:cond>
-              </p:prevCondLst>
-              <p:nextCondLst>
-                <p:cond evt="onNext" delay="0">
-                  <p:tgtEl>
-                    <p:sldTgt/>
-                  </p:tgtEl>
-                </p:cond>
-              </p:nextCondLst>
-            </p:seq>
-          </p:childTnLst>
-        </p:cTn>
-      </p:par>
-    </p:tnLst>
-    <p:bldLst>
-      <p:bldP spid="2" grpId="0" animBg="1"/>
-      <p:bldP spid="8" grpId="0" animBg="1"/>
-      <p:bldP spid="8" grpId="1" animBg="1"/>
-      <p:bldP spid="9" grpId="0" animBg="1"/>
-      <p:bldP spid="13" grpId="0" animBg="1"/>
-      <p:bldP spid="14" grpId="0" animBg="1"/>
-      <p:bldP spid="14" grpId="1" animBg="1"/>
-      <p:bldP spid="15" grpId="0" animBg="1"/>
-      <p:bldP spid="15" grpId="1" animBg="1"/>
-      <p:bldP spid="16" grpId="0" animBg="1"/>
-      <p:bldP spid="16" grpId="1" animBg="1"/>
-      <p:bldP spid="18" grpId="0" animBg="1"/>
-      <p:bldP spid="18" grpId="1" animBg="1"/>
-      <p:bldP spid="19" grpId="0" animBg="1"/>
-      <p:bldP spid="19" grpId="1" animBg="1"/>
-      <p:bldP spid="20" grpId="0" animBg="1"/>
-      <p:bldP spid="21" grpId="0" animBg="1"/>
-      <p:bldP spid="26" grpId="0" animBg="1"/>
-      <p:bldP spid="26" grpId="1" animBg="1"/>
-      <p:bldP spid="27" grpId="0" animBg="1"/>
-      <p:bldP spid="27" grpId="1" animBg="1"/>
-      <p:bldP spid="30" grpId="0" animBg="1"/>
-      <p:bldP spid="30" grpId="1" animBg="1"/>
-      <p:bldP spid="31" grpId="0" animBg="1"/>
-      <p:bldP spid="31" grpId="1" animBg="1"/>
-      <p:bldP spid="32" grpId="0" animBg="1"/>
-      <p:bldP spid="32" grpId="1" animBg="1"/>
-      <p:bldP spid="33" grpId="0" animBg="1"/>
-      <p:bldP spid="33" grpId="1" animBg="1"/>
-      <p:bldP spid="34" grpId="0" animBg="1"/>
-      <p:bldP spid="34" grpId="1" animBg="1"/>
-      <p:bldP spid="36" grpId="0" animBg="1"/>
-      <p:bldP spid="37" grpId="0" animBg="1"/>
-      <p:bldP spid="43" grpId="0" animBg="1"/>
-      <p:bldP spid="43" grpId="1" animBg="1"/>
-      <p:bldP spid="46" grpId="0" animBg="1"/>
-      <p:bldP spid="46" grpId="1" animBg="1"/>
-      <p:bldP spid="47" grpId="0" animBg="1"/>
-      <p:bldP spid="48" grpId="0" animBg="1"/>
-      <p:bldP spid="49" grpId="0" animBg="1"/>
-      <p:bldP spid="49" grpId="1" animBg="1"/>
-      <p:bldP spid="50" grpId="0" animBg="1"/>
-      <p:bldP spid="50" grpId="1" animBg="1"/>
-      <p:bldP spid="51" grpId="0" animBg="1"/>
-      <p:bldP spid="51" grpId="1" animBg="1"/>
-      <p:bldP spid="53" grpId="0" animBg="1"/>
-      <p:bldP spid="53" grpId="1" animBg="1"/>
-      <p:bldP spid="54" grpId="0" animBg="1"/>
-      <p:bldP spid="54" grpId="1" animBg="1"/>
-      <p:bldP spid="55" grpId="0" animBg="1"/>
-      <p:bldP spid="55" grpId="1" animBg="1"/>
-      <p:bldP spid="56" grpId="0" animBg="1"/>
-      <p:bldP spid="56" grpId="1" animBg="1"/>
-      <p:bldP spid="57" grpId="0" animBg="1"/>
-      <p:bldP spid="57" grpId="1" animBg="1"/>
-      <p:bldP spid="58" grpId="0" animBg="1"/>
-      <p:bldP spid="58" grpId="1" animBg="1"/>
-      <p:bldP spid="59" grpId="0" animBg="1"/>
-      <p:bldP spid="59" grpId="1" animBg="1"/>
-      <p:bldP spid="60" grpId="0" animBg="1"/>
-      <p:bldP spid="61" grpId="0" animBg="1"/>
-      <p:bldP spid="61" grpId="1" animBg="1"/>
-      <p:bldP spid="62" grpId="0" animBg="1"/>
-      <p:bldP spid="63" grpId="0" animBg="1"/>
-      <p:bldP spid="64" grpId="0" animBg="1"/>
-      <p:bldP spid="65" grpId="0" animBg="1"/>
-      <p:bldP spid="65" grpId="1" animBg="1"/>
-      <p:bldP spid="66" grpId="0" animBg="1"/>
-      <p:bldP spid="66" grpId="1" animBg="1"/>
     </p:bldLst>
   </p:timing>
 </p:sld>
